--- a/Classifying Depression with Activity.pptx
+++ b/Classifying Depression with Activity.pptx
@@ -144,6 +144,2798 @@
 </p:presentation>
 </file>
 
+<file path=ppt/diagrams/colors1.xml><?xml version="1.0" encoding="utf-8"?>
+<dgm:colorsDef xmlns:dgm="http://schemas.openxmlformats.org/drawingml/2006/diagram" xmlns:a="http://schemas.openxmlformats.org/drawingml/2006/main" uniqueId="urn:microsoft.com/office/officeart/2005/8/colors/accent1_2">
+  <dgm:title val=""/>
+  <dgm:desc val=""/>
+  <dgm:catLst>
+    <dgm:cat type="accent1" pri="11200"/>
+  </dgm:catLst>
+  <dgm:styleLbl name="node0">
+    <dgm:fillClrLst meth="repeat">
+      <a:schemeClr val="accent1"/>
+    </dgm:fillClrLst>
+    <dgm:linClrLst meth="repeat">
+      <a:schemeClr val="lt1"/>
+    </dgm:linClrLst>
+    <dgm:effectClrLst/>
+    <dgm:txLinClrLst/>
+    <dgm:txFillClrLst/>
+    <dgm:txEffectClrLst/>
+  </dgm:styleLbl>
+  <dgm:styleLbl name="alignNode1">
+    <dgm:fillClrLst meth="repeat">
+      <a:schemeClr val="accent1"/>
+    </dgm:fillClrLst>
+    <dgm:linClrLst meth="repeat">
+      <a:schemeClr val="accent1"/>
+    </dgm:linClrLst>
+    <dgm:effectClrLst/>
+    <dgm:txLinClrLst/>
+    <dgm:txFillClrLst/>
+    <dgm:txEffectClrLst/>
+  </dgm:styleLbl>
+  <dgm:styleLbl name="node1">
+    <dgm:fillClrLst meth="repeat">
+      <a:schemeClr val="accent1"/>
+    </dgm:fillClrLst>
+    <dgm:linClrLst meth="repeat">
+      <a:schemeClr val="lt1"/>
+    </dgm:linClrLst>
+    <dgm:effectClrLst/>
+    <dgm:txLinClrLst/>
+    <dgm:txFillClrLst/>
+    <dgm:txEffectClrLst/>
+  </dgm:styleLbl>
+  <dgm:styleLbl name="lnNode1">
+    <dgm:fillClrLst meth="repeat">
+      <a:schemeClr val="accent1"/>
+    </dgm:fillClrLst>
+    <dgm:linClrLst meth="repeat">
+      <a:schemeClr val="lt1"/>
+    </dgm:linClrLst>
+    <dgm:effectClrLst/>
+    <dgm:txLinClrLst/>
+    <dgm:txFillClrLst/>
+    <dgm:txEffectClrLst/>
+  </dgm:styleLbl>
+  <dgm:styleLbl name="vennNode1">
+    <dgm:fillClrLst meth="repeat">
+      <a:schemeClr val="accent1">
+        <a:alpha val="50000"/>
+      </a:schemeClr>
+    </dgm:fillClrLst>
+    <dgm:linClrLst meth="repeat">
+      <a:schemeClr val="lt1"/>
+    </dgm:linClrLst>
+    <dgm:effectClrLst/>
+    <dgm:txLinClrLst/>
+    <dgm:txFillClrLst/>
+    <dgm:txEffectClrLst/>
+  </dgm:styleLbl>
+  <dgm:styleLbl name="node2">
+    <dgm:fillClrLst meth="repeat">
+      <a:schemeClr val="accent1"/>
+    </dgm:fillClrLst>
+    <dgm:linClrLst meth="repeat">
+      <a:schemeClr val="lt1"/>
+    </dgm:linClrLst>
+    <dgm:effectClrLst/>
+    <dgm:txLinClrLst/>
+    <dgm:txFillClrLst/>
+    <dgm:txEffectClrLst/>
+  </dgm:styleLbl>
+  <dgm:styleLbl name="node3">
+    <dgm:fillClrLst meth="repeat">
+      <a:schemeClr val="accent1"/>
+    </dgm:fillClrLst>
+    <dgm:linClrLst meth="repeat">
+      <a:schemeClr val="lt1"/>
+    </dgm:linClrLst>
+    <dgm:effectClrLst/>
+    <dgm:txLinClrLst/>
+    <dgm:txFillClrLst/>
+    <dgm:txEffectClrLst/>
+  </dgm:styleLbl>
+  <dgm:styleLbl name="node4">
+    <dgm:fillClrLst meth="repeat">
+      <a:schemeClr val="accent1"/>
+    </dgm:fillClrLst>
+    <dgm:linClrLst meth="repeat">
+      <a:schemeClr val="lt1"/>
+    </dgm:linClrLst>
+    <dgm:effectClrLst/>
+    <dgm:txLinClrLst/>
+    <dgm:txFillClrLst/>
+    <dgm:txEffectClrLst/>
+  </dgm:styleLbl>
+  <dgm:styleLbl name="fgImgPlace1">
+    <dgm:fillClrLst meth="repeat">
+      <a:schemeClr val="accent1">
+        <a:tint val="50000"/>
+      </a:schemeClr>
+    </dgm:fillClrLst>
+    <dgm:linClrLst meth="repeat">
+      <a:schemeClr val="lt1"/>
+    </dgm:linClrLst>
+    <dgm:effectClrLst/>
+    <dgm:txLinClrLst/>
+    <dgm:txFillClrLst meth="repeat">
+      <a:schemeClr val="lt1"/>
+    </dgm:txFillClrLst>
+    <dgm:txEffectClrLst/>
+  </dgm:styleLbl>
+  <dgm:styleLbl name="alignImgPlace1">
+    <dgm:fillClrLst meth="repeat">
+      <a:schemeClr val="accent1">
+        <a:tint val="50000"/>
+      </a:schemeClr>
+    </dgm:fillClrLst>
+    <dgm:linClrLst meth="repeat">
+      <a:schemeClr val="lt1"/>
+    </dgm:linClrLst>
+    <dgm:effectClrLst/>
+    <dgm:txLinClrLst/>
+    <dgm:txFillClrLst meth="repeat">
+      <a:schemeClr val="lt1"/>
+    </dgm:txFillClrLst>
+    <dgm:txEffectClrLst/>
+  </dgm:styleLbl>
+  <dgm:styleLbl name="bgImgPlace1">
+    <dgm:fillClrLst meth="repeat">
+      <a:schemeClr val="accent1">
+        <a:tint val="50000"/>
+      </a:schemeClr>
+    </dgm:fillClrLst>
+    <dgm:linClrLst meth="repeat">
+      <a:schemeClr val="lt1"/>
+    </dgm:linClrLst>
+    <dgm:effectClrLst/>
+    <dgm:txLinClrLst/>
+    <dgm:txFillClrLst meth="repeat">
+      <a:schemeClr val="lt1"/>
+    </dgm:txFillClrLst>
+    <dgm:txEffectClrLst/>
+  </dgm:styleLbl>
+  <dgm:styleLbl name="sibTrans2D1">
+    <dgm:fillClrLst meth="repeat">
+      <a:schemeClr val="accent1">
+        <a:tint val="60000"/>
+      </a:schemeClr>
+    </dgm:fillClrLst>
+    <dgm:linClrLst meth="repeat">
+      <a:schemeClr val="accent1">
+        <a:tint val="60000"/>
+      </a:schemeClr>
+    </dgm:linClrLst>
+    <dgm:effectClrLst/>
+    <dgm:txLinClrLst/>
+    <dgm:txFillClrLst/>
+    <dgm:txEffectClrLst/>
+  </dgm:styleLbl>
+  <dgm:styleLbl name="fgSibTrans2D1">
+    <dgm:fillClrLst meth="repeat">
+      <a:schemeClr val="accent1">
+        <a:tint val="60000"/>
+      </a:schemeClr>
+    </dgm:fillClrLst>
+    <dgm:linClrLst meth="repeat">
+      <a:schemeClr val="accent1">
+        <a:tint val="60000"/>
+      </a:schemeClr>
+    </dgm:linClrLst>
+    <dgm:effectClrLst/>
+    <dgm:txLinClrLst/>
+    <dgm:txFillClrLst/>
+    <dgm:txEffectClrLst/>
+  </dgm:styleLbl>
+  <dgm:styleLbl name="bgSibTrans2D1">
+    <dgm:fillClrLst meth="repeat">
+      <a:schemeClr val="accent1">
+        <a:tint val="60000"/>
+      </a:schemeClr>
+    </dgm:fillClrLst>
+    <dgm:linClrLst meth="repeat">
+      <a:schemeClr val="accent1">
+        <a:tint val="60000"/>
+      </a:schemeClr>
+    </dgm:linClrLst>
+    <dgm:effectClrLst/>
+    <dgm:txLinClrLst/>
+    <dgm:txFillClrLst/>
+    <dgm:txEffectClrLst/>
+  </dgm:styleLbl>
+  <dgm:styleLbl name="sibTrans1D1">
+    <dgm:fillClrLst meth="repeat">
+      <a:schemeClr val="accent1"/>
+    </dgm:fillClrLst>
+    <dgm:linClrLst meth="repeat">
+      <a:schemeClr val="accent1"/>
+    </dgm:linClrLst>
+    <dgm:effectClrLst/>
+    <dgm:txLinClrLst/>
+    <dgm:txFillClrLst meth="repeat">
+      <a:schemeClr val="tx1"/>
+    </dgm:txFillClrLst>
+    <dgm:txEffectClrLst/>
+  </dgm:styleLbl>
+  <dgm:styleLbl name="callout">
+    <dgm:fillClrLst meth="repeat">
+      <a:schemeClr val="accent1"/>
+    </dgm:fillClrLst>
+    <dgm:linClrLst meth="repeat">
+      <a:schemeClr val="accent1">
+        <a:tint val="50000"/>
+      </a:schemeClr>
+    </dgm:linClrLst>
+    <dgm:effectClrLst/>
+    <dgm:txLinClrLst/>
+    <dgm:txFillClrLst meth="repeat">
+      <a:schemeClr val="tx1"/>
+    </dgm:txFillClrLst>
+    <dgm:txEffectClrLst/>
+  </dgm:styleLbl>
+  <dgm:styleLbl name="asst0">
+    <dgm:fillClrLst meth="repeat">
+      <a:schemeClr val="accent1"/>
+    </dgm:fillClrLst>
+    <dgm:linClrLst meth="repeat">
+      <a:schemeClr val="lt1"/>
+    </dgm:linClrLst>
+    <dgm:effectClrLst/>
+    <dgm:txLinClrLst/>
+    <dgm:txFillClrLst/>
+    <dgm:txEffectClrLst/>
+  </dgm:styleLbl>
+  <dgm:styleLbl name="asst1">
+    <dgm:fillClrLst meth="repeat">
+      <a:schemeClr val="accent1"/>
+    </dgm:fillClrLst>
+    <dgm:linClrLst meth="repeat">
+      <a:schemeClr val="lt1"/>
+    </dgm:linClrLst>
+    <dgm:effectClrLst/>
+    <dgm:txLinClrLst/>
+    <dgm:txFillClrLst/>
+    <dgm:txEffectClrLst/>
+  </dgm:styleLbl>
+  <dgm:styleLbl name="asst2">
+    <dgm:fillClrLst meth="repeat">
+      <a:schemeClr val="accent1"/>
+    </dgm:fillClrLst>
+    <dgm:linClrLst meth="repeat">
+      <a:schemeClr val="lt1"/>
+    </dgm:linClrLst>
+    <dgm:effectClrLst/>
+    <dgm:txLinClrLst/>
+    <dgm:txFillClrLst/>
+    <dgm:txEffectClrLst/>
+  </dgm:styleLbl>
+  <dgm:styleLbl name="asst3">
+    <dgm:fillClrLst meth="repeat">
+      <a:schemeClr val="accent1"/>
+    </dgm:fillClrLst>
+    <dgm:linClrLst meth="repeat">
+      <a:schemeClr val="lt1"/>
+    </dgm:linClrLst>
+    <dgm:effectClrLst/>
+    <dgm:txLinClrLst/>
+    <dgm:txFillClrLst/>
+    <dgm:txEffectClrLst/>
+  </dgm:styleLbl>
+  <dgm:styleLbl name="asst4">
+    <dgm:fillClrLst meth="repeat">
+      <a:schemeClr val="accent1"/>
+    </dgm:fillClrLst>
+    <dgm:linClrLst meth="repeat">
+      <a:schemeClr val="lt1"/>
+    </dgm:linClrLst>
+    <dgm:effectClrLst/>
+    <dgm:txLinClrLst/>
+    <dgm:txFillClrLst/>
+    <dgm:txEffectClrLst/>
+  </dgm:styleLbl>
+  <dgm:styleLbl name="parChTrans2D1">
+    <dgm:fillClrLst meth="repeat">
+      <a:schemeClr val="accent1">
+        <a:tint val="60000"/>
+      </a:schemeClr>
+    </dgm:fillClrLst>
+    <dgm:linClrLst meth="repeat">
+      <a:schemeClr val="accent1">
+        <a:tint val="60000"/>
+      </a:schemeClr>
+    </dgm:linClrLst>
+    <dgm:effectClrLst/>
+    <dgm:txLinClrLst/>
+    <dgm:txFillClrLst meth="repeat">
+      <a:schemeClr val="lt1"/>
+    </dgm:txFillClrLst>
+    <dgm:txEffectClrLst/>
+  </dgm:styleLbl>
+  <dgm:styleLbl name="parChTrans2D2">
+    <dgm:fillClrLst meth="repeat">
+      <a:schemeClr val="accent1"/>
+    </dgm:fillClrLst>
+    <dgm:linClrLst meth="repeat">
+      <a:schemeClr val="accent1"/>
+    </dgm:linClrLst>
+    <dgm:effectClrLst/>
+    <dgm:txLinClrLst/>
+    <dgm:txFillClrLst meth="repeat">
+      <a:schemeClr val="lt1"/>
+    </dgm:txFillClrLst>
+    <dgm:txEffectClrLst/>
+  </dgm:styleLbl>
+  <dgm:styleLbl name="parChTrans2D3">
+    <dgm:fillClrLst meth="repeat">
+      <a:schemeClr val="accent1"/>
+    </dgm:fillClrLst>
+    <dgm:linClrLst meth="repeat">
+      <a:schemeClr val="accent1"/>
+    </dgm:linClrLst>
+    <dgm:effectClrLst/>
+    <dgm:txLinClrLst/>
+    <dgm:txFillClrLst meth="repeat">
+      <a:schemeClr val="lt1"/>
+    </dgm:txFillClrLst>
+    <dgm:txEffectClrLst/>
+  </dgm:styleLbl>
+  <dgm:styleLbl name="parChTrans2D4">
+    <dgm:fillClrLst meth="repeat">
+      <a:schemeClr val="accent1"/>
+    </dgm:fillClrLst>
+    <dgm:linClrLst meth="repeat">
+      <a:schemeClr val="accent1"/>
+    </dgm:linClrLst>
+    <dgm:effectClrLst/>
+    <dgm:txLinClrLst/>
+    <dgm:txFillClrLst meth="repeat">
+      <a:schemeClr val="lt1"/>
+    </dgm:txFillClrLst>
+    <dgm:txEffectClrLst/>
+  </dgm:styleLbl>
+  <dgm:styleLbl name="parChTrans1D1">
+    <dgm:fillClrLst meth="repeat">
+      <a:schemeClr val="accent1"/>
+    </dgm:fillClrLst>
+    <dgm:linClrLst meth="repeat">
+      <a:schemeClr val="accent1">
+        <a:shade val="60000"/>
+      </a:schemeClr>
+    </dgm:linClrLst>
+    <dgm:effectClrLst/>
+    <dgm:txLinClrLst/>
+    <dgm:txFillClrLst meth="repeat">
+      <a:schemeClr val="tx1"/>
+    </dgm:txFillClrLst>
+    <dgm:txEffectClrLst/>
+  </dgm:styleLbl>
+  <dgm:styleLbl name="parChTrans1D2">
+    <dgm:fillClrLst meth="repeat">
+      <a:schemeClr val="accent1"/>
+    </dgm:fillClrLst>
+    <dgm:linClrLst meth="repeat">
+      <a:schemeClr val="accent1">
+        <a:shade val="60000"/>
+      </a:schemeClr>
+    </dgm:linClrLst>
+    <dgm:effectClrLst/>
+    <dgm:txLinClrLst/>
+    <dgm:txFillClrLst meth="repeat">
+      <a:schemeClr val="tx1"/>
+    </dgm:txFillClrLst>
+    <dgm:txEffectClrLst/>
+  </dgm:styleLbl>
+  <dgm:styleLbl name="parChTrans1D3">
+    <dgm:fillClrLst meth="repeat">
+      <a:schemeClr val="accent1"/>
+    </dgm:fillClrLst>
+    <dgm:linClrLst meth="repeat">
+      <a:schemeClr val="accent1">
+        <a:shade val="80000"/>
+      </a:schemeClr>
+    </dgm:linClrLst>
+    <dgm:effectClrLst/>
+    <dgm:txLinClrLst/>
+    <dgm:txFillClrLst meth="repeat">
+      <a:schemeClr val="tx1"/>
+    </dgm:txFillClrLst>
+    <dgm:txEffectClrLst/>
+  </dgm:styleLbl>
+  <dgm:styleLbl name="parChTrans1D4">
+    <dgm:fillClrLst meth="repeat">
+      <a:schemeClr val="accent1"/>
+    </dgm:fillClrLst>
+    <dgm:linClrLst meth="repeat">
+      <a:schemeClr val="accent1">
+        <a:shade val="80000"/>
+      </a:schemeClr>
+    </dgm:linClrLst>
+    <dgm:effectClrLst/>
+    <dgm:txLinClrLst/>
+    <dgm:txFillClrLst meth="repeat">
+      <a:schemeClr val="tx1"/>
+    </dgm:txFillClrLst>
+    <dgm:txEffectClrLst/>
+  </dgm:styleLbl>
+  <dgm:styleLbl name="fgAcc1">
+    <dgm:fillClrLst meth="repeat">
+      <a:schemeClr val="lt1">
+        <a:alpha val="90000"/>
+      </a:schemeClr>
+    </dgm:fillClrLst>
+    <dgm:linClrLst meth="repeat">
+      <a:schemeClr val="accent1"/>
+    </dgm:linClrLst>
+    <dgm:effectClrLst/>
+    <dgm:txLinClrLst/>
+    <dgm:txFillClrLst meth="repeat">
+      <a:schemeClr val="dk1"/>
+    </dgm:txFillClrLst>
+    <dgm:txEffectClrLst/>
+  </dgm:styleLbl>
+  <dgm:styleLbl name="conFgAcc1">
+    <dgm:fillClrLst meth="repeat">
+      <a:schemeClr val="lt1">
+        <a:alpha val="90000"/>
+      </a:schemeClr>
+    </dgm:fillClrLst>
+    <dgm:linClrLst meth="repeat">
+      <a:schemeClr val="accent1"/>
+    </dgm:linClrLst>
+    <dgm:effectClrLst/>
+    <dgm:txLinClrLst/>
+    <dgm:txFillClrLst meth="repeat">
+      <a:schemeClr val="dk1"/>
+    </dgm:txFillClrLst>
+    <dgm:txEffectClrLst/>
+  </dgm:styleLbl>
+  <dgm:styleLbl name="alignAcc1">
+    <dgm:fillClrLst meth="repeat">
+      <a:schemeClr val="lt1">
+        <a:alpha val="90000"/>
+      </a:schemeClr>
+    </dgm:fillClrLst>
+    <dgm:linClrLst meth="repeat">
+      <a:schemeClr val="accent1"/>
+    </dgm:linClrLst>
+    <dgm:effectClrLst/>
+    <dgm:txLinClrLst/>
+    <dgm:txFillClrLst meth="repeat">
+      <a:schemeClr val="dk1"/>
+    </dgm:txFillClrLst>
+    <dgm:txEffectClrLst/>
+  </dgm:styleLbl>
+  <dgm:styleLbl name="trAlignAcc1">
+    <dgm:fillClrLst meth="repeat">
+      <a:schemeClr val="lt1">
+        <a:alpha val="40000"/>
+      </a:schemeClr>
+    </dgm:fillClrLst>
+    <dgm:linClrLst meth="repeat">
+      <a:schemeClr val="accent1"/>
+    </dgm:linClrLst>
+    <dgm:effectClrLst/>
+    <dgm:txLinClrLst/>
+    <dgm:txFillClrLst meth="repeat">
+      <a:schemeClr val="dk1"/>
+    </dgm:txFillClrLst>
+    <dgm:txEffectClrLst/>
+  </dgm:styleLbl>
+  <dgm:styleLbl name="bgAcc1">
+    <dgm:fillClrLst meth="repeat">
+      <a:schemeClr val="lt1">
+        <a:alpha val="90000"/>
+      </a:schemeClr>
+    </dgm:fillClrLst>
+    <dgm:linClrLst meth="repeat">
+      <a:schemeClr val="accent1"/>
+    </dgm:linClrLst>
+    <dgm:effectClrLst/>
+    <dgm:txLinClrLst/>
+    <dgm:txFillClrLst meth="repeat">
+      <a:schemeClr val="dk1"/>
+    </dgm:txFillClrLst>
+    <dgm:txEffectClrLst/>
+  </dgm:styleLbl>
+  <dgm:styleLbl name="solidFgAcc1">
+    <dgm:fillClrLst meth="repeat">
+      <a:schemeClr val="lt1"/>
+    </dgm:fillClrLst>
+    <dgm:linClrLst meth="repeat">
+      <a:schemeClr val="accent1"/>
+    </dgm:linClrLst>
+    <dgm:effectClrLst/>
+    <dgm:txLinClrLst/>
+    <dgm:txFillClrLst meth="repeat">
+      <a:schemeClr val="dk1"/>
+    </dgm:txFillClrLst>
+    <dgm:txEffectClrLst/>
+  </dgm:styleLbl>
+  <dgm:styleLbl name="solidAlignAcc1">
+    <dgm:fillClrLst meth="repeat">
+      <a:schemeClr val="lt1"/>
+    </dgm:fillClrLst>
+    <dgm:linClrLst meth="repeat">
+      <a:schemeClr val="accent1"/>
+    </dgm:linClrLst>
+    <dgm:effectClrLst/>
+    <dgm:txLinClrLst/>
+    <dgm:txFillClrLst meth="repeat">
+      <a:schemeClr val="dk1"/>
+    </dgm:txFillClrLst>
+    <dgm:txEffectClrLst/>
+  </dgm:styleLbl>
+  <dgm:styleLbl name="solidBgAcc1">
+    <dgm:fillClrLst meth="repeat">
+      <a:schemeClr val="lt1"/>
+    </dgm:fillClrLst>
+    <dgm:linClrLst meth="repeat">
+      <a:schemeClr val="accent1"/>
+    </dgm:linClrLst>
+    <dgm:effectClrLst/>
+    <dgm:txLinClrLst/>
+    <dgm:txFillClrLst meth="repeat">
+      <a:schemeClr val="dk1"/>
+    </dgm:txFillClrLst>
+    <dgm:txEffectClrLst/>
+  </dgm:styleLbl>
+  <dgm:styleLbl name="fgAccFollowNode1">
+    <dgm:fillClrLst meth="repeat">
+      <a:schemeClr val="accent1">
+        <a:alpha val="90000"/>
+        <a:tint val="40000"/>
+      </a:schemeClr>
+    </dgm:fillClrLst>
+    <dgm:linClrLst meth="repeat">
+      <a:schemeClr val="accent1">
+        <a:alpha val="90000"/>
+        <a:tint val="40000"/>
+      </a:schemeClr>
+    </dgm:linClrLst>
+    <dgm:effectClrLst/>
+    <dgm:txLinClrLst/>
+    <dgm:txFillClrLst meth="repeat">
+      <a:schemeClr val="dk1"/>
+    </dgm:txFillClrLst>
+    <dgm:txEffectClrLst/>
+  </dgm:styleLbl>
+  <dgm:styleLbl name="alignAccFollowNode1">
+    <dgm:fillClrLst meth="repeat">
+      <a:schemeClr val="accent1">
+        <a:alpha val="90000"/>
+        <a:tint val="40000"/>
+      </a:schemeClr>
+    </dgm:fillClrLst>
+    <dgm:linClrLst meth="repeat">
+      <a:schemeClr val="accent1">
+        <a:alpha val="90000"/>
+        <a:tint val="40000"/>
+      </a:schemeClr>
+    </dgm:linClrLst>
+    <dgm:effectClrLst/>
+    <dgm:txLinClrLst/>
+    <dgm:txFillClrLst meth="repeat">
+      <a:schemeClr val="dk1"/>
+    </dgm:txFillClrLst>
+    <dgm:txEffectClrLst/>
+  </dgm:styleLbl>
+  <dgm:styleLbl name="bgAccFollowNode1">
+    <dgm:fillClrLst meth="repeat">
+      <a:schemeClr val="accent1">
+        <a:alpha val="90000"/>
+        <a:tint val="40000"/>
+      </a:schemeClr>
+    </dgm:fillClrLst>
+    <dgm:linClrLst meth="repeat">
+      <a:schemeClr val="accent1">
+        <a:alpha val="90000"/>
+        <a:tint val="40000"/>
+      </a:schemeClr>
+    </dgm:linClrLst>
+    <dgm:effectClrLst/>
+    <dgm:txLinClrLst/>
+    <dgm:txFillClrLst meth="repeat">
+      <a:schemeClr val="dk1"/>
+    </dgm:txFillClrLst>
+    <dgm:txEffectClrLst/>
+  </dgm:styleLbl>
+  <dgm:styleLbl name="fgAcc0">
+    <dgm:fillClrLst meth="repeat">
+      <a:schemeClr val="lt1">
+        <a:alpha val="90000"/>
+      </a:schemeClr>
+    </dgm:fillClrLst>
+    <dgm:linClrLst meth="repeat">
+      <a:schemeClr val="accent1"/>
+    </dgm:linClrLst>
+    <dgm:effectClrLst/>
+    <dgm:txLinClrLst/>
+    <dgm:txFillClrLst meth="repeat">
+      <a:schemeClr val="dk1"/>
+    </dgm:txFillClrLst>
+    <dgm:txEffectClrLst/>
+  </dgm:styleLbl>
+  <dgm:styleLbl name="fgAcc2">
+    <dgm:fillClrLst meth="repeat">
+      <a:schemeClr val="lt1">
+        <a:alpha val="90000"/>
+      </a:schemeClr>
+    </dgm:fillClrLst>
+    <dgm:linClrLst meth="repeat">
+      <a:schemeClr val="accent1"/>
+    </dgm:linClrLst>
+    <dgm:effectClrLst/>
+    <dgm:txLinClrLst/>
+    <dgm:txFillClrLst meth="repeat">
+      <a:schemeClr val="dk1"/>
+    </dgm:txFillClrLst>
+    <dgm:txEffectClrLst/>
+  </dgm:styleLbl>
+  <dgm:styleLbl name="fgAcc3">
+    <dgm:fillClrLst meth="repeat">
+      <a:schemeClr val="lt1">
+        <a:alpha val="90000"/>
+      </a:schemeClr>
+    </dgm:fillClrLst>
+    <dgm:linClrLst meth="repeat">
+      <a:schemeClr val="accent1"/>
+    </dgm:linClrLst>
+    <dgm:effectClrLst/>
+    <dgm:txLinClrLst/>
+    <dgm:txFillClrLst meth="repeat">
+      <a:schemeClr val="dk1"/>
+    </dgm:txFillClrLst>
+    <dgm:txEffectClrLst/>
+  </dgm:styleLbl>
+  <dgm:styleLbl name="fgAcc4">
+    <dgm:fillClrLst meth="repeat">
+      <a:schemeClr val="lt1">
+        <a:alpha val="90000"/>
+      </a:schemeClr>
+    </dgm:fillClrLst>
+    <dgm:linClrLst meth="repeat">
+      <a:schemeClr val="accent1"/>
+    </dgm:linClrLst>
+    <dgm:effectClrLst/>
+    <dgm:txLinClrLst/>
+    <dgm:txFillClrLst meth="repeat">
+      <a:schemeClr val="dk1"/>
+    </dgm:txFillClrLst>
+    <dgm:txEffectClrLst/>
+  </dgm:styleLbl>
+  <dgm:styleLbl name="bgShp">
+    <dgm:fillClrLst meth="repeat">
+      <a:schemeClr val="accent1">
+        <a:tint val="40000"/>
+      </a:schemeClr>
+    </dgm:fillClrLst>
+    <dgm:linClrLst meth="repeat">
+      <a:schemeClr val="accent1"/>
+    </dgm:linClrLst>
+    <dgm:effectClrLst/>
+    <dgm:txLinClrLst/>
+    <dgm:txFillClrLst meth="repeat">
+      <a:schemeClr val="dk1"/>
+    </dgm:txFillClrLst>
+    <dgm:txEffectClrLst/>
+  </dgm:styleLbl>
+  <dgm:styleLbl name="dkBgShp">
+    <dgm:fillClrLst meth="repeat">
+      <a:schemeClr val="accent1">
+        <a:shade val="80000"/>
+      </a:schemeClr>
+    </dgm:fillClrLst>
+    <dgm:linClrLst meth="repeat">
+      <a:schemeClr val="accent1"/>
+    </dgm:linClrLst>
+    <dgm:effectClrLst/>
+    <dgm:txLinClrLst/>
+    <dgm:txFillClrLst meth="repeat">
+      <a:schemeClr val="lt1"/>
+    </dgm:txFillClrLst>
+    <dgm:txEffectClrLst/>
+  </dgm:styleLbl>
+  <dgm:styleLbl name="trBgShp">
+    <dgm:fillClrLst meth="repeat">
+      <a:schemeClr val="accent1">
+        <a:tint val="50000"/>
+        <a:alpha val="40000"/>
+      </a:schemeClr>
+    </dgm:fillClrLst>
+    <dgm:linClrLst meth="repeat">
+      <a:schemeClr val="accent1"/>
+    </dgm:linClrLst>
+    <dgm:effectClrLst/>
+    <dgm:txLinClrLst/>
+    <dgm:txFillClrLst meth="repeat">
+      <a:schemeClr val="lt1"/>
+    </dgm:txFillClrLst>
+    <dgm:txEffectClrLst/>
+  </dgm:styleLbl>
+  <dgm:styleLbl name="fgShp">
+    <dgm:fillClrLst meth="repeat">
+      <a:schemeClr val="accent1">
+        <a:tint val="60000"/>
+      </a:schemeClr>
+    </dgm:fillClrLst>
+    <dgm:linClrLst meth="repeat">
+      <a:schemeClr val="lt1"/>
+    </dgm:linClrLst>
+    <dgm:effectClrLst/>
+    <dgm:txLinClrLst/>
+    <dgm:txFillClrLst meth="repeat">
+      <a:schemeClr val="dk1"/>
+    </dgm:txFillClrLst>
+    <dgm:txEffectClrLst/>
+  </dgm:styleLbl>
+  <dgm:styleLbl name="revTx">
+    <dgm:fillClrLst meth="repeat">
+      <a:schemeClr val="lt1">
+        <a:alpha val="0"/>
+      </a:schemeClr>
+    </dgm:fillClrLst>
+    <dgm:linClrLst meth="repeat">
+      <a:schemeClr val="dk1">
+        <a:alpha val="0"/>
+      </a:schemeClr>
+    </dgm:linClrLst>
+    <dgm:effectClrLst/>
+    <dgm:txLinClrLst/>
+    <dgm:txFillClrLst meth="repeat">
+      <a:schemeClr val="tx1"/>
+    </dgm:txFillClrLst>
+    <dgm:txEffectClrLst/>
+  </dgm:styleLbl>
+</dgm:colorsDef>
+</file>
+
+<file path=ppt/diagrams/data1.xml><?xml version="1.0" encoding="utf-8"?>
+<dgm:dataModel xmlns:dgm="http://schemas.openxmlformats.org/drawingml/2006/diagram" xmlns:a="http://schemas.openxmlformats.org/drawingml/2006/main">
+  <dgm:ptLst>
+    <dgm:pt modelId="{CBE4C905-CA5C-429C-B392-1E35A1BA7180}" type="doc">
+      <dgm:prSet loTypeId="urn:microsoft.com/office/officeart/2005/8/layout/hierarchy1" loCatId="hierarchy" qsTypeId="urn:microsoft.com/office/officeart/2005/8/quickstyle/simple1" qsCatId="simple" csTypeId="urn:microsoft.com/office/officeart/2005/8/colors/accent1_2" csCatId="accent1" phldr="1"/>
+      <dgm:spPr/>
+      <dgm:t>
+        <a:bodyPr/>
+        <a:lstStyle/>
+        <a:p>
+          <a:endParaRPr lang="en-US"/>
+        </a:p>
+      </dgm:t>
+    </dgm:pt>
+    <dgm:pt modelId="{0F3E1C79-808B-44E4-93EF-ECB6A9FBF6FF}">
+      <dgm:prSet/>
+      <dgm:spPr/>
+      <dgm:t>
+        <a:bodyPr/>
+        <a:lstStyle/>
+        <a:p>
+          <a:r>
+            <a:rPr lang="en-US"/>
+            <a:t>55 Samples did not give us very much to work with. Our best accuracy was around 60%</a:t>
+          </a:r>
+        </a:p>
+      </dgm:t>
+    </dgm:pt>
+    <dgm:pt modelId="{0F25E223-78DA-423B-B14B-F242D89FF7E3}" type="parTrans" cxnId="{5F0A6356-D7D7-4620-9E2D-567FD0C63F95}">
+      <dgm:prSet/>
+      <dgm:spPr/>
+      <dgm:t>
+        <a:bodyPr/>
+        <a:lstStyle/>
+        <a:p>
+          <a:endParaRPr lang="en-US"/>
+        </a:p>
+      </dgm:t>
+    </dgm:pt>
+    <dgm:pt modelId="{92BBAD9F-5F28-4CA6-8198-640943C664FD}" type="sibTrans" cxnId="{5F0A6356-D7D7-4620-9E2D-567FD0C63F95}">
+      <dgm:prSet/>
+      <dgm:spPr/>
+      <dgm:t>
+        <a:bodyPr/>
+        <a:lstStyle/>
+        <a:p>
+          <a:endParaRPr lang="en-US"/>
+        </a:p>
+      </dgm:t>
+    </dgm:pt>
+    <dgm:pt modelId="{FC0BC24A-A249-437E-823E-126898CDAC63}">
+      <dgm:prSet/>
+      <dgm:spPr/>
+      <dgm:t>
+        <a:bodyPr/>
+        <a:lstStyle/>
+        <a:p>
+          <a:r>
+            <a:rPr lang="en-US" dirty="0"/>
+            <a:t>To solve this, we ended up splitting each person into their days that they participated in the experiment with dramatically increased our sample size. </a:t>
+          </a:r>
+        </a:p>
+      </dgm:t>
+    </dgm:pt>
+    <dgm:pt modelId="{D6942AC1-C26B-4FDD-991C-181EBF3E6FBC}" type="parTrans" cxnId="{6A16200E-3655-40DB-8D9B-01887009E2EA}">
+      <dgm:prSet/>
+      <dgm:spPr/>
+      <dgm:t>
+        <a:bodyPr/>
+        <a:lstStyle/>
+        <a:p>
+          <a:endParaRPr lang="en-US"/>
+        </a:p>
+      </dgm:t>
+    </dgm:pt>
+    <dgm:pt modelId="{3FF7958A-DF5E-4AD0-B90B-6D89F2214169}" type="sibTrans" cxnId="{6A16200E-3655-40DB-8D9B-01887009E2EA}">
+      <dgm:prSet/>
+      <dgm:spPr/>
+      <dgm:t>
+        <a:bodyPr/>
+        <a:lstStyle/>
+        <a:p>
+          <a:endParaRPr lang="en-US"/>
+        </a:p>
+      </dgm:t>
+    </dgm:pt>
+    <dgm:pt modelId="{1017DA6D-A945-4A32-A49E-FA0A4B1F29D6}" type="pres">
+      <dgm:prSet presAssocID="{CBE4C905-CA5C-429C-B392-1E35A1BA7180}" presName="hierChild1" presStyleCnt="0">
+        <dgm:presLayoutVars>
+          <dgm:chPref val="1"/>
+          <dgm:dir/>
+          <dgm:animOne val="branch"/>
+          <dgm:animLvl val="lvl"/>
+          <dgm:resizeHandles/>
+        </dgm:presLayoutVars>
+      </dgm:prSet>
+      <dgm:spPr/>
+    </dgm:pt>
+    <dgm:pt modelId="{8037E1C6-50DD-46BE-B09F-FF1F2347B3DD}" type="pres">
+      <dgm:prSet presAssocID="{0F3E1C79-808B-44E4-93EF-ECB6A9FBF6FF}" presName="hierRoot1" presStyleCnt="0"/>
+      <dgm:spPr/>
+    </dgm:pt>
+    <dgm:pt modelId="{8EFAA67C-AD5D-4B49-BA8C-D2015C9DD324}" type="pres">
+      <dgm:prSet presAssocID="{0F3E1C79-808B-44E4-93EF-ECB6A9FBF6FF}" presName="composite" presStyleCnt="0"/>
+      <dgm:spPr/>
+    </dgm:pt>
+    <dgm:pt modelId="{1486FD6A-A0DE-4FA9-AD99-AFBC2397F8A2}" type="pres">
+      <dgm:prSet presAssocID="{0F3E1C79-808B-44E4-93EF-ECB6A9FBF6FF}" presName="background" presStyleLbl="node0" presStyleIdx="0" presStyleCnt="2"/>
+      <dgm:spPr/>
+    </dgm:pt>
+    <dgm:pt modelId="{EE849D6E-EC5E-4243-AFD6-7502B065C6AE}" type="pres">
+      <dgm:prSet presAssocID="{0F3E1C79-808B-44E4-93EF-ECB6A9FBF6FF}" presName="text" presStyleLbl="fgAcc0" presStyleIdx="0" presStyleCnt="2">
+        <dgm:presLayoutVars>
+          <dgm:chPref val="3"/>
+        </dgm:presLayoutVars>
+      </dgm:prSet>
+      <dgm:spPr/>
+    </dgm:pt>
+    <dgm:pt modelId="{C312A36D-6260-44A9-A8B2-2E86203E8C11}" type="pres">
+      <dgm:prSet presAssocID="{0F3E1C79-808B-44E4-93EF-ECB6A9FBF6FF}" presName="hierChild2" presStyleCnt="0"/>
+      <dgm:spPr/>
+    </dgm:pt>
+    <dgm:pt modelId="{2876D716-EF12-44EA-90FB-CC99133A538D}" type="pres">
+      <dgm:prSet presAssocID="{FC0BC24A-A249-437E-823E-126898CDAC63}" presName="hierRoot1" presStyleCnt="0"/>
+      <dgm:spPr/>
+    </dgm:pt>
+    <dgm:pt modelId="{C7AF1956-2071-4EBE-AABA-D110AE5DBE4F}" type="pres">
+      <dgm:prSet presAssocID="{FC0BC24A-A249-437E-823E-126898CDAC63}" presName="composite" presStyleCnt="0"/>
+      <dgm:spPr/>
+    </dgm:pt>
+    <dgm:pt modelId="{FAF32E9D-8235-43E4-865C-247BB9E2EB90}" type="pres">
+      <dgm:prSet presAssocID="{FC0BC24A-A249-437E-823E-126898CDAC63}" presName="background" presStyleLbl="node0" presStyleIdx="1" presStyleCnt="2"/>
+      <dgm:spPr/>
+    </dgm:pt>
+    <dgm:pt modelId="{A88335FF-0335-4B02-A39C-BD3378723EEC}" type="pres">
+      <dgm:prSet presAssocID="{FC0BC24A-A249-437E-823E-126898CDAC63}" presName="text" presStyleLbl="fgAcc0" presStyleIdx="1" presStyleCnt="2">
+        <dgm:presLayoutVars>
+          <dgm:chPref val="3"/>
+        </dgm:presLayoutVars>
+      </dgm:prSet>
+      <dgm:spPr/>
+    </dgm:pt>
+    <dgm:pt modelId="{4BC8139B-61EF-406C-974A-FFEF4CE06AD1}" type="pres">
+      <dgm:prSet presAssocID="{FC0BC24A-A249-437E-823E-126898CDAC63}" presName="hierChild2" presStyleCnt="0"/>
+      <dgm:spPr/>
+    </dgm:pt>
+  </dgm:ptLst>
+  <dgm:cxnLst>
+    <dgm:cxn modelId="{6A16200E-3655-40DB-8D9B-01887009E2EA}" srcId="{CBE4C905-CA5C-429C-B392-1E35A1BA7180}" destId="{FC0BC24A-A249-437E-823E-126898CDAC63}" srcOrd="1" destOrd="0" parTransId="{D6942AC1-C26B-4FDD-991C-181EBF3E6FBC}" sibTransId="{3FF7958A-DF5E-4AD0-B90B-6D89F2214169}"/>
+    <dgm:cxn modelId="{C1B2F028-817E-462F-9028-6C4A748ABAD2}" type="presOf" srcId="{CBE4C905-CA5C-429C-B392-1E35A1BA7180}" destId="{1017DA6D-A945-4A32-A49E-FA0A4B1F29D6}" srcOrd="0" destOrd="0" presId="urn:microsoft.com/office/officeart/2005/8/layout/hierarchy1"/>
+    <dgm:cxn modelId="{8C8C6F38-C99B-4958-B96B-B851C6237930}" type="presOf" srcId="{0F3E1C79-808B-44E4-93EF-ECB6A9FBF6FF}" destId="{EE849D6E-EC5E-4243-AFD6-7502B065C6AE}" srcOrd="0" destOrd="0" presId="urn:microsoft.com/office/officeart/2005/8/layout/hierarchy1"/>
+    <dgm:cxn modelId="{5F0A6356-D7D7-4620-9E2D-567FD0C63F95}" srcId="{CBE4C905-CA5C-429C-B392-1E35A1BA7180}" destId="{0F3E1C79-808B-44E4-93EF-ECB6A9FBF6FF}" srcOrd="0" destOrd="0" parTransId="{0F25E223-78DA-423B-B14B-F242D89FF7E3}" sibTransId="{92BBAD9F-5F28-4CA6-8198-640943C664FD}"/>
+    <dgm:cxn modelId="{F1069988-6AB5-4493-AFA8-A48C56535C5E}" type="presOf" srcId="{FC0BC24A-A249-437E-823E-126898CDAC63}" destId="{A88335FF-0335-4B02-A39C-BD3378723EEC}" srcOrd="0" destOrd="0" presId="urn:microsoft.com/office/officeart/2005/8/layout/hierarchy1"/>
+    <dgm:cxn modelId="{92F34935-F6FA-4F00-A215-5237A820A0AB}" type="presParOf" srcId="{1017DA6D-A945-4A32-A49E-FA0A4B1F29D6}" destId="{8037E1C6-50DD-46BE-B09F-FF1F2347B3DD}" srcOrd="0" destOrd="0" presId="urn:microsoft.com/office/officeart/2005/8/layout/hierarchy1"/>
+    <dgm:cxn modelId="{AB397AB0-D8C4-47C2-8210-779385D491A9}" type="presParOf" srcId="{8037E1C6-50DD-46BE-B09F-FF1F2347B3DD}" destId="{8EFAA67C-AD5D-4B49-BA8C-D2015C9DD324}" srcOrd="0" destOrd="0" presId="urn:microsoft.com/office/officeart/2005/8/layout/hierarchy1"/>
+    <dgm:cxn modelId="{8A9FB0AE-2633-4B99-A125-5A9127D4426E}" type="presParOf" srcId="{8EFAA67C-AD5D-4B49-BA8C-D2015C9DD324}" destId="{1486FD6A-A0DE-4FA9-AD99-AFBC2397F8A2}" srcOrd="0" destOrd="0" presId="urn:microsoft.com/office/officeart/2005/8/layout/hierarchy1"/>
+    <dgm:cxn modelId="{2702C07B-42EF-412B-9F13-0F0B38A02225}" type="presParOf" srcId="{8EFAA67C-AD5D-4B49-BA8C-D2015C9DD324}" destId="{EE849D6E-EC5E-4243-AFD6-7502B065C6AE}" srcOrd="1" destOrd="0" presId="urn:microsoft.com/office/officeart/2005/8/layout/hierarchy1"/>
+    <dgm:cxn modelId="{EAC942F8-A00D-4685-80FB-C2306692335F}" type="presParOf" srcId="{8037E1C6-50DD-46BE-B09F-FF1F2347B3DD}" destId="{C312A36D-6260-44A9-A8B2-2E86203E8C11}" srcOrd="1" destOrd="0" presId="urn:microsoft.com/office/officeart/2005/8/layout/hierarchy1"/>
+    <dgm:cxn modelId="{D89A2725-ABF0-4256-973D-3DAF5ED567C1}" type="presParOf" srcId="{1017DA6D-A945-4A32-A49E-FA0A4B1F29D6}" destId="{2876D716-EF12-44EA-90FB-CC99133A538D}" srcOrd="1" destOrd="0" presId="urn:microsoft.com/office/officeart/2005/8/layout/hierarchy1"/>
+    <dgm:cxn modelId="{20A09492-4ECF-462F-A565-331F0A87C83F}" type="presParOf" srcId="{2876D716-EF12-44EA-90FB-CC99133A538D}" destId="{C7AF1956-2071-4EBE-AABA-D110AE5DBE4F}" srcOrd="0" destOrd="0" presId="urn:microsoft.com/office/officeart/2005/8/layout/hierarchy1"/>
+    <dgm:cxn modelId="{14744E5D-C837-4F65-B31E-26833DB93464}" type="presParOf" srcId="{C7AF1956-2071-4EBE-AABA-D110AE5DBE4F}" destId="{FAF32E9D-8235-43E4-865C-247BB9E2EB90}" srcOrd="0" destOrd="0" presId="urn:microsoft.com/office/officeart/2005/8/layout/hierarchy1"/>
+    <dgm:cxn modelId="{6141DBA5-45CF-4A92-B831-5EF87D5E040E}" type="presParOf" srcId="{C7AF1956-2071-4EBE-AABA-D110AE5DBE4F}" destId="{A88335FF-0335-4B02-A39C-BD3378723EEC}" srcOrd="1" destOrd="0" presId="urn:microsoft.com/office/officeart/2005/8/layout/hierarchy1"/>
+    <dgm:cxn modelId="{6765653A-398E-42E0-B3C8-1FD8F58E07C1}" type="presParOf" srcId="{2876D716-EF12-44EA-90FB-CC99133A538D}" destId="{4BC8139B-61EF-406C-974A-FFEF4CE06AD1}" srcOrd="1" destOrd="0" presId="urn:microsoft.com/office/officeart/2005/8/layout/hierarchy1"/>
+  </dgm:cxnLst>
+  <dgm:bg/>
+  <dgm:whole/>
+  <dgm:extLst>
+    <a:ext uri="http://schemas.microsoft.com/office/drawing/2008/diagram">
+      <dsp:dataModelExt xmlns:dsp="http://schemas.microsoft.com/office/drawing/2008/diagram" relId="rId7" minVer="http://schemas.openxmlformats.org/drawingml/2006/diagram"/>
+    </a:ext>
+  </dgm:extLst>
+</dgm:dataModel>
+</file>
+
+<file path=ppt/diagrams/drawing1.xml><?xml version="1.0" encoding="utf-8"?>
+<dsp:drawing xmlns:dgm="http://schemas.openxmlformats.org/drawingml/2006/diagram" xmlns:dsp="http://schemas.microsoft.com/office/drawing/2008/diagram" xmlns:a="http://schemas.openxmlformats.org/drawingml/2006/main">
+  <dsp:spTree>
+    <dsp:nvGrpSpPr>
+      <dsp:cNvPr id="0" name=""/>
+      <dsp:cNvGrpSpPr/>
+    </dsp:nvGrpSpPr>
+    <dsp:grpSpPr/>
+    <dsp:sp modelId="{1486FD6A-A0DE-4FA9-AD99-AFBC2397F8A2}">
+      <dsp:nvSpPr>
+        <dsp:cNvPr id="0" name=""/>
+        <dsp:cNvSpPr/>
+      </dsp:nvSpPr>
+      <dsp:spPr>
+        <a:xfrm>
+          <a:off x="80956" y="117"/>
+          <a:ext cx="4683583" cy="2974075"/>
+        </a:xfrm>
+        <a:prstGeom prst="roundRect">
+          <a:avLst>
+            <a:gd name="adj" fmla="val 10000"/>
+          </a:avLst>
+        </a:prstGeom>
+        <a:solidFill>
+          <a:schemeClr val="accent1">
+            <a:hueOff val="0"/>
+            <a:satOff val="0"/>
+            <a:lumOff val="0"/>
+            <a:alphaOff val="0"/>
+          </a:schemeClr>
+        </a:solidFill>
+        <a:ln w="12700" cap="flat" cmpd="sng" algn="ctr">
+          <a:solidFill>
+            <a:schemeClr val="lt1">
+              <a:hueOff val="0"/>
+              <a:satOff val="0"/>
+              <a:lumOff val="0"/>
+              <a:alphaOff val="0"/>
+            </a:schemeClr>
+          </a:solidFill>
+          <a:prstDash val="solid"/>
+          <a:miter lim="800000"/>
+        </a:ln>
+        <a:effectLst/>
+      </dsp:spPr>
+      <dsp:style>
+        <a:lnRef idx="2">
+          <a:scrgbClr r="0" g="0" b="0"/>
+        </a:lnRef>
+        <a:fillRef idx="1">
+          <a:scrgbClr r="0" g="0" b="0"/>
+        </a:fillRef>
+        <a:effectRef idx="0">
+          <a:scrgbClr r="0" g="0" b="0"/>
+        </a:effectRef>
+        <a:fontRef idx="minor">
+          <a:schemeClr val="lt1"/>
+        </a:fontRef>
+      </dsp:style>
+    </dsp:sp>
+    <dsp:sp modelId="{EE849D6E-EC5E-4243-AFD6-7502B065C6AE}">
+      <dsp:nvSpPr>
+        <dsp:cNvPr id="0" name=""/>
+        <dsp:cNvSpPr/>
+      </dsp:nvSpPr>
+      <dsp:spPr>
+        <a:xfrm>
+          <a:off x="601355" y="494496"/>
+          <a:ext cx="4683583" cy="2974075"/>
+        </a:xfrm>
+        <a:prstGeom prst="roundRect">
+          <a:avLst>
+            <a:gd name="adj" fmla="val 10000"/>
+          </a:avLst>
+        </a:prstGeom>
+        <a:solidFill>
+          <a:schemeClr val="lt1">
+            <a:alpha val="90000"/>
+            <a:hueOff val="0"/>
+            <a:satOff val="0"/>
+            <a:lumOff val="0"/>
+            <a:alphaOff val="0"/>
+          </a:schemeClr>
+        </a:solidFill>
+        <a:ln w="12700" cap="flat" cmpd="sng" algn="ctr">
+          <a:solidFill>
+            <a:schemeClr val="accent1">
+              <a:hueOff val="0"/>
+              <a:satOff val="0"/>
+              <a:lumOff val="0"/>
+              <a:alphaOff val="0"/>
+            </a:schemeClr>
+          </a:solidFill>
+          <a:prstDash val="solid"/>
+          <a:miter lim="800000"/>
+        </a:ln>
+        <a:effectLst/>
+      </dsp:spPr>
+      <dsp:style>
+        <a:lnRef idx="2">
+          <a:scrgbClr r="0" g="0" b="0"/>
+        </a:lnRef>
+        <a:fillRef idx="1">
+          <a:scrgbClr r="0" g="0" b="0"/>
+        </a:fillRef>
+        <a:effectRef idx="0">
+          <a:scrgbClr r="0" g="0" b="0"/>
+        </a:effectRef>
+        <a:fontRef idx="minor"/>
+      </dsp:style>
+      <dsp:txBody>
+        <a:bodyPr spcFirstLastPara="0" vert="horz" wrap="square" lIns="106680" tIns="106680" rIns="106680" bIns="106680" numCol="1" spcCol="1270" anchor="ctr" anchorCtr="0">
+          <a:noAutofit/>
+        </a:bodyPr>
+        <a:lstStyle/>
+        <a:p>
+          <a:pPr marL="0" lvl="0" indent="0" algn="ctr" defTabSz="1244600">
+            <a:lnSpc>
+              <a:spcPct val="90000"/>
+            </a:lnSpc>
+            <a:spcBef>
+              <a:spcPct val="0"/>
+            </a:spcBef>
+            <a:spcAft>
+              <a:spcPct val="35000"/>
+            </a:spcAft>
+            <a:buNone/>
+          </a:pPr>
+          <a:r>
+            <a:rPr lang="en-US" sz="2800" kern="1200"/>
+            <a:t>55 Samples did not give us very much to work with. Our best accuracy was around 60%</a:t>
+          </a:r>
+        </a:p>
+      </dsp:txBody>
+      <dsp:txXfrm>
+        <a:off x="688463" y="581604"/>
+        <a:ext cx="4509367" cy="2799859"/>
+      </dsp:txXfrm>
+    </dsp:sp>
+    <dsp:sp modelId="{FAF32E9D-8235-43E4-865C-247BB9E2EB90}">
+      <dsp:nvSpPr>
+        <dsp:cNvPr id="0" name=""/>
+        <dsp:cNvSpPr/>
+      </dsp:nvSpPr>
+      <dsp:spPr>
+        <a:xfrm>
+          <a:off x="5805337" y="117"/>
+          <a:ext cx="4683583" cy="2974075"/>
+        </a:xfrm>
+        <a:prstGeom prst="roundRect">
+          <a:avLst>
+            <a:gd name="adj" fmla="val 10000"/>
+          </a:avLst>
+        </a:prstGeom>
+        <a:solidFill>
+          <a:schemeClr val="accent1">
+            <a:hueOff val="0"/>
+            <a:satOff val="0"/>
+            <a:lumOff val="0"/>
+            <a:alphaOff val="0"/>
+          </a:schemeClr>
+        </a:solidFill>
+        <a:ln w="12700" cap="flat" cmpd="sng" algn="ctr">
+          <a:solidFill>
+            <a:schemeClr val="lt1">
+              <a:hueOff val="0"/>
+              <a:satOff val="0"/>
+              <a:lumOff val="0"/>
+              <a:alphaOff val="0"/>
+            </a:schemeClr>
+          </a:solidFill>
+          <a:prstDash val="solid"/>
+          <a:miter lim="800000"/>
+        </a:ln>
+        <a:effectLst/>
+      </dsp:spPr>
+      <dsp:style>
+        <a:lnRef idx="2">
+          <a:scrgbClr r="0" g="0" b="0"/>
+        </a:lnRef>
+        <a:fillRef idx="1">
+          <a:scrgbClr r="0" g="0" b="0"/>
+        </a:fillRef>
+        <a:effectRef idx="0">
+          <a:scrgbClr r="0" g="0" b="0"/>
+        </a:effectRef>
+        <a:fontRef idx="minor">
+          <a:schemeClr val="lt1"/>
+        </a:fontRef>
+      </dsp:style>
+    </dsp:sp>
+    <dsp:sp modelId="{A88335FF-0335-4B02-A39C-BD3378723EEC}">
+      <dsp:nvSpPr>
+        <dsp:cNvPr id="0" name=""/>
+        <dsp:cNvSpPr/>
+      </dsp:nvSpPr>
+      <dsp:spPr>
+        <a:xfrm>
+          <a:off x="6325735" y="494496"/>
+          <a:ext cx="4683583" cy="2974075"/>
+        </a:xfrm>
+        <a:prstGeom prst="roundRect">
+          <a:avLst>
+            <a:gd name="adj" fmla="val 10000"/>
+          </a:avLst>
+        </a:prstGeom>
+        <a:solidFill>
+          <a:schemeClr val="lt1">
+            <a:alpha val="90000"/>
+            <a:hueOff val="0"/>
+            <a:satOff val="0"/>
+            <a:lumOff val="0"/>
+            <a:alphaOff val="0"/>
+          </a:schemeClr>
+        </a:solidFill>
+        <a:ln w="12700" cap="flat" cmpd="sng" algn="ctr">
+          <a:solidFill>
+            <a:schemeClr val="accent1">
+              <a:hueOff val="0"/>
+              <a:satOff val="0"/>
+              <a:lumOff val="0"/>
+              <a:alphaOff val="0"/>
+            </a:schemeClr>
+          </a:solidFill>
+          <a:prstDash val="solid"/>
+          <a:miter lim="800000"/>
+        </a:ln>
+        <a:effectLst/>
+      </dsp:spPr>
+      <dsp:style>
+        <a:lnRef idx="2">
+          <a:scrgbClr r="0" g="0" b="0"/>
+        </a:lnRef>
+        <a:fillRef idx="1">
+          <a:scrgbClr r="0" g="0" b="0"/>
+        </a:fillRef>
+        <a:effectRef idx="0">
+          <a:scrgbClr r="0" g="0" b="0"/>
+        </a:effectRef>
+        <a:fontRef idx="minor"/>
+      </dsp:style>
+      <dsp:txBody>
+        <a:bodyPr spcFirstLastPara="0" vert="horz" wrap="square" lIns="106680" tIns="106680" rIns="106680" bIns="106680" numCol="1" spcCol="1270" anchor="ctr" anchorCtr="0">
+          <a:noAutofit/>
+        </a:bodyPr>
+        <a:lstStyle/>
+        <a:p>
+          <a:pPr marL="0" lvl="0" indent="0" algn="ctr" defTabSz="1244600">
+            <a:lnSpc>
+              <a:spcPct val="90000"/>
+            </a:lnSpc>
+            <a:spcBef>
+              <a:spcPct val="0"/>
+            </a:spcBef>
+            <a:spcAft>
+              <a:spcPct val="35000"/>
+            </a:spcAft>
+            <a:buNone/>
+          </a:pPr>
+          <a:r>
+            <a:rPr lang="en-US" sz="2800" kern="1200" dirty="0"/>
+            <a:t>To solve this, we ended up splitting each person into their days that they participated in the experiment with dramatically increased our sample size. </a:t>
+          </a:r>
+        </a:p>
+      </dsp:txBody>
+      <dsp:txXfrm>
+        <a:off x="6412843" y="581604"/>
+        <a:ext cx="4509367" cy="2799859"/>
+      </dsp:txXfrm>
+    </dsp:sp>
+  </dsp:spTree>
+</dsp:drawing>
+</file>
+
+<file path=ppt/diagrams/layout1.xml><?xml version="1.0" encoding="utf-8"?>
+<dgm:layoutDef xmlns:dgm="http://schemas.openxmlformats.org/drawingml/2006/diagram" xmlns:a="http://schemas.openxmlformats.org/drawingml/2006/main" uniqueId="urn:microsoft.com/office/officeart/2005/8/layout/hierarchy1">
+  <dgm:title val=""/>
+  <dgm:desc val=""/>
+  <dgm:catLst>
+    <dgm:cat type="hierarchy" pri="2000"/>
+  </dgm:catLst>
+  <dgm:sampData>
+    <dgm:dataModel>
+      <dgm:ptLst>
+        <dgm:pt modelId="0" type="doc"/>
+        <dgm:pt modelId="1">
+          <dgm:prSet phldr="1"/>
+        </dgm:pt>
+        <dgm:pt modelId="2">
+          <dgm:prSet phldr="1"/>
+        </dgm:pt>
+        <dgm:pt modelId="21">
+          <dgm:prSet phldr="1"/>
+        </dgm:pt>
+        <dgm:pt modelId="22">
+          <dgm:prSet phldr="1"/>
+        </dgm:pt>
+        <dgm:pt modelId="3">
+          <dgm:prSet phldr="1"/>
+        </dgm:pt>
+        <dgm:pt modelId="31">
+          <dgm:prSet phldr="1"/>
+        </dgm:pt>
+      </dgm:ptLst>
+      <dgm:cxnLst>
+        <dgm:cxn modelId="4" srcId="0" destId="1" srcOrd="0" destOrd="0"/>
+        <dgm:cxn modelId="5" srcId="1" destId="2" srcOrd="0" destOrd="0"/>
+        <dgm:cxn modelId="6" srcId="1" destId="3" srcOrd="1" destOrd="0"/>
+        <dgm:cxn modelId="23" srcId="2" destId="21" srcOrd="0" destOrd="0"/>
+        <dgm:cxn modelId="24" srcId="2" destId="22" srcOrd="1" destOrd="0"/>
+        <dgm:cxn modelId="33" srcId="3" destId="31" srcOrd="0" destOrd="0"/>
+      </dgm:cxnLst>
+      <dgm:bg/>
+      <dgm:whole/>
+    </dgm:dataModel>
+  </dgm:sampData>
+  <dgm:styleData>
+    <dgm:dataModel>
+      <dgm:ptLst>
+        <dgm:pt modelId="0" type="doc"/>
+        <dgm:pt modelId="1"/>
+        <dgm:pt modelId="11"/>
+        <dgm:pt modelId="12"/>
+      </dgm:ptLst>
+      <dgm:cxnLst>
+        <dgm:cxn modelId="2" srcId="0" destId="1" srcOrd="0" destOrd="0"/>
+        <dgm:cxn modelId="13" srcId="1" destId="11" srcOrd="0" destOrd="0"/>
+        <dgm:cxn modelId="14" srcId="1" destId="12" srcOrd="1" destOrd="0"/>
+      </dgm:cxnLst>
+      <dgm:bg/>
+      <dgm:whole/>
+    </dgm:dataModel>
+  </dgm:styleData>
+  <dgm:clrData>
+    <dgm:dataModel>
+      <dgm:ptLst>
+        <dgm:pt modelId="0" type="doc"/>
+        <dgm:pt modelId="1"/>
+        <dgm:pt modelId="2"/>
+        <dgm:pt modelId="21"/>
+        <dgm:pt modelId="211"/>
+        <dgm:pt modelId="3"/>
+        <dgm:pt modelId="31"/>
+        <dgm:pt modelId="311"/>
+      </dgm:ptLst>
+      <dgm:cxnLst>
+        <dgm:cxn modelId="4" srcId="0" destId="1" srcOrd="0" destOrd="0"/>
+        <dgm:cxn modelId="5" srcId="1" destId="2" srcOrd="0" destOrd="0"/>
+        <dgm:cxn modelId="6" srcId="1" destId="3" srcOrd="1" destOrd="0"/>
+        <dgm:cxn modelId="23" srcId="2" destId="21" srcOrd="0" destOrd="0"/>
+        <dgm:cxn modelId="24" srcId="21" destId="211" srcOrd="0" destOrd="0"/>
+        <dgm:cxn modelId="33" srcId="3" destId="31" srcOrd="0" destOrd="0"/>
+        <dgm:cxn modelId="34" srcId="31" destId="311" srcOrd="0" destOrd="0"/>
+      </dgm:cxnLst>
+      <dgm:bg/>
+      <dgm:whole/>
+    </dgm:dataModel>
+  </dgm:clrData>
+  <dgm:layoutNode name="hierChild1">
+    <dgm:varLst>
+      <dgm:chPref val="1"/>
+      <dgm:dir/>
+      <dgm:animOne val="branch"/>
+      <dgm:animLvl val="lvl"/>
+      <dgm:resizeHandles/>
+    </dgm:varLst>
+    <dgm:choose name="Name0">
+      <dgm:if name="Name1" func="var" arg="dir" op="equ" val="norm">
+        <dgm:alg type="hierChild">
+          <dgm:param type="linDir" val="fromL"/>
+        </dgm:alg>
+      </dgm:if>
+      <dgm:else name="Name2">
+        <dgm:alg type="hierChild">
+          <dgm:param type="linDir" val="fromR"/>
+        </dgm:alg>
+      </dgm:else>
+    </dgm:choose>
+    <dgm:shape xmlns:r="http://schemas.openxmlformats.org/officeDocument/2006/relationships" r:blip="">
+      <dgm:adjLst/>
+    </dgm:shape>
+    <dgm:presOf/>
+    <dgm:constrLst>
+      <dgm:constr type="primFontSz" for="des" ptType="node" op="equ" val="65"/>
+      <dgm:constr type="w" for="des" forName="composite" refType="w"/>
+      <dgm:constr type="h" for="des" forName="composite" refType="w" refFor="des" refForName="composite" fact="0.667"/>
+      <dgm:constr type="w" for="des" forName="composite2" refType="w" refFor="des" refForName="composite"/>
+      <dgm:constr type="h" for="des" forName="composite2" refType="h" refFor="des" refForName="composite"/>
+      <dgm:constr type="w" for="des" forName="composite3" refType="w" refFor="des" refForName="composite"/>
+      <dgm:constr type="h" for="des" forName="composite3" refType="h" refFor="des" refForName="composite"/>
+      <dgm:constr type="w" for="des" forName="composite4" refType="w" refFor="des" refForName="composite"/>
+      <dgm:constr type="h" for="des" forName="composite4" refType="h" refFor="des" refForName="composite"/>
+      <dgm:constr type="w" for="des" forName="composite5" refType="w" refFor="des" refForName="composite"/>
+      <dgm:constr type="h" for="des" forName="composite5" refType="h" refFor="des" refForName="composite"/>
+      <dgm:constr type="sibSp" refType="w" refFor="des" refForName="composite" fact="0.1"/>
+      <dgm:constr type="sibSp" for="des" forName="hierChild2" refType="sibSp"/>
+      <dgm:constr type="sibSp" for="des" forName="hierChild3" refType="sibSp"/>
+      <dgm:constr type="sibSp" for="des" forName="hierChild4" refType="sibSp"/>
+      <dgm:constr type="sibSp" for="des" forName="hierChild5" refType="sibSp"/>
+      <dgm:constr type="sibSp" for="des" forName="hierChild6" refType="sibSp"/>
+      <dgm:constr type="sp" for="des" forName="hierRoot1" refType="h" refFor="des" refForName="composite" fact="0.25"/>
+      <dgm:constr type="sp" for="des" forName="hierRoot2" refType="sp" refFor="des" refForName="hierRoot1"/>
+      <dgm:constr type="sp" for="des" forName="hierRoot3" refType="sp" refFor="des" refForName="hierRoot1"/>
+      <dgm:constr type="sp" for="des" forName="hierRoot4" refType="sp" refFor="des" refForName="hierRoot1"/>
+      <dgm:constr type="sp" for="des" forName="hierRoot5" refType="sp" refFor="des" refForName="hierRoot1"/>
+    </dgm:constrLst>
+    <dgm:ruleLst/>
+    <dgm:forEach name="Name3" axis="ch">
+      <dgm:forEach name="Name4" axis="self" ptType="node">
+        <dgm:layoutNode name="hierRoot1">
+          <dgm:alg type="hierRoot"/>
+          <dgm:shape xmlns:r="http://schemas.openxmlformats.org/officeDocument/2006/relationships" r:blip="">
+            <dgm:adjLst/>
+          </dgm:shape>
+          <dgm:presOf/>
+          <dgm:constrLst>
+            <dgm:constr type="bendDist" for="des" ptType="parTrans" refType="sp" fact="0.5"/>
+          </dgm:constrLst>
+          <dgm:ruleLst/>
+          <dgm:layoutNode name="composite">
+            <dgm:alg type="composite"/>
+            <dgm:shape xmlns:r="http://schemas.openxmlformats.org/officeDocument/2006/relationships" r:blip="">
+              <dgm:adjLst/>
+            </dgm:shape>
+            <dgm:presOf/>
+            <dgm:constrLst>
+              <dgm:constr type="w" for="ch" forName="background" refType="w" fact="0.9"/>
+              <dgm:constr type="h" for="ch" forName="background" refType="w" refFor="ch" refForName="background" fact="0.635"/>
+              <dgm:constr type="t" for="ch" forName="background"/>
+              <dgm:constr type="l" for="ch" forName="background"/>
+              <dgm:constr type="w" for="ch" forName="text" refType="w" fact="0.9"/>
+              <dgm:constr type="h" for="ch" forName="text" refType="w" refFor="ch" refForName="text" fact="0.635"/>
+              <dgm:constr type="t" for="ch" forName="text" refType="w" fact="0.095"/>
+              <dgm:constr type="l" for="ch" forName="text" refType="w" fact="0.1"/>
+            </dgm:constrLst>
+            <dgm:ruleLst/>
+            <dgm:layoutNode name="background" styleLbl="node0" moveWith="text">
+              <dgm:alg type="sp"/>
+              <dgm:shape xmlns:r="http://schemas.openxmlformats.org/officeDocument/2006/relationships" type="roundRect" r:blip="">
+                <dgm:adjLst>
+                  <dgm:adj idx="1" val="0.1"/>
+                </dgm:adjLst>
+              </dgm:shape>
+              <dgm:presOf/>
+              <dgm:constrLst/>
+              <dgm:ruleLst/>
+            </dgm:layoutNode>
+            <dgm:layoutNode name="text" styleLbl="fgAcc0">
+              <dgm:varLst>
+                <dgm:chPref val="3"/>
+              </dgm:varLst>
+              <dgm:alg type="tx"/>
+              <dgm:shape xmlns:r="http://schemas.openxmlformats.org/officeDocument/2006/relationships" type="roundRect" r:blip="">
+                <dgm:adjLst>
+                  <dgm:adj idx="1" val="0.1"/>
+                </dgm:adjLst>
+              </dgm:shape>
+              <dgm:presOf axis="self"/>
+              <dgm:constrLst>
+                <dgm:constr type="tMarg" refType="primFontSz" fact="0.3"/>
+                <dgm:constr type="bMarg" refType="primFontSz" fact="0.3"/>
+                <dgm:constr type="lMarg" refType="primFontSz" fact="0.3"/>
+                <dgm:constr type="rMarg" refType="primFontSz" fact="0.3"/>
+              </dgm:constrLst>
+              <dgm:ruleLst>
+                <dgm:rule type="primFontSz" val="5" fact="NaN" max="NaN"/>
+              </dgm:ruleLst>
+            </dgm:layoutNode>
+          </dgm:layoutNode>
+          <dgm:layoutNode name="hierChild2">
+            <dgm:choose name="Name5">
+              <dgm:if name="Name6" func="var" arg="dir" op="equ" val="norm">
+                <dgm:alg type="hierChild">
+                  <dgm:param type="linDir" val="fromL"/>
+                </dgm:alg>
+              </dgm:if>
+              <dgm:else name="Name7">
+                <dgm:alg type="hierChild">
+                  <dgm:param type="linDir" val="fromR"/>
+                </dgm:alg>
+              </dgm:else>
+            </dgm:choose>
+            <dgm:shape xmlns:r="http://schemas.openxmlformats.org/officeDocument/2006/relationships" r:blip="">
+              <dgm:adjLst/>
+            </dgm:shape>
+            <dgm:presOf/>
+            <dgm:constrLst/>
+            <dgm:ruleLst/>
+            <dgm:forEach name="Name8" axis="ch">
+              <dgm:forEach name="Name9" axis="self" ptType="parTrans" cnt="1">
+                <dgm:layoutNode name="Name10">
+                  <dgm:alg type="conn">
+                    <dgm:param type="dim" val="1D"/>
+                    <dgm:param type="endSty" val="noArr"/>
+                    <dgm:param type="connRout" val="bend"/>
+                    <dgm:param type="bendPt" val="end"/>
+                    <dgm:param type="begPts" val="bCtr"/>
+                    <dgm:param type="endPts" val="tCtr"/>
+                    <dgm:param type="srcNode" val="background"/>
+                    <dgm:param type="dstNode" val="background2"/>
+                  </dgm:alg>
+                  <dgm:shape xmlns:r="http://schemas.openxmlformats.org/officeDocument/2006/relationships" type="conn" r:blip="" zOrderOff="-999">
+                    <dgm:adjLst/>
+                  </dgm:shape>
+                  <dgm:presOf axis="self"/>
+                  <dgm:constrLst>
+                    <dgm:constr type="begPad"/>
+                    <dgm:constr type="endPad"/>
+                  </dgm:constrLst>
+                  <dgm:ruleLst/>
+                </dgm:layoutNode>
+              </dgm:forEach>
+              <dgm:forEach name="Name11" axis="self" ptType="node">
+                <dgm:layoutNode name="hierRoot2">
+                  <dgm:alg type="hierRoot"/>
+                  <dgm:shape xmlns:r="http://schemas.openxmlformats.org/officeDocument/2006/relationships" r:blip="">
+                    <dgm:adjLst/>
+                  </dgm:shape>
+                  <dgm:presOf/>
+                  <dgm:constrLst>
+                    <dgm:constr type="bendDist" for="des" ptType="parTrans" refType="sp" fact="0.5"/>
+                  </dgm:constrLst>
+                  <dgm:ruleLst/>
+                  <dgm:layoutNode name="composite2">
+                    <dgm:alg type="composite"/>
+                    <dgm:shape xmlns:r="http://schemas.openxmlformats.org/officeDocument/2006/relationships" r:blip="">
+                      <dgm:adjLst/>
+                    </dgm:shape>
+                    <dgm:presOf/>
+                    <dgm:constrLst>
+                      <dgm:constr type="w" for="ch" forName="background2" refType="w" fact="0.9"/>
+                      <dgm:constr type="h" for="ch" forName="background2" refType="w" refFor="ch" refForName="background2" fact="0.635"/>
+                      <dgm:constr type="t" for="ch" forName="background2"/>
+                      <dgm:constr type="l" for="ch" forName="background2"/>
+                      <dgm:constr type="w" for="ch" forName="text2" refType="w" fact="0.9"/>
+                      <dgm:constr type="h" for="ch" forName="text2" refType="w" refFor="ch" refForName="text2" fact="0.635"/>
+                      <dgm:constr type="t" for="ch" forName="text2" refType="w" fact="0.095"/>
+                      <dgm:constr type="l" for="ch" forName="text2" refType="w" fact="0.1"/>
+                    </dgm:constrLst>
+                    <dgm:ruleLst/>
+                    <dgm:layoutNode name="background2" moveWith="text2">
+                      <dgm:alg type="sp"/>
+                      <dgm:shape xmlns:r="http://schemas.openxmlformats.org/officeDocument/2006/relationships" type="roundRect" r:blip="">
+                        <dgm:adjLst>
+                          <dgm:adj idx="1" val="0.1"/>
+                        </dgm:adjLst>
+                      </dgm:shape>
+                      <dgm:presOf/>
+                      <dgm:constrLst/>
+                      <dgm:ruleLst/>
+                    </dgm:layoutNode>
+                    <dgm:layoutNode name="text2" styleLbl="fgAcc2">
+                      <dgm:varLst>
+                        <dgm:chPref val="3"/>
+                      </dgm:varLst>
+                      <dgm:alg type="tx"/>
+                      <dgm:shape xmlns:r="http://schemas.openxmlformats.org/officeDocument/2006/relationships" type="roundRect" r:blip="">
+                        <dgm:adjLst>
+                          <dgm:adj idx="1" val="0.1"/>
+                        </dgm:adjLst>
+                      </dgm:shape>
+                      <dgm:presOf axis="self"/>
+                      <dgm:constrLst>
+                        <dgm:constr type="tMarg" refType="primFontSz" fact="0.3"/>
+                        <dgm:constr type="bMarg" refType="primFontSz" fact="0.3"/>
+                        <dgm:constr type="lMarg" refType="primFontSz" fact="0.3"/>
+                        <dgm:constr type="rMarg" refType="primFontSz" fact="0.3"/>
+                      </dgm:constrLst>
+                      <dgm:ruleLst>
+                        <dgm:rule type="primFontSz" val="5" fact="NaN" max="NaN"/>
+                      </dgm:ruleLst>
+                    </dgm:layoutNode>
+                  </dgm:layoutNode>
+                  <dgm:layoutNode name="hierChild3">
+                    <dgm:choose name="Name12">
+                      <dgm:if name="Name13" func="var" arg="dir" op="equ" val="norm">
+                        <dgm:alg type="hierChild">
+                          <dgm:param type="linDir" val="fromL"/>
+                        </dgm:alg>
+                      </dgm:if>
+                      <dgm:else name="Name14">
+                        <dgm:alg type="hierChild">
+                          <dgm:param type="linDir" val="fromR"/>
+                        </dgm:alg>
+                      </dgm:else>
+                    </dgm:choose>
+                    <dgm:shape xmlns:r="http://schemas.openxmlformats.org/officeDocument/2006/relationships" r:blip="">
+                      <dgm:adjLst/>
+                    </dgm:shape>
+                    <dgm:presOf/>
+                    <dgm:constrLst/>
+                    <dgm:ruleLst/>
+                    <dgm:forEach name="Name15" axis="ch">
+                      <dgm:forEach name="Name16" axis="self" ptType="parTrans" cnt="1">
+                        <dgm:layoutNode name="Name17">
+                          <dgm:alg type="conn">
+                            <dgm:param type="dim" val="1D"/>
+                            <dgm:param type="endSty" val="noArr"/>
+                            <dgm:param type="connRout" val="bend"/>
+                            <dgm:param type="bendPt" val="end"/>
+                            <dgm:param type="begPts" val="bCtr"/>
+                            <dgm:param type="endPts" val="tCtr"/>
+                            <dgm:param type="srcNode" val="background2"/>
+                            <dgm:param type="dstNode" val="background3"/>
+                          </dgm:alg>
+                          <dgm:shape xmlns:r="http://schemas.openxmlformats.org/officeDocument/2006/relationships" type="conn" r:blip="" zOrderOff="-999">
+                            <dgm:adjLst/>
+                          </dgm:shape>
+                          <dgm:presOf axis="self"/>
+                          <dgm:constrLst>
+                            <dgm:constr type="begPad"/>
+                            <dgm:constr type="endPad"/>
+                          </dgm:constrLst>
+                          <dgm:ruleLst/>
+                        </dgm:layoutNode>
+                      </dgm:forEach>
+                      <dgm:forEach name="Name18" axis="self" ptType="node">
+                        <dgm:layoutNode name="hierRoot3">
+                          <dgm:alg type="hierRoot"/>
+                          <dgm:shape xmlns:r="http://schemas.openxmlformats.org/officeDocument/2006/relationships" r:blip="">
+                            <dgm:adjLst/>
+                          </dgm:shape>
+                          <dgm:presOf/>
+                          <dgm:constrLst>
+                            <dgm:constr type="bendDist" for="des" ptType="parTrans" refType="sp" fact="0.5"/>
+                          </dgm:constrLst>
+                          <dgm:ruleLst/>
+                          <dgm:layoutNode name="composite3">
+                            <dgm:alg type="composite"/>
+                            <dgm:shape xmlns:r="http://schemas.openxmlformats.org/officeDocument/2006/relationships" r:blip="">
+                              <dgm:adjLst/>
+                            </dgm:shape>
+                            <dgm:presOf/>
+                            <dgm:constrLst>
+                              <dgm:constr type="w" for="ch" forName="background3" refType="w" fact="0.9"/>
+                              <dgm:constr type="h" for="ch" forName="background3" refType="w" refFor="ch" refForName="background3" fact="0.635"/>
+                              <dgm:constr type="t" for="ch" forName="background3"/>
+                              <dgm:constr type="l" for="ch" forName="background3"/>
+                              <dgm:constr type="w" for="ch" forName="text3" refType="w" fact="0.9"/>
+                              <dgm:constr type="h" for="ch" forName="text3" refType="w" refFor="ch" refForName="text3" fact="0.635"/>
+                              <dgm:constr type="t" for="ch" forName="text3" refType="w" fact="0.095"/>
+                              <dgm:constr type="l" for="ch" forName="text3" refType="w" fact="0.1"/>
+                            </dgm:constrLst>
+                            <dgm:ruleLst/>
+                            <dgm:layoutNode name="background3" moveWith="text3">
+                              <dgm:alg type="sp"/>
+                              <dgm:shape xmlns:r="http://schemas.openxmlformats.org/officeDocument/2006/relationships" type="roundRect" r:blip="">
+                                <dgm:adjLst>
+                                  <dgm:adj idx="1" val="0.1"/>
+                                </dgm:adjLst>
+                              </dgm:shape>
+                              <dgm:presOf/>
+                              <dgm:constrLst/>
+                              <dgm:ruleLst/>
+                            </dgm:layoutNode>
+                            <dgm:layoutNode name="text3" styleLbl="fgAcc3">
+                              <dgm:varLst>
+                                <dgm:chPref val="3"/>
+                              </dgm:varLst>
+                              <dgm:alg type="tx"/>
+                              <dgm:shape xmlns:r="http://schemas.openxmlformats.org/officeDocument/2006/relationships" type="roundRect" r:blip="">
+                                <dgm:adjLst>
+                                  <dgm:adj idx="1" val="0.1"/>
+                                </dgm:adjLst>
+                              </dgm:shape>
+                              <dgm:presOf axis="self"/>
+                              <dgm:constrLst>
+                                <dgm:constr type="tMarg" refType="primFontSz" fact="0.3"/>
+                                <dgm:constr type="bMarg" refType="primFontSz" fact="0.3"/>
+                                <dgm:constr type="lMarg" refType="primFontSz" fact="0.3"/>
+                                <dgm:constr type="rMarg" refType="primFontSz" fact="0.3"/>
+                              </dgm:constrLst>
+                              <dgm:ruleLst>
+                                <dgm:rule type="primFontSz" val="5" fact="NaN" max="NaN"/>
+                              </dgm:ruleLst>
+                            </dgm:layoutNode>
+                          </dgm:layoutNode>
+                          <dgm:layoutNode name="hierChild4">
+                            <dgm:choose name="Name19">
+                              <dgm:if name="Name20" func="var" arg="dir" op="equ" val="norm">
+                                <dgm:alg type="hierChild">
+                                  <dgm:param type="linDir" val="fromL"/>
+                                </dgm:alg>
+                              </dgm:if>
+                              <dgm:else name="Name21">
+                                <dgm:alg type="hierChild">
+                                  <dgm:param type="linDir" val="fromR"/>
+                                </dgm:alg>
+                              </dgm:else>
+                            </dgm:choose>
+                            <dgm:shape xmlns:r="http://schemas.openxmlformats.org/officeDocument/2006/relationships" r:blip="">
+                              <dgm:adjLst/>
+                            </dgm:shape>
+                            <dgm:presOf/>
+                            <dgm:constrLst/>
+                            <dgm:ruleLst/>
+                            <dgm:forEach name="repeat" axis="ch">
+                              <dgm:forEach name="Name22" axis="self" ptType="parTrans" cnt="1">
+                                <dgm:layoutNode name="Name23">
+                                  <dgm:choose name="Name24">
+                                    <dgm:if name="Name25" axis="self" func="depth" op="lte" val="4">
+                                      <dgm:alg type="conn">
+                                        <dgm:param type="dim" val="1D"/>
+                                        <dgm:param type="endSty" val="noArr"/>
+                                        <dgm:param type="connRout" val="bend"/>
+                                        <dgm:param type="bendPt" val="end"/>
+                                        <dgm:param type="begPts" val="bCtr"/>
+                                        <dgm:param type="endPts" val="tCtr"/>
+                                        <dgm:param type="srcNode" val="background3"/>
+                                        <dgm:param type="dstNode" val="background4"/>
+                                      </dgm:alg>
+                                    </dgm:if>
+                                    <dgm:else name="Name26">
+                                      <dgm:alg type="conn">
+                                        <dgm:param type="dim" val="1D"/>
+                                        <dgm:param type="endSty" val="noArr"/>
+                                        <dgm:param type="connRout" val="bend"/>
+                                        <dgm:param type="bendPt" val="end"/>
+                                        <dgm:param type="begPts" val="bCtr"/>
+                                        <dgm:param type="endPts" val="tCtr"/>
+                                        <dgm:param type="srcNode" val="background4"/>
+                                        <dgm:param type="dstNode" val="background4"/>
+                                      </dgm:alg>
+                                    </dgm:else>
+                                  </dgm:choose>
+                                  <dgm:shape xmlns:r="http://schemas.openxmlformats.org/officeDocument/2006/relationships" type="conn" r:blip="" zOrderOff="-999">
+                                    <dgm:adjLst/>
+                                  </dgm:shape>
+                                  <dgm:presOf axis="self"/>
+                                  <dgm:constrLst>
+                                    <dgm:constr type="begPad"/>
+                                    <dgm:constr type="endPad"/>
+                                  </dgm:constrLst>
+                                  <dgm:ruleLst/>
+                                </dgm:layoutNode>
+                              </dgm:forEach>
+                              <dgm:forEach name="Name27" axis="self" ptType="node">
+                                <dgm:layoutNode name="hierRoot4">
+                                  <dgm:alg type="hierRoot"/>
+                                  <dgm:shape xmlns:r="http://schemas.openxmlformats.org/officeDocument/2006/relationships" r:blip="">
+                                    <dgm:adjLst/>
+                                  </dgm:shape>
+                                  <dgm:presOf/>
+                                  <dgm:constrLst>
+                                    <dgm:constr type="bendDist" for="des" ptType="parTrans" refType="sp" fact="0.5"/>
+                                  </dgm:constrLst>
+                                  <dgm:ruleLst/>
+                                  <dgm:layoutNode name="composite4">
+                                    <dgm:alg type="composite"/>
+                                    <dgm:shape xmlns:r="http://schemas.openxmlformats.org/officeDocument/2006/relationships" r:blip="">
+                                      <dgm:adjLst/>
+                                    </dgm:shape>
+                                    <dgm:presOf/>
+                                    <dgm:constrLst>
+                                      <dgm:constr type="w" for="ch" forName="background4" refType="w" fact="0.9"/>
+                                      <dgm:constr type="h" for="ch" forName="background4" refType="w" refFor="ch" refForName="background4" fact="0.635"/>
+                                      <dgm:constr type="t" for="ch" forName="background4"/>
+                                      <dgm:constr type="l" for="ch" forName="background4"/>
+                                      <dgm:constr type="w" for="ch" forName="text4" refType="w" fact="0.9"/>
+                                      <dgm:constr type="h" for="ch" forName="text4" refType="w" refFor="ch" refForName="text4" fact="0.635"/>
+                                      <dgm:constr type="t" for="ch" forName="text4" refType="w" fact="0.095"/>
+                                      <dgm:constr type="l" for="ch" forName="text4" refType="w" fact="0.1"/>
+                                    </dgm:constrLst>
+                                    <dgm:ruleLst/>
+                                    <dgm:layoutNode name="background4" moveWith="text4">
+                                      <dgm:alg type="sp"/>
+                                      <dgm:shape xmlns:r="http://schemas.openxmlformats.org/officeDocument/2006/relationships" type="roundRect" r:blip="">
+                                        <dgm:adjLst>
+                                          <dgm:adj idx="1" val="0.1"/>
+                                        </dgm:adjLst>
+                                      </dgm:shape>
+                                      <dgm:presOf/>
+                                      <dgm:constrLst/>
+                                      <dgm:ruleLst/>
+                                    </dgm:layoutNode>
+                                    <dgm:layoutNode name="text4" styleLbl="fgAcc4">
+                                      <dgm:varLst>
+                                        <dgm:chPref val="3"/>
+                                      </dgm:varLst>
+                                      <dgm:alg type="tx"/>
+                                      <dgm:shape xmlns:r="http://schemas.openxmlformats.org/officeDocument/2006/relationships" type="roundRect" r:blip="">
+                                        <dgm:adjLst>
+                                          <dgm:adj idx="1" val="0.1"/>
+                                        </dgm:adjLst>
+                                      </dgm:shape>
+                                      <dgm:presOf axis="self"/>
+                                      <dgm:constrLst>
+                                        <dgm:constr type="tMarg" refType="primFontSz" fact="0.3"/>
+                                        <dgm:constr type="bMarg" refType="primFontSz" fact="0.3"/>
+                                        <dgm:constr type="lMarg" refType="primFontSz" fact="0.3"/>
+                                        <dgm:constr type="rMarg" refType="primFontSz" fact="0.3"/>
+                                      </dgm:constrLst>
+                                      <dgm:ruleLst>
+                                        <dgm:rule type="primFontSz" val="5" fact="NaN" max="NaN"/>
+                                      </dgm:ruleLst>
+                                    </dgm:layoutNode>
+                                  </dgm:layoutNode>
+                                  <dgm:layoutNode name="hierChild5">
+                                    <dgm:choose name="Name28">
+                                      <dgm:if name="Name29" func="var" arg="dir" op="equ" val="norm">
+                                        <dgm:alg type="hierChild">
+                                          <dgm:param type="linDir" val="fromL"/>
+                                        </dgm:alg>
+                                      </dgm:if>
+                                      <dgm:else name="Name30">
+                                        <dgm:alg type="hierChild">
+                                          <dgm:param type="linDir" val="fromR"/>
+                                        </dgm:alg>
+                                      </dgm:else>
+                                    </dgm:choose>
+                                    <dgm:shape xmlns:r="http://schemas.openxmlformats.org/officeDocument/2006/relationships" r:blip="">
+                                      <dgm:adjLst/>
+                                    </dgm:shape>
+                                    <dgm:presOf/>
+                                    <dgm:constrLst/>
+                                    <dgm:ruleLst/>
+                                    <dgm:forEach name="Name31" ref="repeat"/>
+                                  </dgm:layoutNode>
+                                </dgm:layoutNode>
+                              </dgm:forEach>
+                            </dgm:forEach>
+                          </dgm:layoutNode>
+                        </dgm:layoutNode>
+                      </dgm:forEach>
+                    </dgm:forEach>
+                  </dgm:layoutNode>
+                </dgm:layoutNode>
+              </dgm:forEach>
+            </dgm:forEach>
+          </dgm:layoutNode>
+        </dgm:layoutNode>
+      </dgm:forEach>
+    </dgm:forEach>
+  </dgm:layoutNode>
+</dgm:layoutDef>
+</file>
+
+<file path=ppt/diagrams/quickStyle1.xml><?xml version="1.0" encoding="utf-8"?>
+<dgm:styleDef xmlns:dgm="http://schemas.openxmlformats.org/drawingml/2006/diagram" xmlns:a="http://schemas.openxmlformats.org/drawingml/2006/main" uniqueId="urn:microsoft.com/office/officeart/2005/8/quickstyle/simple1">
+  <dgm:title val=""/>
+  <dgm:desc val=""/>
+  <dgm:catLst>
+    <dgm:cat type="simple" pri="10100"/>
+  </dgm:catLst>
+  <dgm:scene3d>
+    <a:camera prst="orthographicFront"/>
+    <a:lightRig rig="threePt" dir="t"/>
+  </dgm:scene3d>
+  <dgm:styleLbl name="node0">
+    <dgm:scene3d>
+      <a:camera prst="orthographicFront"/>
+      <a:lightRig rig="threePt" dir="t"/>
+    </dgm:scene3d>
+    <dgm:sp3d/>
+    <dgm:txPr/>
+    <dgm:style>
+      <a:lnRef idx="2">
+        <a:scrgbClr r="0" g="0" b="0"/>
+      </a:lnRef>
+      <a:fillRef idx="1">
+        <a:scrgbClr r="0" g="0" b="0"/>
+      </a:fillRef>
+      <a:effectRef idx="0">
+        <a:scrgbClr r="0" g="0" b="0"/>
+      </a:effectRef>
+      <a:fontRef idx="minor">
+        <a:schemeClr val="lt1"/>
+      </a:fontRef>
+    </dgm:style>
+  </dgm:styleLbl>
+  <dgm:styleLbl name="lnNode1">
+    <dgm:scene3d>
+      <a:camera prst="orthographicFront"/>
+      <a:lightRig rig="threePt" dir="t"/>
+    </dgm:scene3d>
+    <dgm:sp3d/>
+    <dgm:txPr/>
+    <dgm:style>
+      <a:lnRef idx="2">
+        <a:scrgbClr r="0" g="0" b="0"/>
+      </a:lnRef>
+      <a:fillRef idx="1">
+        <a:scrgbClr r="0" g="0" b="0"/>
+      </a:fillRef>
+      <a:effectRef idx="0">
+        <a:scrgbClr r="0" g="0" b="0"/>
+      </a:effectRef>
+      <a:fontRef idx="minor">
+        <a:schemeClr val="lt1"/>
+      </a:fontRef>
+    </dgm:style>
+  </dgm:styleLbl>
+  <dgm:styleLbl name="vennNode1">
+    <dgm:scene3d>
+      <a:camera prst="orthographicFront"/>
+      <a:lightRig rig="threePt" dir="t"/>
+    </dgm:scene3d>
+    <dgm:sp3d/>
+    <dgm:txPr/>
+    <dgm:style>
+      <a:lnRef idx="2">
+        <a:scrgbClr r="0" g="0" b="0"/>
+      </a:lnRef>
+      <a:fillRef idx="1">
+        <a:scrgbClr r="0" g="0" b="0"/>
+      </a:fillRef>
+      <a:effectRef idx="0">
+        <a:scrgbClr r="0" g="0" b="0"/>
+      </a:effectRef>
+      <a:fontRef idx="minor">
+        <a:schemeClr val="tx1"/>
+      </a:fontRef>
+    </dgm:style>
+  </dgm:styleLbl>
+  <dgm:styleLbl name="alignNode1">
+    <dgm:scene3d>
+      <a:camera prst="orthographicFront"/>
+      <a:lightRig rig="threePt" dir="t"/>
+    </dgm:scene3d>
+    <dgm:sp3d/>
+    <dgm:txPr/>
+    <dgm:style>
+      <a:lnRef idx="2">
+        <a:scrgbClr r="0" g="0" b="0"/>
+      </a:lnRef>
+      <a:fillRef idx="1">
+        <a:scrgbClr r="0" g="0" b="0"/>
+      </a:fillRef>
+      <a:effectRef idx="0">
+        <a:scrgbClr r="0" g="0" b="0"/>
+      </a:effectRef>
+      <a:fontRef idx="minor">
+        <a:schemeClr val="lt1"/>
+      </a:fontRef>
+    </dgm:style>
+  </dgm:styleLbl>
+  <dgm:styleLbl name="node1">
+    <dgm:scene3d>
+      <a:camera prst="orthographicFront"/>
+      <a:lightRig rig="threePt" dir="t"/>
+    </dgm:scene3d>
+    <dgm:sp3d/>
+    <dgm:txPr/>
+    <dgm:style>
+      <a:lnRef idx="2">
+        <a:scrgbClr r="0" g="0" b="0"/>
+      </a:lnRef>
+      <a:fillRef idx="1">
+        <a:scrgbClr r="0" g="0" b="0"/>
+      </a:fillRef>
+      <a:effectRef idx="0">
+        <a:scrgbClr r="0" g="0" b="0"/>
+      </a:effectRef>
+      <a:fontRef idx="minor">
+        <a:schemeClr val="lt1"/>
+      </a:fontRef>
+    </dgm:style>
+  </dgm:styleLbl>
+  <dgm:styleLbl name="node2">
+    <dgm:scene3d>
+      <a:camera prst="orthographicFront"/>
+      <a:lightRig rig="threePt" dir="t"/>
+    </dgm:scene3d>
+    <dgm:sp3d/>
+    <dgm:txPr/>
+    <dgm:style>
+      <a:lnRef idx="2">
+        <a:scrgbClr r="0" g="0" b="0"/>
+      </a:lnRef>
+      <a:fillRef idx="1">
+        <a:scrgbClr r="0" g="0" b="0"/>
+      </a:fillRef>
+      <a:effectRef idx="0">
+        <a:scrgbClr r="0" g="0" b="0"/>
+      </a:effectRef>
+      <a:fontRef idx="minor">
+        <a:schemeClr val="lt1"/>
+      </a:fontRef>
+    </dgm:style>
+  </dgm:styleLbl>
+  <dgm:styleLbl name="node3">
+    <dgm:scene3d>
+      <a:camera prst="orthographicFront"/>
+      <a:lightRig rig="threePt" dir="t"/>
+    </dgm:scene3d>
+    <dgm:sp3d/>
+    <dgm:txPr/>
+    <dgm:style>
+      <a:lnRef idx="2">
+        <a:scrgbClr r="0" g="0" b="0"/>
+      </a:lnRef>
+      <a:fillRef idx="1">
+        <a:scrgbClr r="0" g="0" b="0"/>
+      </a:fillRef>
+      <a:effectRef idx="0">
+        <a:scrgbClr r="0" g="0" b="0"/>
+      </a:effectRef>
+      <a:fontRef idx="minor">
+        <a:schemeClr val="lt1"/>
+      </a:fontRef>
+    </dgm:style>
+  </dgm:styleLbl>
+  <dgm:styleLbl name="node4">
+    <dgm:scene3d>
+      <a:camera prst="orthographicFront"/>
+      <a:lightRig rig="threePt" dir="t"/>
+    </dgm:scene3d>
+    <dgm:sp3d/>
+    <dgm:txPr/>
+    <dgm:style>
+      <a:lnRef idx="2">
+        <a:scrgbClr r="0" g="0" b="0"/>
+      </a:lnRef>
+      <a:fillRef idx="1">
+        <a:scrgbClr r="0" g="0" b="0"/>
+      </a:fillRef>
+      <a:effectRef idx="0">
+        <a:scrgbClr r="0" g="0" b="0"/>
+      </a:effectRef>
+      <a:fontRef idx="minor">
+        <a:schemeClr val="lt1"/>
+      </a:fontRef>
+    </dgm:style>
+  </dgm:styleLbl>
+  <dgm:styleLbl name="fgImgPlace1">
+    <dgm:scene3d>
+      <a:camera prst="orthographicFront"/>
+      <a:lightRig rig="threePt" dir="t"/>
+    </dgm:scene3d>
+    <dgm:sp3d/>
+    <dgm:txPr/>
+    <dgm:style>
+      <a:lnRef idx="2">
+        <a:scrgbClr r="0" g="0" b="0"/>
+      </a:lnRef>
+      <a:fillRef idx="1">
+        <a:scrgbClr r="0" g="0" b="0"/>
+      </a:fillRef>
+      <a:effectRef idx="0">
+        <a:scrgbClr r="0" g="0" b="0"/>
+      </a:effectRef>
+      <a:fontRef idx="minor"/>
+    </dgm:style>
+  </dgm:styleLbl>
+  <dgm:styleLbl name="alignImgPlace1">
+    <dgm:scene3d>
+      <a:camera prst="orthographicFront"/>
+      <a:lightRig rig="threePt" dir="t"/>
+    </dgm:scene3d>
+    <dgm:sp3d/>
+    <dgm:txPr/>
+    <dgm:style>
+      <a:lnRef idx="2">
+        <a:scrgbClr r="0" g="0" b="0"/>
+      </a:lnRef>
+      <a:fillRef idx="1">
+        <a:scrgbClr r="0" g="0" b="0"/>
+      </a:fillRef>
+      <a:effectRef idx="0">
+        <a:scrgbClr r="0" g="0" b="0"/>
+      </a:effectRef>
+      <a:fontRef idx="minor"/>
+    </dgm:style>
+  </dgm:styleLbl>
+  <dgm:styleLbl name="bgImgPlace1">
+    <dgm:scene3d>
+      <a:camera prst="orthographicFront"/>
+      <a:lightRig rig="threePt" dir="t"/>
+    </dgm:scene3d>
+    <dgm:sp3d/>
+    <dgm:txPr/>
+    <dgm:style>
+      <a:lnRef idx="2">
+        <a:scrgbClr r="0" g="0" b="0"/>
+      </a:lnRef>
+      <a:fillRef idx="1">
+        <a:scrgbClr r="0" g="0" b="0"/>
+      </a:fillRef>
+      <a:effectRef idx="0">
+        <a:scrgbClr r="0" g="0" b="0"/>
+      </a:effectRef>
+      <a:fontRef idx="minor"/>
+    </dgm:style>
+  </dgm:styleLbl>
+  <dgm:styleLbl name="sibTrans2D1">
+    <dgm:scene3d>
+      <a:camera prst="orthographicFront"/>
+      <a:lightRig rig="threePt" dir="t"/>
+    </dgm:scene3d>
+    <dgm:sp3d/>
+    <dgm:txPr/>
+    <dgm:style>
+      <a:lnRef idx="0">
+        <a:scrgbClr r="0" g="0" b="0"/>
+      </a:lnRef>
+      <a:fillRef idx="1">
+        <a:scrgbClr r="0" g="0" b="0"/>
+      </a:fillRef>
+      <a:effectRef idx="0">
+        <a:scrgbClr r="0" g="0" b="0"/>
+      </a:effectRef>
+      <a:fontRef idx="minor">
+        <a:schemeClr val="lt1"/>
+      </a:fontRef>
+    </dgm:style>
+  </dgm:styleLbl>
+  <dgm:styleLbl name="fgSibTrans2D1">
+    <dgm:scene3d>
+      <a:camera prst="orthographicFront"/>
+      <a:lightRig rig="threePt" dir="t"/>
+    </dgm:scene3d>
+    <dgm:sp3d/>
+    <dgm:txPr/>
+    <dgm:style>
+      <a:lnRef idx="0">
+        <a:scrgbClr r="0" g="0" b="0"/>
+      </a:lnRef>
+      <a:fillRef idx="1">
+        <a:scrgbClr r="0" g="0" b="0"/>
+      </a:fillRef>
+      <a:effectRef idx="0">
+        <a:scrgbClr r="0" g="0" b="0"/>
+      </a:effectRef>
+      <a:fontRef idx="minor">
+        <a:schemeClr val="lt1"/>
+      </a:fontRef>
+    </dgm:style>
+  </dgm:styleLbl>
+  <dgm:styleLbl name="bgSibTrans2D1">
+    <dgm:scene3d>
+      <a:camera prst="orthographicFront"/>
+      <a:lightRig rig="threePt" dir="t"/>
+    </dgm:scene3d>
+    <dgm:sp3d/>
+    <dgm:txPr/>
+    <dgm:style>
+      <a:lnRef idx="0">
+        <a:scrgbClr r="0" g="0" b="0"/>
+      </a:lnRef>
+      <a:fillRef idx="1">
+        <a:scrgbClr r="0" g="0" b="0"/>
+      </a:fillRef>
+      <a:effectRef idx="0">
+        <a:scrgbClr r="0" g="0" b="0"/>
+      </a:effectRef>
+      <a:fontRef idx="minor">
+        <a:schemeClr val="lt1"/>
+      </a:fontRef>
+    </dgm:style>
+  </dgm:styleLbl>
+  <dgm:styleLbl name="sibTrans1D1">
+    <dgm:scene3d>
+      <a:camera prst="orthographicFront"/>
+      <a:lightRig rig="threePt" dir="t"/>
+    </dgm:scene3d>
+    <dgm:sp3d/>
+    <dgm:txPr/>
+    <dgm:style>
+      <a:lnRef idx="1">
+        <a:scrgbClr r="0" g="0" b="0"/>
+      </a:lnRef>
+      <a:fillRef idx="0">
+        <a:scrgbClr r="0" g="0" b="0"/>
+      </a:fillRef>
+      <a:effectRef idx="0">
+        <a:scrgbClr r="0" g="0" b="0"/>
+      </a:effectRef>
+      <a:fontRef idx="minor"/>
+    </dgm:style>
+  </dgm:styleLbl>
+  <dgm:styleLbl name="callout">
+    <dgm:scene3d>
+      <a:camera prst="orthographicFront"/>
+      <a:lightRig rig="threePt" dir="t"/>
+    </dgm:scene3d>
+    <dgm:sp3d/>
+    <dgm:txPr/>
+    <dgm:style>
+      <a:lnRef idx="2">
+        <a:scrgbClr r="0" g="0" b="0"/>
+      </a:lnRef>
+      <a:fillRef idx="1">
+        <a:scrgbClr r="0" g="0" b="0"/>
+      </a:fillRef>
+      <a:effectRef idx="0">
+        <a:scrgbClr r="0" g="0" b="0"/>
+      </a:effectRef>
+      <a:fontRef idx="minor"/>
+    </dgm:style>
+  </dgm:styleLbl>
+  <dgm:styleLbl name="asst0">
+    <dgm:scene3d>
+      <a:camera prst="orthographicFront"/>
+      <a:lightRig rig="threePt" dir="t"/>
+    </dgm:scene3d>
+    <dgm:sp3d/>
+    <dgm:txPr/>
+    <dgm:style>
+      <a:lnRef idx="2">
+        <a:scrgbClr r="0" g="0" b="0"/>
+      </a:lnRef>
+      <a:fillRef idx="1">
+        <a:scrgbClr r="0" g="0" b="0"/>
+      </a:fillRef>
+      <a:effectRef idx="0">
+        <a:scrgbClr r="0" g="0" b="0"/>
+      </a:effectRef>
+      <a:fontRef idx="minor">
+        <a:schemeClr val="lt1"/>
+      </a:fontRef>
+    </dgm:style>
+  </dgm:styleLbl>
+  <dgm:styleLbl name="asst1">
+    <dgm:scene3d>
+      <a:camera prst="orthographicFront"/>
+      <a:lightRig rig="threePt" dir="t"/>
+    </dgm:scene3d>
+    <dgm:sp3d/>
+    <dgm:txPr/>
+    <dgm:style>
+      <a:lnRef idx="2">
+        <a:scrgbClr r="0" g="0" b="0"/>
+      </a:lnRef>
+      <a:fillRef idx="1">
+        <a:scrgbClr r="0" g="0" b="0"/>
+      </a:fillRef>
+      <a:effectRef idx="0">
+        <a:scrgbClr r="0" g="0" b="0"/>
+      </a:effectRef>
+      <a:fontRef idx="minor">
+        <a:schemeClr val="lt1"/>
+      </a:fontRef>
+    </dgm:style>
+  </dgm:styleLbl>
+  <dgm:styleLbl name="asst2">
+    <dgm:scene3d>
+      <a:camera prst="orthographicFront"/>
+      <a:lightRig rig="threePt" dir="t"/>
+    </dgm:scene3d>
+    <dgm:sp3d/>
+    <dgm:txPr/>
+    <dgm:style>
+      <a:lnRef idx="2">
+        <a:scrgbClr r="0" g="0" b="0"/>
+      </a:lnRef>
+      <a:fillRef idx="1">
+        <a:scrgbClr r="0" g="0" b="0"/>
+      </a:fillRef>
+      <a:effectRef idx="0">
+        <a:scrgbClr r="0" g="0" b="0"/>
+      </a:effectRef>
+      <a:fontRef idx="minor">
+        <a:schemeClr val="lt1"/>
+      </a:fontRef>
+    </dgm:style>
+  </dgm:styleLbl>
+  <dgm:styleLbl name="asst3">
+    <dgm:scene3d>
+      <a:camera prst="orthographicFront"/>
+      <a:lightRig rig="threePt" dir="t"/>
+    </dgm:scene3d>
+    <dgm:sp3d/>
+    <dgm:txPr/>
+    <dgm:style>
+      <a:lnRef idx="2">
+        <a:scrgbClr r="0" g="0" b="0"/>
+      </a:lnRef>
+      <a:fillRef idx="1">
+        <a:scrgbClr r="0" g="0" b="0"/>
+      </a:fillRef>
+      <a:effectRef idx="0">
+        <a:scrgbClr r="0" g="0" b="0"/>
+      </a:effectRef>
+      <a:fontRef idx="minor">
+        <a:schemeClr val="lt1"/>
+      </a:fontRef>
+    </dgm:style>
+  </dgm:styleLbl>
+  <dgm:styleLbl name="asst4">
+    <dgm:scene3d>
+      <a:camera prst="orthographicFront"/>
+      <a:lightRig rig="threePt" dir="t"/>
+    </dgm:scene3d>
+    <dgm:sp3d/>
+    <dgm:txPr/>
+    <dgm:style>
+      <a:lnRef idx="2">
+        <a:scrgbClr r="0" g="0" b="0"/>
+      </a:lnRef>
+      <a:fillRef idx="1">
+        <a:scrgbClr r="0" g="0" b="0"/>
+      </a:fillRef>
+      <a:effectRef idx="0">
+        <a:scrgbClr r="0" g="0" b="0"/>
+      </a:effectRef>
+      <a:fontRef idx="minor">
+        <a:schemeClr val="lt1"/>
+      </a:fontRef>
+    </dgm:style>
+  </dgm:styleLbl>
+  <dgm:styleLbl name="parChTrans2D1">
+    <dgm:scene3d>
+      <a:camera prst="orthographicFront"/>
+      <a:lightRig rig="threePt" dir="t"/>
+    </dgm:scene3d>
+    <dgm:sp3d/>
+    <dgm:txPr/>
+    <dgm:style>
+      <a:lnRef idx="2">
+        <a:scrgbClr r="0" g="0" b="0"/>
+      </a:lnRef>
+      <a:fillRef idx="1">
+        <a:scrgbClr r="0" g="0" b="0"/>
+      </a:fillRef>
+      <a:effectRef idx="0">
+        <a:scrgbClr r="0" g="0" b="0"/>
+      </a:effectRef>
+      <a:fontRef idx="minor">
+        <a:schemeClr val="lt1"/>
+      </a:fontRef>
+    </dgm:style>
+  </dgm:styleLbl>
+  <dgm:styleLbl name="parChTrans2D2">
+    <dgm:scene3d>
+      <a:camera prst="orthographicFront"/>
+      <a:lightRig rig="threePt" dir="t"/>
+    </dgm:scene3d>
+    <dgm:sp3d/>
+    <dgm:txPr/>
+    <dgm:style>
+      <a:lnRef idx="2">
+        <a:scrgbClr r="0" g="0" b="0"/>
+      </a:lnRef>
+      <a:fillRef idx="1">
+        <a:scrgbClr r="0" g="0" b="0"/>
+      </a:fillRef>
+      <a:effectRef idx="0">
+        <a:scrgbClr r="0" g="0" b="0"/>
+      </a:effectRef>
+      <a:fontRef idx="minor">
+        <a:schemeClr val="lt1"/>
+      </a:fontRef>
+    </dgm:style>
+  </dgm:styleLbl>
+  <dgm:styleLbl name="parChTrans2D3">
+    <dgm:scene3d>
+      <a:camera prst="orthographicFront"/>
+      <a:lightRig rig="threePt" dir="t"/>
+    </dgm:scene3d>
+    <dgm:sp3d/>
+    <dgm:txPr/>
+    <dgm:style>
+      <a:lnRef idx="2">
+        <a:scrgbClr r="0" g="0" b="0"/>
+      </a:lnRef>
+      <a:fillRef idx="1">
+        <a:scrgbClr r="0" g="0" b="0"/>
+      </a:fillRef>
+      <a:effectRef idx="0">
+        <a:scrgbClr r="0" g="0" b="0"/>
+      </a:effectRef>
+      <a:fontRef idx="minor">
+        <a:schemeClr val="lt1"/>
+      </a:fontRef>
+    </dgm:style>
+  </dgm:styleLbl>
+  <dgm:styleLbl name="parChTrans2D4">
+    <dgm:scene3d>
+      <a:camera prst="orthographicFront"/>
+      <a:lightRig rig="threePt" dir="t"/>
+    </dgm:scene3d>
+    <dgm:sp3d/>
+    <dgm:txPr/>
+    <dgm:style>
+      <a:lnRef idx="2">
+        <a:scrgbClr r="0" g="0" b="0"/>
+      </a:lnRef>
+      <a:fillRef idx="1">
+        <a:scrgbClr r="0" g="0" b="0"/>
+      </a:fillRef>
+      <a:effectRef idx="0">
+        <a:scrgbClr r="0" g="0" b="0"/>
+      </a:effectRef>
+      <a:fontRef idx="minor">
+        <a:schemeClr val="lt1"/>
+      </a:fontRef>
+    </dgm:style>
+  </dgm:styleLbl>
+  <dgm:styleLbl name="parChTrans1D1">
+    <dgm:scene3d>
+      <a:camera prst="orthographicFront"/>
+      <a:lightRig rig="threePt" dir="t"/>
+    </dgm:scene3d>
+    <dgm:sp3d/>
+    <dgm:txPr/>
+    <dgm:style>
+      <a:lnRef idx="2">
+        <a:scrgbClr r="0" g="0" b="0"/>
+      </a:lnRef>
+      <a:fillRef idx="0">
+        <a:scrgbClr r="0" g="0" b="0"/>
+      </a:fillRef>
+      <a:effectRef idx="0">
+        <a:scrgbClr r="0" g="0" b="0"/>
+      </a:effectRef>
+      <a:fontRef idx="minor"/>
+    </dgm:style>
+  </dgm:styleLbl>
+  <dgm:styleLbl name="parChTrans1D2">
+    <dgm:scene3d>
+      <a:camera prst="orthographicFront"/>
+      <a:lightRig rig="threePt" dir="t"/>
+    </dgm:scene3d>
+    <dgm:sp3d/>
+    <dgm:txPr/>
+    <dgm:style>
+      <a:lnRef idx="2">
+        <a:scrgbClr r="0" g="0" b="0"/>
+      </a:lnRef>
+      <a:fillRef idx="0">
+        <a:scrgbClr r="0" g="0" b="0"/>
+      </a:fillRef>
+      <a:effectRef idx="0">
+        <a:scrgbClr r="0" g="0" b="0"/>
+      </a:effectRef>
+      <a:fontRef idx="minor"/>
+    </dgm:style>
+  </dgm:styleLbl>
+  <dgm:styleLbl name="parChTrans1D3">
+    <dgm:scene3d>
+      <a:camera prst="orthographicFront"/>
+      <a:lightRig rig="threePt" dir="t"/>
+    </dgm:scene3d>
+    <dgm:sp3d/>
+    <dgm:txPr/>
+    <dgm:style>
+      <a:lnRef idx="2">
+        <a:scrgbClr r="0" g="0" b="0"/>
+      </a:lnRef>
+      <a:fillRef idx="0">
+        <a:scrgbClr r="0" g="0" b="0"/>
+      </a:fillRef>
+      <a:effectRef idx="0">
+        <a:scrgbClr r="0" g="0" b="0"/>
+      </a:effectRef>
+      <a:fontRef idx="minor"/>
+    </dgm:style>
+  </dgm:styleLbl>
+  <dgm:styleLbl name="parChTrans1D4">
+    <dgm:scene3d>
+      <a:camera prst="orthographicFront"/>
+      <a:lightRig rig="threePt" dir="t"/>
+    </dgm:scene3d>
+    <dgm:sp3d/>
+    <dgm:txPr/>
+    <dgm:style>
+      <a:lnRef idx="2">
+        <a:scrgbClr r="0" g="0" b="0"/>
+      </a:lnRef>
+      <a:fillRef idx="0">
+        <a:scrgbClr r="0" g="0" b="0"/>
+      </a:fillRef>
+      <a:effectRef idx="0">
+        <a:scrgbClr r="0" g="0" b="0"/>
+      </a:effectRef>
+      <a:fontRef idx="minor"/>
+    </dgm:style>
+  </dgm:styleLbl>
+  <dgm:styleLbl name="fgAcc1">
+    <dgm:scene3d>
+      <a:camera prst="orthographicFront"/>
+      <a:lightRig rig="threePt" dir="t"/>
+    </dgm:scene3d>
+    <dgm:sp3d/>
+    <dgm:txPr/>
+    <dgm:style>
+      <a:lnRef idx="2">
+        <a:scrgbClr r="0" g="0" b="0"/>
+      </a:lnRef>
+      <a:fillRef idx="1">
+        <a:scrgbClr r="0" g="0" b="0"/>
+      </a:fillRef>
+      <a:effectRef idx="0">
+        <a:scrgbClr r="0" g="0" b="0"/>
+      </a:effectRef>
+      <a:fontRef idx="minor"/>
+    </dgm:style>
+  </dgm:styleLbl>
+  <dgm:styleLbl name="conFgAcc1">
+    <dgm:scene3d>
+      <a:camera prst="orthographicFront"/>
+      <a:lightRig rig="threePt" dir="t"/>
+    </dgm:scene3d>
+    <dgm:sp3d/>
+    <dgm:txPr/>
+    <dgm:style>
+      <a:lnRef idx="2">
+        <a:scrgbClr r="0" g="0" b="0"/>
+      </a:lnRef>
+      <a:fillRef idx="1">
+        <a:scrgbClr r="0" g="0" b="0"/>
+      </a:fillRef>
+      <a:effectRef idx="0">
+        <a:scrgbClr r="0" g="0" b="0"/>
+      </a:effectRef>
+      <a:fontRef idx="minor"/>
+    </dgm:style>
+  </dgm:styleLbl>
+  <dgm:styleLbl name="alignAcc1">
+    <dgm:scene3d>
+      <a:camera prst="orthographicFront"/>
+      <a:lightRig rig="threePt" dir="t"/>
+    </dgm:scene3d>
+    <dgm:sp3d/>
+    <dgm:txPr/>
+    <dgm:style>
+      <a:lnRef idx="2">
+        <a:scrgbClr r="0" g="0" b="0"/>
+      </a:lnRef>
+      <a:fillRef idx="1">
+        <a:scrgbClr r="0" g="0" b="0"/>
+      </a:fillRef>
+      <a:effectRef idx="0">
+        <a:scrgbClr r="0" g="0" b="0"/>
+      </a:effectRef>
+      <a:fontRef idx="minor"/>
+    </dgm:style>
+  </dgm:styleLbl>
+  <dgm:styleLbl name="trAlignAcc1">
+    <dgm:scene3d>
+      <a:camera prst="orthographicFront"/>
+      <a:lightRig rig="threePt" dir="t"/>
+    </dgm:scene3d>
+    <dgm:sp3d/>
+    <dgm:txPr/>
+    <dgm:style>
+      <a:lnRef idx="1">
+        <a:scrgbClr r="0" g="0" b="0"/>
+      </a:lnRef>
+      <a:fillRef idx="1">
+        <a:scrgbClr r="0" g="0" b="0"/>
+      </a:fillRef>
+      <a:effectRef idx="0">
+        <a:scrgbClr r="0" g="0" b="0"/>
+      </a:effectRef>
+      <a:fontRef idx="minor"/>
+    </dgm:style>
+  </dgm:styleLbl>
+  <dgm:styleLbl name="bgAcc1">
+    <dgm:scene3d>
+      <a:camera prst="orthographicFront"/>
+      <a:lightRig rig="threePt" dir="t"/>
+    </dgm:scene3d>
+    <dgm:sp3d/>
+    <dgm:txPr/>
+    <dgm:style>
+      <a:lnRef idx="2">
+        <a:scrgbClr r="0" g="0" b="0"/>
+      </a:lnRef>
+      <a:fillRef idx="1">
+        <a:scrgbClr r="0" g="0" b="0"/>
+      </a:fillRef>
+      <a:effectRef idx="0">
+        <a:scrgbClr r="0" g="0" b="0"/>
+      </a:effectRef>
+      <a:fontRef idx="minor"/>
+    </dgm:style>
+  </dgm:styleLbl>
+  <dgm:styleLbl name="solidFgAcc1">
+    <dgm:scene3d>
+      <a:camera prst="orthographicFront"/>
+      <a:lightRig rig="threePt" dir="t"/>
+    </dgm:scene3d>
+    <dgm:sp3d/>
+    <dgm:txPr/>
+    <dgm:style>
+      <a:lnRef idx="2">
+        <a:scrgbClr r="0" g="0" b="0"/>
+      </a:lnRef>
+      <a:fillRef idx="1">
+        <a:scrgbClr r="0" g="0" b="0"/>
+      </a:fillRef>
+      <a:effectRef idx="0">
+        <a:scrgbClr r="0" g="0" b="0"/>
+      </a:effectRef>
+      <a:fontRef idx="minor"/>
+    </dgm:style>
+  </dgm:styleLbl>
+  <dgm:styleLbl name="solidAlignAcc1">
+    <dgm:scene3d>
+      <a:camera prst="orthographicFront"/>
+      <a:lightRig rig="threePt" dir="t"/>
+    </dgm:scene3d>
+    <dgm:sp3d/>
+    <dgm:txPr/>
+    <dgm:style>
+      <a:lnRef idx="2">
+        <a:scrgbClr r="0" g="0" b="0"/>
+      </a:lnRef>
+      <a:fillRef idx="1">
+        <a:scrgbClr r="0" g="0" b="0"/>
+      </a:fillRef>
+      <a:effectRef idx="0">
+        <a:scrgbClr r="0" g="0" b="0"/>
+      </a:effectRef>
+      <a:fontRef idx="minor"/>
+    </dgm:style>
+  </dgm:styleLbl>
+  <dgm:styleLbl name="solidBgAcc1">
+    <dgm:scene3d>
+      <a:camera prst="orthographicFront"/>
+      <a:lightRig rig="threePt" dir="t"/>
+    </dgm:scene3d>
+    <dgm:sp3d/>
+    <dgm:txPr/>
+    <dgm:style>
+      <a:lnRef idx="2">
+        <a:scrgbClr r="0" g="0" b="0"/>
+      </a:lnRef>
+      <a:fillRef idx="1">
+        <a:scrgbClr r="0" g="0" b="0"/>
+      </a:fillRef>
+      <a:effectRef idx="0">
+        <a:scrgbClr r="0" g="0" b="0"/>
+      </a:effectRef>
+      <a:fontRef idx="minor"/>
+    </dgm:style>
+  </dgm:styleLbl>
+  <dgm:styleLbl name="fgAccFollowNode1">
+    <dgm:scene3d>
+      <a:camera prst="orthographicFront"/>
+      <a:lightRig rig="threePt" dir="t"/>
+    </dgm:scene3d>
+    <dgm:sp3d/>
+    <dgm:txPr/>
+    <dgm:style>
+      <a:lnRef idx="2">
+        <a:scrgbClr r="0" g="0" b="0"/>
+      </a:lnRef>
+      <a:fillRef idx="1">
+        <a:scrgbClr r="0" g="0" b="0"/>
+      </a:fillRef>
+      <a:effectRef idx="0">
+        <a:scrgbClr r="0" g="0" b="0"/>
+      </a:effectRef>
+      <a:fontRef idx="minor"/>
+    </dgm:style>
+  </dgm:styleLbl>
+  <dgm:styleLbl name="alignAccFollowNode1">
+    <dgm:scene3d>
+      <a:camera prst="orthographicFront"/>
+      <a:lightRig rig="threePt" dir="t"/>
+    </dgm:scene3d>
+    <dgm:sp3d/>
+    <dgm:txPr/>
+    <dgm:style>
+      <a:lnRef idx="2">
+        <a:scrgbClr r="0" g="0" b="0"/>
+      </a:lnRef>
+      <a:fillRef idx="1">
+        <a:scrgbClr r="0" g="0" b="0"/>
+      </a:fillRef>
+      <a:effectRef idx="0">
+        <a:scrgbClr r="0" g="0" b="0"/>
+      </a:effectRef>
+      <a:fontRef idx="minor"/>
+    </dgm:style>
+  </dgm:styleLbl>
+  <dgm:styleLbl name="bgAccFollowNode1">
+    <dgm:scene3d>
+      <a:camera prst="orthographicFront"/>
+      <a:lightRig rig="threePt" dir="t"/>
+    </dgm:scene3d>
+    <dgm:sp3d/>
+    <dgm:txPr/>
+    <dgm:style>
+      <a:lnRef idx="2">
+        <a:scrgbClr r="0" g="0" b="0"/>
+      </a:lnRef>
+      <a:fillRef idx="1">
+        <a:scrgbClr r="0" g="0" b="0"/>
+      </a:fillRef>
+      <a:effectRef idx="0">
+        <a:scrgbClr r="0" g="0" b="0"/>
+      </a:effectRef>
+      <a:fontRef idx="minor"/>
+    </dgm:style>
+  </dgm:styleLbl>
+  <dgm:styleLbl name="fgAcc0">
+    <dgm:scene3d>
+      <a:camera prst="orthographicFront"/>
+      <a:lightRig rig="threePt" dir="t"/>
+    </dgm:scene3d>
+    <dgm:sp3d/>
+    <dgm:txPr/>
+    <dgm:style>
+      <a:lnRef idx="2">
+        <a:scrgbClr r="0" g="0" b="0"/>
+      </a:lnRef>
+      <a:fillRef idx="1">
+        <a:scrgbClr r="0" g="0" b="0"/>
+      </a:fillRef>
+      <a:effectRef idx="0">
+        <a:scrgbClr r="0" g="0" b="0"/>
+      </a:effectRef>
+      <a:fontRef idx="minor"/>
+    </dgm:style>
+  </dgm:styleLbl>
+  <dgm:styleLbl name="fgAcc2">
+    <dgm:scene3d>
+      <a:camera prst="orthographicFront"/>
+      <a:lightRig rig="threePt" dir="t"/>
+    </dgm:scene3d>
+    <dgm:sp3d/>
+    <dgm:txPr/>
+    <dgm:style>
+      <a:lnRef idx="2">
+        <a:scrgbClr r="0" g="0" b="0"/>
+      </a:lnRef>
+      <a:fillRef idx="1">
+        <a:scrgbClr r="0" g="0" b="0"/>
+      </a:fillRef>
+      <a:effectRef idx="0">
+        <a:scrgbClr r="0" g="0" b="0"/>
+      </a:effectRef>
+      <a:fontRef idx="minor"/>
+    </dgm:style>
+  </dgm:styleLbl>
+  <dgm:styleLbl name="fgAcc3">
+    <dgm:scene3d>
+      <a:camera prst="orthographicFront"/>
+      <a:lightRig rig="threePt" dir="t"/>
+    </dgm:scene3d>
+    <dgm:sp3d/>
+    <dgm:txPr/>
+    <dgm:style>
+      <a:lnRef idx="2">
+        <a:scrgbClr r="0" g="0" b="0"/>
+      </a:lnRef>
+      <a:fillRef idx="1">
+        <a:scrgbClr r="0" g="0" b="0"/>
+      </a:fillRef>
+      <a:effectRef idx="0">
+        <a:scrgbClr r="0" g="0" b="0"/>
+      </a:effectRef>
+      <a:fontRef idx="minor"/>
+    </dgm:style>
+  </dgm:styleLbl>
+  <dgm:styleLbl name="fgAcc4">
+    <dgm:scene3d>
+      <a:camera prst="orthographicFront"/>
+      <a:lightRig rig="threePt" dir="t"/>
+    </dgm:scene3d>
+    <dgm:sp3d/>
+    <dgm:txPr/>
+    <dgm:style>
+      <a:lnRef idx="2">
+        <a:scrgbClr r="0" g="0" b="0"/>
+      </a:lnRef>
+      <a:fillRef idx="1">
+        <a:scrgbClr r="0" g="0" b="0"/>
+      </a:fillRef>
+      <a:effectRef idx="0">
+        <a:scrgbClr r="0" g="0" b="0"/>
+      </a:effectRef>
+      <a:fontRef idx="minor"/>
+    </dgm:style>
+  </dgm:styleLbl>
+  <dgm:styleLbl name="bgShp">
+    <dgm:scene3d>
+      <a:camera prst="orthographicFront"/>
+      <a:lightRig rig="threePt" dir="t"/>
+    </dgm:scene3d>
+    <dgm:sp3d/>
+    <dgm:txPr/>
+    <dgm:style>
+      <a:lnRef idx="0">
+        <a:scrgbClr r="0" g="0" b="0"/>
+      </a:lnRef>
+      <a:fillRef idx="1">
+        <a:scrgbClr r="0" g="0" b="0"/>
+      </a:fillRef>
+      <a:effectRef idx="0">
+        <a:scrgbClr r="0" g="0" b="0"/>
+      </a:effectRef>
+      <a:fontRef idx="minor"/>
+    </dgm:style>
+  </dgm:styleLbl>
+  <dgm:styleLbl name="dkBgShp">
+    <dgm:scene3d>
+      <a:camera prst="orthographicFront"/>
+      <a:lightRig rig="threePt" dir="t"/>
+    </dgm:scene3d>
+    <dgm:sp3d/>
+    <dgm:txPr/>
+    <dgm:style>
+      <a:lnRef idx="0">
+        <a:scrgbClr r="0" g="0" b="0"/>
+      </a:lnRef>
+      <a:fillRef idx="1">
+        <a:scrgbClr r="0" g="0" b="0"/>
+      </a:fillRef>
+      <a:effectRef idx="0">
+        <a:scrgbClr r="0" g="0" b="0"/>
+      </a:effectRef>
+      <a:fontRef idx="minor"/>
+    </dgm:style>
+  </dgm:styleLbl>
+  <dgm:styleLbl name="trBgShp">
+    <dgm:scene3d>
+      <a:camera prst="orthographicFront"/>
+      <a:lightRig rig="threePt" dir="t"/>
+    </dgm:scene3d>
+    <dgm:sp3d/>
+    <dgm:txPr/>
+    <dgm:style>
+      <a:lnRef idx="0">
+        <a:scrgbClr r="0" g="0" b="0"/>
+      </a:lnRef>
+      <a:fillRef idx="1">
+        <a:scrgbClr r="0" g="0" b="0"/>
+      </a:fillRef>
+      <a:effectRef idx="0">
+        <a:scrgbClr r="0" g="0" b="0"/>
+      </a:effectRef>
+      <a:fontRef idx="minor"/>
+    </dgm:style>
+  </dgm:styleLbl>
+  <dgm:styleLbl name="fgShp">
+    <dgm:scene3d>
+      <a:camera prst="orthographicFront"/>
+      <a:lightRig rig="threePt" dir="t"/>
+    </dgm:scene3d>
+    <dgm:sp3d/>
+    <dgm:txPr/>
+    <dgm:style>
+      <a:lnRef idx="2">
+        <a:scrgbClr r="0" g="0" b="0"/>
+      </a:lnRef>
+      <a:fillRef idx="1">
+        <a:scrgbClr r="0" g="0" b="0"/>
+      </a:fillRef>
+      <a:effectRef idx="0">
+        <a:scrgbClr r="0" g="0" b="0"/>
+      </a:effectRef>
+      <a:fontRef idx="minor"/>
+    </dgm:style>
+  </dgm:styleLbl>
+  <dgm:styleLbl name="revTx">
+    <dgm:scene3d>
+      <a:camera prst="orthographicFront"/>
+      <a:lightRig rig="threePt" dir="t"/>
+    </dgm:scene3d>
+    <dgm:sp3d/>
+    <dgm:txPr/>
+    <dgm:style>
+      <a:lnRef idx="0">
+        <a:scrgbClr r="0" g="0" b="0"/>
+      </a:lnRef>
+      <a:fillRef idx="0">
+        <a:scrgbClr r="0" g="0" b="0"/>
+      </a:fillRef>
+      <a:effectRef idx="0">
+        <a:scrgbClr r="0" g="0" b="0"/>
+      </a:effectRef>
+      <a:fontRef idx="minor"/>
+    </dgm:style>
+  </dgm:styleLbl>
+</dgm:styleDef>
+</file>
+
 <file path=ppt/handoutMasters/handoutMaster1.xml><?xml version="1.0" encoding="utf-8"?>
 <p:handoutMaster xmlns:a="http://schemas.openxmlformats.org/drawingml/2006/main" xmlns:r="http://schemas.openxmlformats.org/officeDocument/2006/relationships" xmlns:p="http://schemas.openxmlformats.org/presentationml/2006/main">
   <p:cSld>
@@ -238,7 +3030,7 @@
           <a:p>
             <a:fld id="{C17F2C1D-F243-42AB-ADF2-E7CB4E04900E}" type="datetimeFigureOut">
               <a:rPr lang="en-US" smtClean="0"/>
-              <a:t>12/1/2022</a:t>
+              <a:t>12/2/2022</a:t>
             </a:fld>
             <a:endParaRPr lang="en-US"/>
           </a:p>
@@ -415,7 +3207,7 @@
           <a:p>
             <a:fld id="{020CE34E-5667-4A32-A6BA-10C7A552BC63}" type="datetimeFigureOut">
               <a:rPr lang="en-US" smtClean="0"/>
-              <a:t>12/1/2022</a:t>
+              <a:t>12/2/2022</a:t>
             </a:fld>
             <a:endParaRPr lang="en-US"/>
           </a:p>
@@ -16981,6 +19773,14 @@
 <file path=ppt/slides/slide8.xml><?xml version="1.0" encoding="utf-8"?>
 <p:sld xmlns:a="http://schemas.openxmlformats.org/drawingml/2006/main" xmlns:r="http://schemas.openxmlformats.org/officeDocument/2006/relationships" xmlns:p="http://schemas.openxmlformats.org/presentationml/2006/main">
   <p:cSld>
+    <p:bg>
+      <p:bgPr>
+        <a:solidFill>
+          <a:schemeClr val="bg2"/>
+        </a:solidFill>
+        <a:effectLst/>
+      </p:bgPr>
+    </p:bg>
     <p:spTree>
       <p:nvGrpSpPr>
         <p:cNvPr id="1" name=""/>
@@ -16995,6 +19795,570 @@
           <a:chExt cx="0" cy="0"/>
         </a:xfrm>
       </p:grpSpPr>
+      <p:grpSp>
+        <p:nvGrpSpPr>
+          <p:cNvPr id="39" name="Group 38">
+            <a:extLst>
+              <a:ext uri="{FF2B5EF4-FFF2-40B4-BE49-F238E27FC236}">
+                <a16:creationId xmlns:a16="http://schemas.microsoft.com/office/drawing/2014/main" id="{3BDBC526-6DCD-4FF6-8395-D8C22E46E527}"/>
+              </a:ext>
+              <a:ext uri="{C183D7F6-B498-43B3-948B-1728B52AA6E4}">
+                <adec:decorative xmlns:adec="http://schemas.microsoft.com/office/drawing/2017/decorative" val="1"/>
+              </a:ext>
+            </a:extLst>
+          </p:cNvPr>
+          <p:cNvGrpSpPr>
+            <a:grpSpLocks noGrp="1" noUngrp="1" noRot="1" noChangeAspect="1" noMove="1" noResize="1"/>
+          </p:cNvGrpSpPr>
+          <p:nvPr>
+            <p:extLst>
+              <p:ext uri="{386F3935-93C4-4BCD-93E2-E3B085C9AB24}">
+                <p16:designElem xmlns:p16="http://schemas.microsoft.com/office/powerpoint/2015/main" val="1"/>
+              </p:ext>
+            </p:extLst>
+          </p:nvPr>
+        </p:nvGrpSpPr>
+        <p:grpSpPr>
+          <a:xfrm>
+            <a:off x="613998" y="5334748"/>
+            <a:ext cx="678135" cy="990000"/>
+            <a:chOff x="10490969" y="1448827"/>
+            <a:chExt cx="678135" cy="990000"/>
+          </a:xfrm>
+        </p:grpSpPr>
+        <p:sp>
+          <p:nvSpPr>
+            <p:cNvPr id="40" name="Freeform: Shape 39">
+              <a:extLst>
+                <a:ext uri="{FF2B5EF4-FFF2-40B4-BE49-F238E27FC236}">
+                  <a16:creationId xmlns:a16="http://schemas.microsoft.com/office/drawing/2014/main" id="{02ECB475-568C-47AC-B16D-2E202DEB2DE0}"/>
+                </a:ext>
+                <a:ext uri="{C183D7F6-B498-43B3-948B-1728B52AA6E4}">
+                  <adec:decorative xmlns:adec="http://schemas.microsoft.com/office/drawing/2017/decorative" val="1"/>
+                </a:ext>
+              </a:extLst>
+            </p:cNvPr>
+            <p:cNvSpPr>
+              <a:spLocks noChangeAspect="1"/>
+            </p:cNvSpPr>
+            <p:nvPr>
+              <p:extLst>
+                <p:ext uri="{386F3935-93C4-4BCD-93E2-E3B085C9AB24}">
+                  <p16:designElem xmlns:p16="http://schemas.microsoft.com/office/powerpoint/2015/main" val="1"/>
+                </p:ext>
+              </p:extLst>
+            </p:nvPr>
+          </p:nvSpPr>
+          <p:spPr>
+            <a:xfrm rot="2700000" flipH="1" flipV="1">
+              <a:off x="10268976" y="1743588"/>
+              <a:ext cx="926985" cy="463493"/>
+            </a:xfrm>
+            <a:custGeom>
+              <a:avLst/>
+              <a:gdLst>
+                <a:gd name="connsiteX0" fmla="*/ 1329373 w 2658746"/>
+                <a:gd name="connsiteY0" fmla="*/ 0 h 1329373"/>
+                <a:gd name="connsiteX1" fmla="*/ 2658746 w 2658746"/>
+                <a:gd name="connsiteY1" fmla="*/ 1329373 h 1329373"/>
+                <a:gd name="connsiteX2" fmla="*/ 1994059 w 2658746"/>
+                <a:gd name="connsiteY2" fmla="*/ 1329373 h 1329373"/>
+                <a:gd name="connsiteX3" fmla="*/ 1329373 w 2658746"/>
+                <a:gd name="connsiteY3" fmla="*/ 664687 h 1329373"/>
+                <a:gd name="connsiteX4" fmla="*/ 664687 w 2658746"/>
+                <a:gd name="connsiteY4" fmla="*/ 1329373 h 1329373"/>
+                <a:gd name="connsiteX5" fmla="*/ 0 w 2658746"/>
+                <a:gd name="connsiteY5" fmla="*/ 1329373 h 1329373"/>
+                <a:gd name="connsiteX6" fmla="*/ 1329373 w 2658746"/>
+                <a:gd name="connsiteY6" fmla="*/ 0 h 1329373"/>
+              </a:gdLst>
+              <a:ahLst/>
+              <a:cxnLst>
+                <a:cxn ang="0">
+                  <a:pos x="connsiteX0" y="connsiteY0"/>
+                </a:cxn>
+                <a:cxn ang="0">
+                  <a:pos x="connsiteX1" y="connsiteY1"/>
+                </a:cxn>
+                <a:cxn ang="0">
+                  <a:pos x="connsiteX2" y="connsiteY2"/>
+                </a:cxn>
+                <a:cxn ang="0">
+                  <a:pos x="connsiteX3" y="connsiteY3"/>
+                </a:cxn>
+                <a:cxn ang="0">
+                  <a:pos x="connsiteX4" y="connsiteY4"/>
+                </a:cxn>
+                <a:cxn ang="0">
+                  <a:pos x="connsiteX5" y="connsiteY5"/>
+                </a:cxn>
+                <a:cxn ang="0">
+                  <a:pos x="connsiteX6" y="connsiteY6"/>
+                </a:cxn>
+              </a:cxnLst>
+              <a:rect l="l" t="t" r="r" b="b"/>
+              <a:pathLst>
+                <a:path w="2658746" h="1329373">
+                  <a:moveTo>
+                    <a:pt x="1329373" y="0"/>
+                  </a:moveTo>
+                  <a:cubicBezTo>
+                    <a:pt x="2063565" y="0"/>
+                    <a:pt x="2658746" y="595181"/>
+                    <a:pt x="2658746" y="1329373"/>
+                  </a:cubicBezTo>
+                  <a:lnTo>
+                    <a:pt x="1994059" y="1329373"/>
+                  </a:lnTo>
+                  <a:cubicBezTo>
+                    <a:pt x="1994059" y="962277"/>
+                    <a:pt x="1696469" y="664687"/>
+                    <a:pt x="1329373" y="664687"/>
+                  </a:cubicBezTo>
+                  <a:cubicBezTo>
+                    <a:pt x="962277" y="664687"/>
+                    <a:pt x="664687" y="962277"/>
+                    <a:pt x="664687" y="1329373"/>
+                  </a:cubicBezTo>
+                  <a:lnTo>
+                    <a:pt x="0" y="1329373"/>
+                  </a:lnTo>
+                  <a:cubicBezTo>
+                    <a:pt x="0" y="595181"/>
+                    <a:pt x="595181" y="0"/>
+                    <a:pt x="1329373" y="0"/>
+                  </a:cubicBezTo>
+                  <a:close/>
+                </a:path>
+              </a:pathLst>
+            </a:custGeom>
+            <a:solidFill>
+              <a:schemeClr val="bg2"/>
+            </a:solidFill>
+            <a:ln>
+              <a:noFill/>
+            </a:ln>
+            <a:effectLst>
+              <a:innerShdw blurRad="127000" dist="50800" dir="13500000">
+                <a:schemeClr val="accent1">
+                  <a:lumMod val="40000"/>
+                  <a:lumOff val="60000"/>
+                  <a:alpha val="20000"/>
+                </a:schemeClr>
+              </a:innerShdw>
+            </a:effectLst>
+          </p:spPr>
+          <p:style>
+            <a:lnRef idx="2">
+              <a:schemeClr val="accent1">
+                <a:shade val="50000"/>
+              </a:schemeClr>
+            </a:lnRef>
+            <a:fillRef idx="1">
+              <a:schemeClr val="accent1"/>
+            </a:fillRef>
+            <a:effectRef idx="0">
+              <a:schemeClr val="accent1"/>
+            </a:effectRef>
+            <a:fontRef idx="minor">
+              <a:schemeClr val="lt1"/>
+            </a:fontRef>
+          </p:style>
+          <p:txBody>
+            <a:bodyPr rtlCol="0" anchor="ctr"/>
+            <a:lstStyle/>
+            <a:p>
+              <a:pPr algn="ctr"/>
+              <a:endParaRPr lang="en-US" dirty="0">
+                <a:solidFill>
+                  <a:schemeClr val="tx1"/>
+                </a:solidFill>
+              </a:endParaRPr>
+            </a:p>
+          </p:txBody>
+        </p:sp>
+        <p:sp>
+          <p:nvSpPr>
+            <p:cNvPr id="41" name="Oval 40">
+              <a:extLst>
+                <a:ext uri="{FF2B5EF4-FFF2-40B4-BE49-F238E27FC236}">
+                  <a16:creationId xmlns:a16="http://schemas.microsoft.com/office/drawing/2014/main" id="{080D8764-525A-441E-B58F-068E82F09714}"/>
+                </a:ext>
+                <a:ext uri="{C183D7F6-B498-43B3-948B-1728B52AA6E4}">
+                  <adec:decorative xmlns:adec="http://schemas.microsoft.com/office/drawing/2017/decorative" val="1"/>
+                </a:ext>
+              </a:extLst>
+            </p:cNvPr>
+            <p:cNvSpPr/>
+            <p:nvPr>
+              <p:extLst>
+                <p:ext uri="{386F3935-93C4-4BCD-93E2-E3B085C9AB24}">
+                  <p16:designElem xmlns:p16="http://schemas.microsoft.com/office/powerpoint/2015/main" val="1"/>
+                </p:ext>
+              </p:extLst>
+            </p:nvPr>
+          </p:nvSpPr>
+          <p:spPr>
+            <a:xfrm rot="8100000" flipH="1" flipV="1">
+              <a:off x="11115555" y="1939340"/>
+              <a:ext cx="53549" cy="233295"/>
+            </a:xfrm>
+            <a:prstGeom prst="ellipse">
+              <a:avLst/>
+            </a:prstGeom>
+            <a:solidFill>
+              <a:schemeClr val="bg2">
+                <a:lumMod val="90000"/>
+                <a:lumOff val="10000"/>
+              </a:schemeClr>
+            </a:solidFill>
+            <a:ln>
+              <a:noFill/>
+            </a:ln>
+            <a:effectLst>
+              <a:innerShdw blurRad="63500" dist="2540000">
+                <a:schemeClr val="accent1">
+                  <a:lumMod val="60000"/>
+                  <a:lumOff val="40000"/>
+                  <a:alpha val="0"/>
+                </a:schemeClr>
+              </a:innerShdw>
+            </a:effectLst>
+          </p:spPr>
+          <p:style>
+            <a:lnRef idx="2">
+              <a:schemeClr val="accent1">
+                <a:shade val="50000"/>
+              </a:schemeClr>
+            </a:lnRef>
+            <a:fillRef idx="1">
+              <a:schemeClr val="accent1"/>
+            </a:fillRef>
+            <a:effectRef idx="0">
+              <a:schemeClr val="accent1"/>
+            </a:effectRef>
+            <a:fontRef idx="minor">
+              <a:schemeClr val="lt1"/>
+            </a:fontRef>
+          </p:style>
+          <p:txBody>
+            <a:bodyPr rot="0" spcFirstLastPara="0" vertOverflow="overflow" horzOverflow="overflow" vert="horz" wrap="square" lIns="91440" tIns="45720" rIns="91440" bIns="45720" numCol="1" spcCol="0" rtlCol="0" fromWordArt="0" anchor="ctr" anchorCtr="0" forceAA="0" compatLnSpc="1">
+              <a:prstTxWarp prst="textNoShape">
+                <a:avLst/>
+              </a:prstTxWarp>
+              <a:noAutofit/>
+            </a:bodyPr>
+            <a:lstStyle/>
+            <a:p>
+              <a:pPr algn="ctr"/>
+              <a:endParaRPr lang="en-US"/>
+            </a:p>
+          </p:txBody>
+        </p:sp>
+        <p:sp>
+          <p:nvSpPr>
+            <p:cNvPr id="42" name="Oval 41">
+              <a:extLst>
+                <a:ext uri="{FF2B5EF4-FFF2-40B4-BE49-F238E27FC236}">
+                  <a16:creationId xmlns:a16="http://schemas.microsoft.com/office/drawing/2014/main" id="{11196109-6F2B-4738-B2FC-2CCC753AABD4}"/>
+                </a:ext>
+                <a:ext uri="{C183D7F6-B498-43B3-948B-1728B52AA6E4}">
+                  <adec:decorative xmlns:adec="http://schemas.microsoft.com/office/drawing/2017/decorative" val="1"/>
+                </a:ext>
+              </a:extLst>
+            </p:cNvPr>
+            <p:cNvSpPr/>
+            <p:nvPr>
+              <p:extLst>
+                <p:ext uri="{386F3935-93C4-4BCD-93E2-E3B085C9AB24}">
+                  <p16:designElem xmlns:p16="http://schemas.microsoft.com/office/powerpoint/2015/main" val="1"/>
+                </p:ext>
+              </p:extLst>
+            </p:nvPr>
+          </p:nvSpPr>
+          <p:spPr>
+            <a:xfrm rot="8100000" flipH="1" flipV="1">
+              <a:off x="10625042" y="1448827"/>
+              <a:ext cx="53549" cy="233295"/>
+            </a:xfrm>
+            <a:prstGeom prst="ellipse">
+              <a:avLst/>
+            </a:prstGeom>
+            <a:solidFill>
+              <a:schemeClr val="bg2">
+                <a:lumMod val="90000"/>
+                <a:lumOff val="10000"/>
+              </a:schemeClr>
+            </a:solidFill>
+            <a:ln>
+              <a:noFill/>
+            </a:ln>
+            <a:effectLst>
+              <a:innerShdw blurRad="63500" dist="2540000">
+                <a:schemeClr val="accent1">
+                  <a:lumMod val="60000"/>
+                  <a:lumOff val="40000"/>
+                  <a:alpha val="0"/>
+                </a:schemeClr>
+              </a:innerShdw>
+            </a:effectLst>
+          </p:spPr>
+          <p:style>
+            <a:lnRef idx="2">
+              <a:schemeClr val="accent1">
+                <a:shade val="50000"/>
+              </a:schemeClr>
+            </a:lnRef>
+            <a:fillRef idx="1">
+              <a:schemeClr val="accent1"/>
+            </a:fillRef>
+            <a:effectRef idx="0">
+              <a:schemeClr val="accent1"/>
+            </a:effectRef>
+            <a:fontRef idx="minor">
+              <a:schemeClr val="lt1"/>
+            </a:fontRef>
+          </p:style>
+          <p:txBody>
+            <a:bodyPr rot="0" spcFirstLastPara="0" vertOverflow="overflow" horzOverflow="overflow" vert="horz" wrap="square" lIns="91440" tIns="45720" rIns="91440" bIns="45720" numCol="1" spcCol="0" rtlCol="0" fromWordArt="0" anchor="ctr" anchorCtr="0" forceAA="0" compatLnSpc="1">
+              <a:prstTxWarp prst="textNoShape">
+                <a:avLst/>
+              </a:prstTxWarp>
+              <a:noAutofit/>
+            </a:bodyPr>
+            <a:lstStyle/>
+            <a:p>
+              <a:pPr algn="ctr"/>
+              <a:endParaRPr lang="en-US"/>
+            </a:p>
+          </p:txBody>
+        </p:sp>
+        <p:sp>
+          <p:nvSpPr>
+            <p:cNvPr id="43" name="Freeform: Shape 42">
+              <a:extLst>
+                <a:ext uri="{FF2B5EF4-FFF2-40B4-BE49-F238E27FC236}">
+                  <a16:creationId xmlns:a16="http://schemas.microsoft.com/office/drawing/2014/main" id="{F7E468C2-69B8-470B-85E3-801A3CB1D7E2}"/>
+                </a:ext>
+                <a:ext uri="{C183D7F6-B498-43B3-948B-1728B52AA6E4}">
+                  <adec:decorative xmlns:adec="http://schemas.microsoft.com/office/drawing/2017/decorative" val="1"/>
+                </a:ext>
+              </a:extLst>
+            </p:cNvPr>
+            <p:cNvSpPr>
+              <a:spLocks noChangeAspect="1"/>
+            </p:cNvSpPr>
+            <p:nvPr>
+              <p:extLst>
+                <p:ext uri="{386F3935-93C4-4BCD-93E2-E3B085C9AB24}">
+                  <p16:designElem xmlns:p16="http://schemas.microsoft.com/office/powerpoint/2015/main" val="1"/>
+                </p:ext>
+              </p:extLst>
+            </p:nvPr>
+          </p:nvSpPr>
+          <p:spPr>
+            <a:xfrm rot="2700000" flipH="1" flipV="1">
+              <a:off x="10292519" y="1686748"/>
+              <a:ext cx="926985" cy="530086"/>
+            </a:xfrm>
+            <a:custGeom>
+              <a:avLst/>
+              <a:gdLst>
+                <a:gd name="connsiteX0" fmla="*/ 1329373 w 2658746"/>
+                <a:gd name="connsiteY0" fmla="*/ 0 h 1329373"/>
+                <a:gd name="connsiteX1" fmla="*/ 2658746 w 2658746"/>
+                <a:gd name="connsiteY1" fmla="*/ 1329373 h 1329373"/>
+                <a:gd name="connsiteX2" fmla="*/ 1994059 w 2658746"/>
+                <a:gd name="connsiteY2" fmla="*/ 1329373 h 1329373"/>
+                <a:gd name="connsiteX3" fmla="*/ 1329373 w 2658746"/>
+                <a:gd name="connsiteY3" fmla="*/ 664687 h 1329373"/>
+                <a:gd name="connsiteX4" fmla="*/ 664687 w 2658746"/>
+                <a:gd name="connsiteY4" fmla="*/ 1329373 h 1329373"/>
+                <a:gd name="connsiteX5" fmla="*/ 0 w 2658746"/>
+                <a:gd name="connsiteY5" fmla="*/ 1329373 h 1329373"/>
+                <a:gd name="connsiteX6" fmla="*/ 1329373 w 2658746"/>
+                <a:gd name="connsiteY6" fmla="*/ 0 h 1329373"/>
+              </a:gdLst>
+              <a:ahLst/>
+              <a:cxnLst>
+                <a:cxn ang="0">
+                  <a:pos x="connsiteX0" y="connsiteY0"/>
+                </a:cxn>
+                <a:cxn ang="0">
+                  <a:pos x="connsiteX1" y="connsiteY1"/>
+                </a:cxn>
+                <a:cxn ang="0">
+                  <a:pos x="connsiteX2" y="connsiteY2"/>
+                </a:cxn>
+                <a:cxn ang="0">
+                  <a:pos x="connsiteX3" y="connsiteY3"/>
+                </a:cxn>
+                <a:cxn ang="0">
+                  <a:pos x="connsiteX4" y="connsiteY4"/>
+                </a:cxn>
+                <a:cxn ang="0">
+                  <a:pos x="connsiteX5" y="connsiteY5"/>
+                </a:cxn>
+                <a:cxn ang="0">
+                  <a:pos x="connsiteX6" y="connsiteY6"/>
+                </a:cxn>
+              </a:cxnLst>
+              <a:rect l="l" t="t" r="r" b="b"/>
+              <a:pathLst>
+                <a:path w="2658746" h="1329373">
+                  <a:moveTo>
+                    <a:pt x="1329373" y="0"/>
+                  </a:moveTo>
+                  <a:cubicBezTo>
+                    <a:pt x="2063565" y="0"/>
+                    <a:pt x="2658746" y="595181"/>
+                    <a:pt x="2658746" y="1329373"/>
+                  </a:cubicBezTo>
+                  <a:lnTo>
+                    <a:pt x="1994059" y="1329373"/>
+                  </a:lnTo>
+                  <a:cubicBezTo>
+                    <a:pt x="1994059" y="962277"/>
+                    <a:pt x="1696469" y="664687"/>
+                    <a:pt x="1329373" y="664687"/>
+                  </a:cubicBezTo>
+                  <a:cubicBezTo>
+                    <a:pt x="962277" y="664687"/>
+                    <a:pt x="664687" y="962277"/>
+                    <a:pt x="664687" y="1329373"/>
+                  </a:cubicBezTo>
+                  <a:lnTo>
+                    <a:pt x="0" y="1329373"/>
+                  </a:lnTo>
+                  <a:cubicBezTo>
+                    <a:pt x="0" y="595181"/>
+                    <a:pt x="595181" y="0"/>
+                    <a:pt x="1329373" y="0"/>
+                  </a:cubicBezTo>
+                  <a:close/>
+                </a:path>
+              </a:pathLst>
+            </a:custGeom>
+            <a:solidFill>
+              <a:schemeClr val="bg2">
+                <a:lumMod val="50000"/>
+                <a:lumOff val="50000"/>
+                <a:alpha val="20000"/>
+              </a:schemeClr>
+            </a:solidFill>
+            <a:ln>
+              <a:noFill/>
+            </a:ln>
+            <a:effectLst>
+              <a:softEdge rad="101600"/>
+            </a:effectLst>
+          </p:spPr>
+          <p:style>
+            <a:lnRef idx="2">
+              <a:schemeClr val="accent1">
+                <a:shade val="50000"/>
+              </a:schemeClr>
+            </a:lnRef>
+            <a:fillRef idx="1">
+              <a:schemeClr val="accent1"/>
+            </a:fillRef>
+            <a:effectRef idx="0">
+              <a:schemeClr val="accent1"/>
+            </a:effectRef>
+            <a:fontRef idx="minor">
+              <a:schemeClr val="lt1"/>
+            </a:fontRef>
+          </p:style>
+          <p:txBody>
+            <a:bodyPr rtlCol="0" anchor="ctr"/>
+            <a:lstStyle/>
+            <a:p>
+              <a:pPr algn="ctr"/>
+              <a:endParaRPr lang="en-US" dirty="0">
+                <a:solidFill>
+                  <a:schemeClr val="tx1"/>
+                </a:solidFill>
+              </a:endParaRPr>
+            </a:p>
+          </p:txBody>
+        </p:sp>
+      </p:grpSp>
+      <p:sp useBgFill="1">
+        <p:nvSpPr>
+          <p:cNvPr id="45" name="Rectangle 44">
+            <a:extLst>
+              <a:ext uri="{FF2B5EF4-FFF2-40B4-BE49-F238E27FC236}">
+                <a16:creationId xmlns:a16="http://schemas.microsoft.com/office/drawing/2014/main" id="{60B7752B-728D-4CA3-8923-C4F7F77029E3}"/>
+              </a:ext>
+              <a:ext uri="{C183D7F6-B498-43B3-948B-1728B52AA6E4}">
+                <adec:decorative xmlns:adec="http://schemas.microsoft.com/office/drawing/2017/decorative" val="1"/>
+              </a:ext>
+            </a:extLst>
+          </p:cNvPr>
+          <p:cNvSpPr>
+            <a:spLocks noGrp="1" noRot="1" noChangeAspect="1" noMove="1" noResize="1" noEditPoints="1" noAdjustHandles="1" noChangeArrowheads="1" noChangeShapeType="1" noTextEdit="1"/>
+          </p:cNvSpPr>
+          <p:nvPr>
+            <p:extLst>
+              <p:ext uri="{386F3935-93C4-4BCD-93E2-E3B085C9AB24}">
+                <p16:designElem xmlns:p16="http://schemas.microsoft.com/office/powerpoint/2015/main" val="1"/>
+              </p:ext>
+            </p:extLst>
+          </p:nvPr>
+        </p:nvSpPr>
+        <p:spPr>
+          <a:xfrm>
+            <a:off x="0" y="0"/>
+            <a:ext cx="12192000" cy="6858000"/>
+          </a:xfrm>
+          <a:prstGeom prst="rect">
+            <a:avLst/>
+          </a:prstGeom>
+          <a:ln w="12700" cap="flat" cmpd="sng" algn="ctr">
+            <a:noFill/>
+            <a:prstDash val="solid"/>
+            <a:miter lim="800000"/>
+          </a:ln>
+          <a:effectLst/>
+          <a:extLst>
+            <a:ext uri="{91240B29-F687-4F45-9708-019B960494DF}">
+              <a14:hiddenLine xmlns:a14="http://schemas.microsoft.com/office/drawing/2010/main" w="12700" cap="flat" cmpd="sng" algn="ctr">
+                <a:solidFill>
+                  <a:schemeClr val="accent1">
+                    <a:shade val="50000"/>
+                  </a:schemeClr>
+                </a:solidFill>
+                <a:prstDash val="solid"/>
+                <a:miter lim="800000"/>
+              </a14:hiddenLine>
+            </a:ext>
+          </a:extLst>
+        </p:spPr>
+        <p:style>
+          <a:lnRef idx="2">
+            <a:schemeClr val="accent1">
+              <a:shade val="50000"/>
+            </a:schemeClr>
+          </a:lnRef>
+          <a:fillRef idx="1">
+            <a:schemeClr val="accent1"/>
+          </a:fillRef>
+          <a:effectRef idx="0">
+            <a:schemeClr val="accent1"/>
+          </a:effectRef>
+          <a:fontRef idx="minor">
+            <a:schemeClr val="lt1"/>
+          </a:fontRef>
+        </p:style>
+        <p:txBody>
+          <a:bodyPr rtlCol="0" anchor="ctr"/>
+          <a:lstStyle/>
+          <a:p>
+            <a:pPr algn="ctr"/>
+            <a:endParaRPr lang="en-US"/>
+          </a:p>
+        </p:txBody>
+      </p:sp>
       <p:sp>
         <p:nvSpPr>
           <p:cNvPr id="6" name="Title 5">
@@ -17013,418 +20377,93 @@
         </p:nvSpPr>
         <p:spPr>
           <a:xfrm>
-            <a:off x="548640" y="548640"/>
-            <a:ext cx="8281987" cy="1253041"/>
+            <a:off x="550863" y="550800"/>
+            <a:ext cx="7308850" cy="986400"/>
           </a:xfrm>
         </p:spPr>
         <p:txBody>
-          <a:bodyPr/>
+          <a:bodyPr vert="horz" wrap="square" lIns="0" tIns="0" rIns="0" bIns="0" rtlCol="0" anchor="ctr" anchorCtr="0">
+            <a:normAutofit/>
+          </a:bodyPr>
           <a:lstStyle/>
           <a:p>
+            <a:pPr>
+              <a:lnSpc>
+                <a:spcPct val="100000"/>
+              </a:lnSpc>
+            </a:pPr>
             <a:r>
               <a:rPr lang="en-US" dirty="0"/>
               <a:t>Too Few Samples</a:t>
             </a:r>
+            <a:endParaRPr lang="en-US"/>
           </a:p>
         </p:txBody>
       </p:sp>
-      <p:pic>
-        <p:nvPicPr>
-          <p:cNvPr id="17" name="Picture Placeholder 16" descr="A man smiling in the office">
-            <a:extLst>
-              <a:ext uri="{FF2B5EF4-FFF2-40B4-BE49-F238E27FC236}">
-                <a16:creationId xmlns:a16="http://schemas.microsoft.com/office/drawing/2014/main" id="{05ED5B1E-974F-476C-A3C9-572D3602E95E}"/>
-              </a:ext>
-            </a:extLst>
-          </p:cNvPr>
-          <p:cNvPicPr>
-            <a:picLocks noGrp="1" noChangeAspect="1"/>
-          </p:cNvPicPr>
-          <p:nvPr>
-            <p:ph type="pic" sz="quarter" idx="13"/>
-          </p:nvPr>
-        </p:nvPicPr>
-        <p:blipFill rotWithShape="1">
-          <a:blip r:embed="rId3" cstate="screen">
-            <a:extLst>
-              <a:ext uri="{28A0092B-C50C-407E-A947-70E740481C1C}">
-                <a14:useLocalDpi xmlns:a14="http://schemas.microsoft.com/office/drawing/2010/main" val="0"/>
-              </a:ext>
-            </a:extLst>
-          </a:blip>
-          <a:srcRect/>
-          <a:stretch/>
-        </p:blipFill>
-        <p:spPr>
-          <a:xfrm>
-            <a:off x="1078992" y="1990724"/>
-            <a:ext cx="1691640" cy="1435608"/>
-          </a:xfrm>
-        </p:spPr>
-      </p:pic>
-      <p:pic>
-        <p:nvPicPr>
-          <p:cNvPr id="36" name="Picture Placeholder 35" descr="A lady smiling in the office">
-            <a:extLst>
-              <a:ext uri="{FF2B5EF4-FFF2-40B4-BE49-F238E27FC236}">
-                <a16:creationId xmlns:a16="http://schemas.microsoft.com/office/drawing/2014/main" id="{F3CCCCDF-EA66-4F5E-98F3-A05239CBBAC4}"/>
-              </a:ext>
-            </a:extLst>
-          </p:cNvPr>
-          <p:cNvPicPr>
-            <a:picLocks noGrp="1" noChangeAspect="1"/>
-          </p:cNvPicPr>
-          <p:nvPr>
-            <p:ph type="pic" sz="quarter" idx="14"/>
-          </p:nvPr>
-        </p:nvPicPr>
-        <p:blipFill rotWithShape="1">
-          <a:blip r:embed="rId4" cstate="screen">
-            <a:extLst>
-              <a:ext uri="{28A0092B-C50C-407E-A947-70E740481C1C}">
-                <a14:useLocalDpi xmlns:a14="http://schemas.microsoft.com/office/drawing/2010/main" val="0"/>
-              </a:ext>
-            </a:extLst>
-          </a:blip>
-          <a:srcRect/>
-          <a:stretch/>
-        </p:blipFill>
-        <p:spPr>
-          <a:xfrm>
-            <a:off x="3838384" y="1990724"/>
-            <a:ext cx="1691640" cy="1435608"/>
-          </a:xfrm>
-        </p:spPr>
-      </p:pic>
-      <p:pic>
-        <p:nvPicPr>
-          <p:cNvPr id="38" name="Picture Placeholder 37" descr="A lady in the office smiling at the camera&#10;">
-            <a:extLst>
-              <a:ext uri="{FF2B5EF4-FFF2-40B4-BE49-F238E27FC236}">
-                <a16:creationId xmlns:a16="http://schemas.microsoft.com/office/drawing/2014/main" id="{8A6BB597-41F4-432E-8432-8F39511B2941}"/>
-              </a:ext>
-            </a:extLst>
-          </p:cNvPr>
-          <p:cNvPicPr>
-            <a:picLocks noGrp="1" noChangeAspect="1"/>
-          </p:cNvPicPr>
-          <p:nvPr>
-            <p:ph type="pic" sz="quarter" idx="15"/>
-          </p:nvPr>
-        </p:nvPicPr>
-        <p:blipFill rotWithShape="1">
-          <a:blip r:embed="rId5" cstate="screen">
-            <a:extLst>
-              <a:ext uri="{28A0092B-C50C-407E-A947-70E740481C1C}">
-                <a14:useLocalDpi xmlns:a14="http://schemas.microsoft.com/office/drawing/2010/main" val="0"/>
-              </a:ext>
-            </a:extLst>
-          </a:blip>
-          <a:srcRect/>
-          <a:stretch/>
-        </p:blipFill>
-        <p:spPr>
-          <a:xfrm>
-            <a:off x="6661976" y="1993392"/>
-            <a:ext cx="1691640" cy="1435608"/>
-          </a:xfrm>
-        </p:spPr>
-      </p:pic>
-      <p:pic>
-        <p:nvPicPr>
-          <p:cNvPr id="40" name="Picture Placeholder 39" descr="Smiling man with a beard">
-            <a:extLst>
-              <a:ext uri="{FF2B5EF4-FFF2-40B4-BE49-F238E27FC236}">
-                <a16:creationId xmlns:a16="http://schemas.microsoft.com/office/drawing/2014/main" id="{76B2FC80-9F3B-46D8-94D9-882D90A858F6}"/>
-              </a:ext>
-            </a:extLst>
-          </p:cNvPr>
-          <p:cNvPicPr>
-            <a:picLocks noGrp="1" noChangeAspect="1"/>
-          </p:cNvPicPr>
-          <p:nvPr>
-            <p:ph type="pic" sz="quarter" idx="16"/>
-          </p:nvPr>
-        </p:nvPicPr>
-        <p:blipFill rotWithShape="1">
-          <a:blip r:embed="rId6" cstate="screen">
-            <a:extLst>
-              <a:ext uri="{28A0092B-C50C-407E-A947-70E740481C1C}">
-                <a14:useLocalDpi xmlns:a14="http://schemas.microsoft.com/office/drawing/2010/main" val="0"/>
-              </a:ext>
-            </a:extLst>
-          </a:blip>
-          <a:srcRect/>
-          <a:stretch/>
-        </p:blipFill>
-        <p:spPr>
-          <a:xfrm>
-            <a:off x="9485568" y="1990724"/>
-            <a:ext cx="1691640" cy="1435608"/>
-          </a:xfrm>
-        </p:spPr>
-      </p:pic>
       <p:sp>
         <p:nvSpPr>
-          <p:cNvPr id="41" name="Text Placeholder 40">
-            <a:extLst>
-              <a:ext uri="{FF2B5EF4-FFF2-40B4-BE49-F238E27FC236}">
-                <a16:creationId xmlns:a16="http://schemas.microsoft.com/office/drawing/2014/main" id="{91181F6D-A54F-4289-8C36-80ECE3B2C8E2}"/>
+          <p:cNvPr id="47" name="Rectangle 46">
+            <a:extLst>
+              <a:ext uri="{FF2B5EF4-FFF2-40B4-BE49-F238E27FC236}">
+                <a16:creationId xmlns:a16="http://schemas.microsoft.com/office/drawing/2014/main" id="{88392DC7-0988-443B-A0D0-E726C7DB622B}"/>
+              </a:ext>
+              <a:ext uri="{C183D7F6-B498-43B3-948B-1728B52AA6E4}">
+                <adec:decorative xmlns:adec="http://schemas.microsoft.com/office/drawing/2017/decorative" val="1"/>
               </a:ext>
             </a:extLst>
           </p:cNvPr>
           <p:cNvSpPr>
-            <a:spLocks noGrp="1"/>
+            <a:spLocks noGrp="1" noRot="1" noChangeAspect="1" noMove="1" noResize="1" noEditPoints="1" noAdjustHandles="1" noChangeArrowheads="1" noChangeShapeType="1" noTextEdit="1"/>
           </p:cNvSpPr>
           <p:nvPr>
-            <p:ph type="body" sz="quarter" idx="18"/>
+            <p:extLst>
+              <p:ext uri="{386F3935-93C4-4BCD-93E2-E3B085C9AB24}">
+                <p16:designElem xmlns:p16="http://schemas.microsoft.com/office/powerpoint/2015/main" val="1"/>
+              </p:ext>
+            </p:extLst>
           </p:nvPr>
         </p:nvSpPr>
         <p:spPr>
           <a:xfrm>
-            <a:off x="1079500" y="3781425"/>
-            <a:ext cx="1711325" cy="365760"/>
+            <a:off x="0" y="2083435"/>
+            <a:ext cx="12192000" cy="4774564"/>
           </a:xfrm>
+          <a:prstGeom prst="rect">
+            <a:avLst/>
+          </a:prstGeom>
+          <a:solidFill>
+            <a:schemeClr val="bg2">
+              <a:lumMod val="10000"/>
+              <a:lumOff val="90000"/>
+              <a:alpha val="5000"/>
+            </a:schemeClr>
+          </a:solidFill>
+          <a:ln>
+            <a:noFill/>
+          </a:ln>
         </p:spPr>
+        <p:style>
+          <a:lnRef idx="2">
+            <a:schemeClr val="accent1">
+              <a:shade val="50000"/>
+            </a:schemeClr>
+          </a:lnRef>
+          <a:fillRef idx="1">
+            <a:schemeClr val="accent1"/>
+          </a:fillRef>
+          <a:effectRef idx="0">
+            <a:schemeClr val="accent1"/>
+          </a:effectRef>
+          <a:fontRef idx="minor">
+            <a:schemeClr val="lt1"/>
+          </a:fontRef>
+        </p:style>
         <p:txBody>
-          <a:bodyPr/>
+          <a:bodyPr rtlCol="0" anchor="ctr"/>
           <a:lstStyle/>
           <a:p>
-            <a:r>
-              <a:rPr lang="en-US" dirty="0"/>
-              <a:t>Name</a:t>
-            </a:r>
-          </a:p>
-        </p:txBody>
-      </p:sp>
-      <p:sp>
-        <p:nvSpPr>
-          <p:cNvPr id="15" name="Subtitle 14">
-            <a:extLst>
-              <a:ext uri="{FF2B5EF4-FFF2-40B4-BE49-F238E27FC236}">
-                <a16:creationId xmlns:a16="http://schemas.microsoft.com/office/drawing/2014/main" id="{84D39D81-9726-4BD7-BDC0-FA0B2AD0D219}"/>
-              </a:ext>
-            </a:extLst>
-          </p:cNvPr>
-          <p:cNvSpPr>
-            <a:spLocks noGrp="1"/>
-          </p:cNvSpPr>
-          <p:nvPr>
-            <p:ph type="body" sz="quarter" idx="17"/>
-          </p:nvPr>
-        </p:nvSpPr>
-        <p:spPr>
-          <a:xfrm>
-            <a:off x="1078733" y="4232949"/>
-            <a:ext cx="1711572" cy="638175"/>
-          </a:xfrm>
-        </p:spPr>
-        <p:txBody>
-          <a:bodyPr/>
-          <a:lstStyle/>
-          <a:p>
-            <a:r>
-              <a:rPr lang="en-US" dirty="0"/>
-              <a:t>Title</a:t>
-            </a:r>
-          </a:p>
-        </p:txBody>
-      </p:sp>
-      <p:sp>
-        <p:nvSpPr>
-          <p:cNvPr id="43" name="Text Placeholder 42">
-            <a:extLst>
-              <a:ext uri="{FF2B5EF4-FFF2-40B4-BE49-F238E27FC236}">
-                <a16:creationId xmlns:a16="http://schemas.microsoft.com/office/drawing/2014/main" id="{E4387CED-5FBE-4AFF-B64D-975B5574F16F}"/>
-              </a:ext>
-            </a:extLst>
-          </p:cNvPr>
-          <p:cNvSpPr>
-            <a:spLocks noGrp="1"/>
-          </p:cNvSpPr>
-          <p:nvPr>
-            <p:ph type="body" sz="quarter" idx="20"/>
-          </p:nvPr>
-        </p:nvSpPr>
-        <p:spPr>
-          <a:xfrm>
-            <a:off x="3839151" y="3781425"/>
-            <a:ext cx="1711325" cy="365760"/>
-          </a:xfrm>
-        </p:spPr>
-        <p:txBody>
-          <a:bodyPr/>
-          <a:lstStyle/>
-          <a:p>
-            <a:r>
-              <a:rPr lang="en-US" dirty="0"/>
-              <a:t>Name</a:t>
-            </a:r>
-          </a:p>
-        </p:txBody>
-      </p:sp>
-      <p:sp>
-        <p:nvSpPr>
-          <p:cNvPr id="42" name="Text Placeholder 41">
-            <a:extLst>
-              <a:ext uri="{FF2B5EF4-FFF2-40B4-BE49-F238E27FC236}">
-                <a16:creationId xmlns:a16="http://schemas.microsoft.com/office/drawing/2014/main" id="{CCDF84CD-BC27-4182-9FBA-9D4FEED95410}"/>
-              </a:ext>
-            </a:extLst>
-          </p:cNvPr>
-          <p:cNvSpPr>
-            <a:spLocks noGrp="1"/>
-          </p:cNvSpPr>
-          <p:nvPr>
-            <p:ph type="body" sz="quarter" idx="19"/>
-          </p:nvPr>
-        </p:nvSpPr>
-        <p:spPr>
-          <a:xfrm>
-            <a:off x="3838384" y="4232949"/>
-            <a:ext cx="1711572" cy="638175"/>
-          </a:xfrm>
-        </p:spPr>
-        <p:txBody>
-          <a:bodyPr/>
-          <a:lstStyle/>
-          <a:p>
-            <a:r>
-              <a:rPr lang="en-US" dirty="0"/>
-              <a:t>Title</a:t>
-            </a:r>
-          </a:p>
-        </p:txBody>
-      </p:sp>
-      <p:sp>
-        <p:nvSpPr>
-          <p:cNvPr id="45" name="Text Placeholder 44">
-            <a:extLst>
-              <a:ext uri="{FF2B5EF4-FFF2-40B4-BE49-F238E27FC236}">
-                <a16:creationId xmlns:a16="http://schemas.microsoft.com/office/drawing/2014/main" id="{FE5CD03B-066A-46AF-8FB8-E8A78074ABEF}"/>
-              </a:ext>
-            </a:extLst>
-          </p:cNvPr>
-          <p:cNvSpPr>
-            <a:spLocks noGrp="1"/>
-          </p:cNvSpPr>
-          <p:nvPr>
-            <p:ph type="body" sz="quarter" idx="22"/>
-          </p:nvPr>
-        </p:nvSpPr>
-        <p:spPr>
-          <a:xfrm>
-            <a:off x="6662743" y="3781425"/>
-            <a:ext cx="1711325" cy="365760"/>
-          </a:xfrm>
-        </p:spPr>
-        <p:txBody>
-          <a:bodyPr/>
-          <a:lstStyle/>
-          <a:p>
-            <a:r>
-              <a:rPr lang="en-US" dirty="0"/>
-              <a:t>Name</a:t>
-            </a:r>
-          </a:p>
-        </p:txBody>
-      </p:sp>
-      <p:sp>
-        <p:nvSpPr>
-          <p:cNvPr id="44" name="Text Placeholder 43">
-            <a:extLst>
-              <a:ext uri="{FF2B5EF4-FFF2-40B4-BE49-F238E27FC236}">
-                <a16:creationId xmlns:a16="http://schemas.microsoft.com/office/drawing/2014/main" id="{10E83414-3440-46C7-8C07-7D073B69C422}"/>
-              </a:ext>
-            </a:extLst>
-          </p:cNvPr>
-          <p:cNvSpPr>
-            <a:spLocks noGrp="1"/>
-          </p:cNvSpPr>
-          <p:nvPr>
-            <p:ph type="body" sz="quarter" idx="21"/>
-          </p:nvPr>
-        </p:nvSpPr>
-        <p:spPr>
-          <a:xfrm>
-            <a:off x="6661976" y="4232949"/>
-            <a:ext cx="1711572" cy="638175"/>
-          </a:xfrm>
-        </p:spPr>
-        <p:txBody>
-          <a:bodyPr/>
-          <a:lstStyle/>
-          <a:p>
-            <a:r>
-              <a:rPr lang="en-US" dirty="0"/>
-              <a:t>Title</a:t>
-            </a:r>
-          </a:p>
-        </p:txBody>
-      </p:sp>
-      <p:sp>
-        <p:nvSpPr>
-          <p:cNvPr id="47" name="Text Placeholder 46">
-            <a:extLst>
-              <a:ext uri="{FF2B5EF4-FFF2-40B4-BE49-F238E27FC236}">
-                <a16:creationId xmlns:a16="http://schemas.microsoft.com/office/drawing/2014/main" id="{F4640D91-CB97-4FCC-8FEF-F4B22B844DC4}"/>
-              </a:ext>
-            </a:extLst>
-          </p:cNvPr>
-          <p:cNvSpPr>
-            <a:spLocks noGrp="1"/>
-          </p:cNvSpPr>
-          <p:nvPr>
-            <p:ph type="body" sz="quarter" idx="24"/>
-          </p:nvPr>
-        </p:nvSpPr>
-        <p:spPr>
-          <a:xfrm>
-            <a:off x="9433112" y="3787288"/>
-            <a:ext cx="1711325" cy="365760"/>
-          </a:xfrm>
-        </p:spPr>
-        <p:txBody>
-          <a:bodyPr/>
-          <a:lstStyle/>
-          <a:p>
-            <a:r>
-              <a:rPr lang="en-US" dirty="0"/>
-              <a:t>Name</a:t>
-            </a:r>
-          </a:p>
-        </p:txBody>
-      </p:sp>
-      <p:sp>
-        <p:nvSpPr>
-          <p:cNvPr id="3" name="Text Placeholder 2">
-            <a:extLst>
-              <a:ext uri="{FF2B5EF4-FFF2-40B4-BE49-F238E27FC236}">
-                <a16:creationId xmlns:a16="http://schemas.microsoft.com/office/drawing/2014/main" id="{B1C6A53C-7538-4FF9-BC09-EFC116FE7054}"/>
-              </a:ext>
-            </a:extLst>
-          </p:cNvPr>
-          <p:cNvSpPr>
-            <a:spLocks noGrp="1"/>
-          </p:cNvSpPr>
-          <p:nvPr>
-            <p:ph type="body" sz="quarter" idx="23"/>
-          </p:nvPr>
-        </p:nvSpPr>
-        <p:spPr>
-          <a:xfrm>
-            <a:off x="9432345" y="4238812"/>
-            <a:ext cx="1711572" cy="638175"/>
-          </a:xfrm>
-        </p:spPr>
-        <p:txBody>
-          <a:bodyPr/>
-          <a:lstStyle/>
-          <a:p>
-            <a:r>
-              <a:rPr lang="en-US" dirty="0"/>
-              <a:t>Title</a:t>
-            </a:r>
+            <a:pPr algn="ctr"/>
+            <a:endParaRPr lang="en-US"/>
           </a:p>
         </p:txBody>
       </p:sp>
@@ -17451,14 +20490,26 @@
           </a:xfrm>
         </p:spPr>
         <p:txBody>
-          <a:bodyPr/>
+          <a:bodyPr vert="horz" wrap="square" lIns="0" tIns="0" rIns="0" bIns="0" rtlCol="0" anchor="ctr">
+            <a:normAutofit/>
+          </a:bodyPr>
           <a:lstStyle/>
           <a:p>
+            <a:pPr>
+              <a:spcAft>
+                <a:spcPts val="600"/>
+              </a:spcAft>
+            </a:pPr>
             <a:r>
-              <a:rPr lang="en-US"/>
+              <a:rPr lang="en-US">
+                <a:solidFill>
+                  <a:schemeClr val="tx1">
+                    <a:alpha val="80000"/>
+                  </a:schemeClr>
+                </a:solidFill>
+              </a:rPr>
               <a:t>Tuesday, February 2, 20XX</a:t>
             </a:r>
-            <a:endParaRPr lang="en-US" dirty="0"/>
           </a:p>
         </p:txBody>
       </p:sp>
@@ -17485,11 +20536,27 @@
           </a:xfrm>
         </p:spPr>
         <p:txBody>
-          <a:bodyPr/>
+          <a:bodyPr vert="horz" wrap="square" lIns="0" tIns="0" rIns="0" bIns="0" rtlCol="0" anchor="ctr">
+            <a:normAutofit/>
+          </a:bodyPr>
           <a:lstStyle/>
           <a:p>
+            <a:pPr>
+              <a:spcAft>
+                <a:spcPts val="600"/>
+              </a:spcAft>
+            </a:pPr>
             <a:r>
-              <a:rPr lang="en-US"/>
+              <a:rPr lang="en-US" kern="1200">
+                <a:solidFill>
+                  <a:schemeClr val="tx1">
+                    <a:alpha val="80000"/>
+                  </a:schemeClr>
+                </a:solidFill>
+                <a:latin typeface="+mn-lt"/>
+                <a:ea typeface="+mn-ea"/>
+                <a:cs typeface="+mn-cs"/>
+              </a:rPr>
               <a:t>Sample Footer Text</a:t>
             </a:r>
           </a:p>
@@ -17518,18 +20585,69 @@
           </a:xfrm>
         </p:spPr>
         <p:txBody>
-          <a:bodyPr/>
+          <a:bodyPr vert="horz" wrap="square" lIns="0" tIns="0" rIns="0" bIns="0" rtlCol="0" anchor="ctr">
+            <a:normAutofit/>
+          </a:bodyPr>
           <a:lstStyle/>
           <a:p>
+            <a:pPr>
+              <a:spcAft>
+                <a:spcPts val="600"/>
+              </a:spcAft>
+            </a:pPr>
             <a:fld id="{DBA1B0FB-D917-4C8C-928F-313BD683BF39}" type="slidenum">
-              <a:rPr lang="en-US" smtClean="0"/>
-              <a:pPr/>
+              <a:rPr lang="en-US" smtClean="0">
+                <a:solidFill>
+                  <a:schemeClr val="tx1">
+                    <a:alpha val="80000"/>
+                  </a:schemeClr>
+                </a:solidFill>
+              </a:rPr>
+              <a:pPr>
+                <a:spcAft>
+                  <a:spcPts val="600"/>
+                </a:spcAft>
+              </a:pPr>
               <a:t>8</a:t>
             </a:fld>
-            <a:endParaRPr lang="en-US"/>
+            <a:endParaRPr lang="en-US">
+              <a:solidFill>
+                <a:schemeClr val="tx1">
+                  <a:alpha val="80000"/>
+                </a:schemeClr>
+              </a:solidFill>
+            </a:endParaRPr>
           </a:p>
         </p:txBody>
       </p:sp>
+      <p:graphicFrame>
+        <p:nvGraphicFramePr>
+          <p:cNvPr id="35" name="TextBox 32">
+            <a:extLst>
+              <a:ext uri="{FF2B5EF4-FFF2-40B4-BE49-F238E27FC236}">
+                <a16:creationId xmlns:a16="http://schemas.microsoft.com/office/drawing/2014/main" id="{1E58266F-0F83-AF3E-A1E7-530A354701C0}"/>
+              </a:ext>
+            </a:extLst>
+          </p:cNvPr>
+          <p:cNvGraphicFramePr/>
+          <p:nvPr>
+            <p:extLst>
+              <p:ext uri="{D42A27DB-BD31-4B8C-83A1-F6EECF244321}">
+                <p14:modId xmlns:p14="http://schemas.microsoft.com/office/powerpoint/2010/main" val="3317306289"/>
+              </p:ext>
+            </p:extLst>
+          </p:nvPr>
+        </p:nvGraphicFramePr>
+        <p:xfrm>
+          <a:off x="550863" y="2624135"/>
+          <a:ext cx="11090276" cy="3468690"/>
+        </p:xfrm>
+        <a:graphic>
+          <a:graphicData uri="http://schemas.openxmlformats.org/drawingml/2006/diagram">
+            <dgm:relIds xmlns:dgm="http://schemas.openxmlformats.org/drawingml/2006/diagram" xmlns:r="http://schemas.openxmlformats.org/officeDocument/2006/relationships" r:dm="rId3" r:lo="rId4" r:qs="rId5" r:cs="rId6"/>
+          </a:graphicData>
+        </a:graphic>
+      </p:graphicFrame>
     </p:spTree>
     <p:extLst>
       <p:ext uri="{BB962C8B-B14F-4D97-AF65-F5344CB8AC3E}">
@@ -17925,73 +21043,6 @@
       </p:sp>
       <p:sp>
         <p:nvSpPr>
-          <p:cNvPr id="9" name="Text Placeholder 8">
-            <a:extLst>
-              <a:ext uri="{FF2B5EF4-FFF2-40B4-BE49-F238E27FC236}">
-                <a16:creationId xmlns:a16="http://schemas.microsoft.com/office/drawing/2014/main" id="{0D098C43-2F2A-4100-89BC-5931039293FA}"/>
-              </a:ext>
-            </a:extLst>
-          </p:cNvPr>
-          <p:cNvSpPr>
-            <a:spLocks noGrp="1"/>
-          </p:cNvSpPr>
-          <p:nvPr>
-            <p:ph type="body" idx="1"/>
-          </p:nvPr>
-        </p:nvSpPr>
-        <p:spPr>
-          <a:xfrm>
-            <a:off x="550864" y="1731375"/>
-            <a:ext cx="5437186" cy="535354"/>
-          </a:xfrm>
-        </p:spPr>
-        <p:txBody>
-          <a:bodyPr/>
-          <a:lstStyle/>
-          <a:p>
-            <a:r>
-              <a:rPr lang="en-US"/>
-              <a:t>Subtitle</a:t>
-            </a:r>
-            <a:endParaRPr lang="en-US" dirty="0"/>
-          </a:p>
-        </p:txBody>
-      </p:sp>
-      <p:sp>
-        <p:nvSpPr>
-          <p:cNvPr id="11" name="Text Placeholder 10">
-            <a:extLst>
-              <a:ext uri="{FF2B5EF4-FFF2-40B4-BE49-F238E27FC236}">
-                <a16:creationId xmlns:a16="http://schemas.microsoft.com/office/drawing/2014/main" id="{60726BA7-44D6-4116-90E3-38325026EAAD}"/>
-              </a:ext>
-            </a:extLst>
-          </p:cNvPr>
-          <p:cNvSpPr>
-            <a:spLocks noGrp="1"/>
-          </p:cNvSpPr>
-          <p:nvPr>
-            <p:ph type="body" sz="quarter" idx="3"/>
-          </p:nvPr>
-        </p:nvSpPr>
-        <p:spPr>
-          <a:xfrm>
-            <a:off x="6212024" y="1731375"/>
-            <a:ext cx="5436392" cy="535354"/>
-          </a:xfrm>
-        </p:spPr>
-        <p:txBody>
-          <a:bodyPr/>
-          <a:lstStyle/>
-          <a:p>
-            <a:r>
-              <a:rPr lang="en-US" dirty="0"/>
-              <a:t>Subtitle</a:t>
-            </a:r>
-          </a:p>
-        </p:txBody>
-      </p:sp>
-      <p:sp>
-        <p:nvSpPr>
           <p:cNvPr id="4" name="Date Placeholder 3">
             <a:extLst>
               <a:ext uri="{FF2B5EF4-FFF2-40B4-BE49-F238E27FC236}">
@@ -18253,56 +21304,35 @@
           </a:p>
         </p:txBody>
       </p:sp>
-      <p:sp>
-        <p:nvSpPr>
-          <p:cNvPr id="3" name="Content Placeholder 2">
-            <a:extLst>
-              <a:ext uri="{FF2B5EF4-FFF2-40B4-BE49-F238E27FC236}">
-                <a16:creationId xmlns:a16="http://schemas.microsoft.com/office/drawing/2014/main" id="{36953EB4-D26B-37B9-4DBD-73FECA6F5A27}"/>
-              </a:ext>
-            </a:extLst>
-          </p:cNvPr>
-          <p:cNvSpPr>
-            <a:spLocks noGrp="1"/>
-          </p:cNvSpPr>
+      <p:pic>
+        <p:nvPicPr>
+          <p:cNvPr id="8" name="Content Placeholder 7" descr="Chart&#10;&#10;Description automatically generated">
+            <a:extLst>
+              <a:ext uri="{FF2B5EF4-FFF2-40B4-BE49-F238E27FC236}">
+                <a16:creationId xmlns:a16="http://schemas.microsoft.com/office/drawing/2014/main" id="{92F21A9C-188E-4826-6A9B-2B2E621E8BC5}"/>
+              </a:ext>
+            </a:extLst>
+          </p:cNvPr>
+          <p:cNvPicPr>
+            <a:picLocks noGrp="1" noChangeAspect="1"/>
+          </p:cNvPicPr>
           <p:nvPr>
             <p:ph sz="half" idx="2"/>
           </p:nvPr>
-        </p:nvSpPr>
-        <p:spPr/>
-        <p:txBody>
-          <a:bodyPr/>
-          <a:lstStyle/>
-          <a:p>
-            <a:endParaRPr lang="en-US"/>
-          </a:p>
-        </p:txBody>
-      </p:sp>
-      <p:sp>
-        <p:nvSpPr>
-          <p:cNvPr id="13" name="Content Placeholder 12">
-            <a:extLst>
-              <a:ext uri="{FF2B5EF4-FFF2-40B4-BE49-F238E27FC236}">
-                <a16:creationId xmlns:a16="http://schemas.microsoft.com/office/drawing/2014/main" id="{1D01E234-49A9-2B88-0F6D-952522A82746}"/>
-              </a:ext>
-            </a:extLst>
-          </p:cNvPr>
-          <p:cNvSpPr>
-            <a:spLocks noGrp="1"/>
-          </p:cNvSpPr>
-          <p:nvPr>
-            <p:ph sz="quarter" idx="4"/>
-          </p:nvPr>
-        </p:nvSpPr>
-        <p:spPr/>
-        <p:txBody>
-          <a:bodyPr/>
-          <a:lstStyle/>
-          <a:p>
-            <a:endParaRPr lang="en-US"/>
-          </a:p>
-        </p:txBody>
-      </p:sp>
+        </p:nvPicPr>
+        <p:blipFill>
+          <a:blip r:embed="rId3"/>
+          <a:stretch>
+            <a:fillRect/>
+          </a:stretch>
+        </p:blipFill>
+        <p:spPr>
+          <a:xfrm>
+            <a:off x="550862" y="2514600"/>
+            <a:ext cx="11097551" cy="3000374"/>
+          </a:xfrm>
+        </p:spPr>
+      </p:pic>
     </p:spTree>
     <p:extLst>
       <p:ext uri="{BB962C8B-B14F-4D97-AF65-F5344CB8AC3E}">
@@ -19108,6 +22138,15 @@
 </file>
 
 <file path=customXml/item1.xml><?xml version="1.0" encoding="utf-8"?>
+<?mso-contentType ?>
+<FormTemplates xmlns="http://schemas.microsoft.com/sharepoint/v3/contenttype/forms">
+  <Display>DocumentLibraryForm</Display>
+  <Edit>DocumentLibraryForm</Edit>
+  <New>DocumentLibraryForm</New>
+</FormTemplates>
+</file>
+
+<file path=customXml/item2.xml><?xml version="1.0" encoding="utf-8"?>
 <p:properties xmlns:p="http://schemas.microsoft.com/office/2006/metadata/properties" xmlns:xsi="http://www.w3.org/2001/XMLSchema-instance" xmlns:pc="http://schemas.microsoft.com/office/infopath/2007/PartnerControls">
   <documentManagement>
     <_ip_UnifiedCompliancePolicyUIAction xmlns="http://schemas.microsoft.com/sharepoint/v3" xsi:nil="true"/>
@@ -19124,15 +22163,6 @@
     <MediaServiceKeyPoints xmlns="71af3243-3dd4-4a8d-8c0d-dd76da1f02a5" xsi:nil="true"/>
   </documentManagement>
 </p:properties>
-</file>
-
-<file path=customXml/item2.xml><?xml version="1.0" encoding="utf-8"?>
-<?mso-contentType ?>
-<FormTemplates xmlns="http://schemas.microsoft.com/sharepoint/v3/contenttype/forms">
-  <Display>DocumentLibraryForm</Display>
-  <Edit>DocumentLibraryForm</Edit>
-  <New>DocumentLibraryForm</New>
-</FormTemplates>
 </file>
 
 <file path=customXml/item3.xml><?xml version="1.0" encoding="utf-8"?>
@@ -19412,6 +22442,14 @@
 </file>
 
 <file path=customXml/itemProps1.xml><?xml version="1.0" encoding="utf-8"?>
+<ds:datastoreItem xmlns:ds="http://schemas.openxmlformats.org/officeDocument/2006/customXml" ds:itemID="{904751AB-E840-446F-8D49-E697067EC887}">
+  <ds:schemaRefs>
+    <ds:schemaRef ds:uri="http://schemas.microsoft.com/sharepoint/v3/contenttype/forms"/>
+  </ds:schemaRefs>
+</ds:datastoreItem>
+</file>
+
+<file path=customXml/itemProps2.xml><?xml version="1.0" encoding="utf-8"?>
 <ds:datastoreItem xmlns:ds="http://schemas.openxmlformats.org/officeDocument/2006/customXml" ds:itemID="{50811A92-D464-4AC4-A396-BA73B10CEEAC}">
   <ds:schemaRefs>
     <ds:schemaRef ds:uri="http://schemas.microsoft.com/office/2006/metadata/properties"/>
@@ -19419,14 +22457,6 @@
     <ds:schemaRef ds:uri="http://schemas.microsoft.com/sharepoint/v3"/>
     <ds:schemaRef ds:uri="71af3243-3dd4-4a8d-8c0d-dd76da1f02a5"/>
     <ds:schemaRef ds:uri="230e9df3-be65-4c73-a93b-d1236ebd677e"/>
-  </ds:schemaRefs>
-</ds:datastoreItem>
-</file>
-
-<file path=customXml/itemProps2.xml><?xml version="1.0" encoding="utf-8"?>
-<ds:datastoreItem xmlns:ds="http://schemas.openxmlformats.org/officeDocument/2006/customXml" ds:itemID="{904751AB-E840-446F-8D49-E697067EC887}">
-  <ds:schemaRefs>
-    <ds:schemaRef ds:uri="http://schemas.microsoft.com/sharepoint/v3/contenttype/forms"/>
   </ds:schemaRefs>
 </ds:datastoreItem>
 </file>

--- a/Classifying Depression with Activity.pptx
+++ b/Classifying Depression with Activity.pptx
@@ -3030,7 +3030,7 @@
           <a:p>
             <a:fld id="{C17F2C1D-F243-42AB-ADF2-E7CB4E04900E}" type="datetimeFigureOut">
               <a:rPr lang="en-US" smtClean="0"/>
-              <a:t>12/2/2022</a:t>
+              <a:t>12/3/2022</a:t>
             </a:fld>
             <a:endParaRPr lang="en-US"/>
           </a:p>
@@ -3207,7 +3207,7 @@
           <a:p>
             <a:fld id="{020CE34E-5667-4A32-A6BA-10C7A552BC63}" type="datetimeFigureOut">
               <a:rPr lang="en-US" smtClean="0"/>
-              <a:t>12/2/2022</a:t>
+              <a:t>12/3/2022</a:t>
             </a:fld>
             <a:endParaRPr lang="en-US"/>
           </a:p>
@@ -16595,7 +16595,7 @@
           <a:p>
             <a:r>
               <a:rPr lang="en-US" dirty="0"/>
-              <a:t>Subtitle</a:t>
+              <a:t>Basic Data</a:t>
             </a:r>
           </a:p>
         </p:txBody>
@@ -16624,45 +16624,36 @@
         </p:spPr>
         <p:txBody>
           <a:bodyPr>
-            <a:normAutofit fontScale="92500" lnSpcReduction="20000"/>
+            <a:normAutofit/>
           </a:bodyPr>
           <a:lstStyle/>
           <a:p>
             <a:pPr lvl="0"/>
             <a:r>
               <a:rPr lang="en-US" dirty="0"/>
-              <a:t>Add text, images, art, and videos. </a:t>
+              <a:t>Basically, left the data as is and ran a Random Forest classifier on it. </a:t>
             </a:r>
           </a:p>
           <a:p>
             <a:pPr lvl="0"/>
             <a:r>
               <a:rPr lang="en-US" dirty="0"/>
-              <a:t>Add transitions, animations, and motion. </a:t>
+              <a:t>We did need to start the data at the same time of day and trim the data to the length of our test data.</a:t>
             </a:r>
           </a:p>
           <a:p>
             <a:pPr lvl="0"/>
             <a:r>
               <a:rPr lang="en-US" dirty="0"/>
-              <a:t>Save to OneDrive, to get to your presentations from your computer, tablet, or phone. </a:t>
+              <a:t>Used only one sample in test and had every sample be a test. </a:t>
             </a:r>
           </a:p>
           <a:p>
+            <a:pPr lvl="0"/>
             <a:r>
               <a:rPr lang="en-US" dirty="0"/>
-              <a:t>Open the Design Ideas pane for instant slide makeovers. </a:t>
+              <a:t>The best accuracy ended up being around 60%</a:t>
             </a:r>
-          </a:p>
-          <a:p>
-            <a:r>
-              <a:rPr lang="en-US" dirty="0"/>
-              <a:t>When we have design ideas, we’ll show them to you right there. </a:t>
-            </a:r>
-          </a:p>
-          <a:p>
-            <a:pPr lvl="0"/>
-            <a:endParaRPr lang="en-US" dirty="0"/>
           </a:p>
           <a:p>
             <a:endParaRPr lang="en-US" dirty="0"/>
@@ -16697,7 +16688,7 @@
           <a:p>
             <a:r>
               <a:rPr lang="en-US" dirty="0"/>
-              <a:t>subtitle</a:t>
+              <a:t>Split into days</a:t>
             </a:r>
           </a:p>
         </p:txBody>
@@ -16726,40 +16717,28 @@
         </p:spPr>
         <p:txBody>
           <a:bodyPr>
-            <a:normAutofit lnSpcReduction="10000"/>
+            <a:normAutofit/>
           </a:bodyPr>
           <a:lstStyle/>
           <a:p>
             <a:pPr lvl="0"/>
             <a:r>
               <a:rPr lang="en-US" dirty="0"/>
-              <a:t>Add text, images, art, and videos. </a:t>
+              <a:t>All data separated into days gave us a lot more samples to work with. </a:t>
             </a:r>
           </a:p>
           <a:p>
             <a:pPr lvl="0"/>
             <a:r>
               <a:rPr lang="en-US" dirty="0"/>
-              <a:t>Add transitions, animations, and motion. </a:t>
+              <a:t>We were able to use a larger test size. (70:30 split)</a:t>
             </a:r>
           </a:p>
           <a:p>
             <a:pPr lvl="0"/>
             <a:r>
               <a:rPr lang="en-US" dirty="0"/>
-              <a:t>Save to OneDrive, to get to your presentations from your computer, tablet, or phone. </a:t>
-            </a:r>
-          </a:p>
-          <a:p>
-            <a:r>
-              <a:rPr lang="en-US" dirty="0"/>
-              <a:t>Open the Design Ideas pane for instant slide makeovers. </a:t>
-            </a:r>
-          </a:p>
-          <a:p>
-            <a:r>
-              <a:rPr lang="en-US" dirty="0"/>
-              <a:t>When we have design ideas, we’ll show them to you right there.</a:t>
+              <a:t>Accuracy ended up being around 65%</a:t>
             </a:r>
           </a:p>
         </p:txBody>
@@ -16791,10 +16770,9 @@
           <a:lstStyle/>
           <a:p>
             <a:r>
-              <a:rPr lang="en-US"/>
-              <a:t>subtitle</a:t>
+              <a:rPr lang="en-US" dirty="0"/>
+              <a:t>Cleanup day split</a:t>
             </a:r>
-            <a:endParaRPr lang="en-US" dirty="0"/>
           </a:p>
         </p:txBody>
       </p:sp>
@@ -16822,107 +16800,28 @@
         </p:spPr>
         <p:txBody>
           <a:bodyPr>
-            <a:normAutofit lnSpcReduction="10000"/>
+            <a:normAutofit/>
           </a:bodyPr>
           <a:lstStyle/>
           <a:p>
             <a:pPr lvl="0"/>
             <a:r>
               <a:rPr lang="en-US" dirty="0"/>
-              <a:t>Add text, images, art, and videos. </a:t>
+              <a:t>Removed Bad data</a:t>
             </a:r>
           </a:p>
           <a:p>
             <a:pPr lvl="0"/>
             <a:r>
               <a:rPr lang="en-US" dirty="0"/>
-              <a:t>Add transitions, animations, and motion. </a:t>
+              <a:t>Transformed data into moving average to remove some of the noise.</a:t>
             </a:r>
           </a:p>
           <a:p>
             <a:pPr lvl="0"/>
             <a:r>
               <a:rPr lang="en-US" dirty="0"/>
-              <a:t>Save to OneDrive, to get to your presentations from your computer, tablet, or phone. </a:t>
-            </a:r>
-          </a:p>
-          <a:p>
-            <a:r>
-              <a:rPr lang="en-US" dirty="0"/>
-              <a:t>Open the Design Ideas pane for instant slide makeovers. </a:t>
-            </a:r>
-          </a:p>
-          <a:p>
-            <a:r>
-              <a:rPr lang="en-US" dirty="0"/>
-              <a:t>When we have design ideas, we’ll show them to you right there.</a:t>
-            </a:r>
-          </a:p>
-        </p:txBody>
-      </p:sp>
-      <p:sp>
-        <p:nvSpPr>
-          <p:cNvPr id="14" name="Date Placeholder 13">
-            <a:extLst>
-              <a:ext uri="{FF2B5EF4-FFF2-40B4-BE49-F238E27FC236}">
-                <a16:creationId xmlns:a16="http://schemas.microsoft.com/office/drawing/2014/main" id="{D236478C-E242-44E0-8357-C72C9B588CA7}"/>
-              </a:ext>
-            </a:extLst>
-          </p:cNvPr>
-          <p:cNvSpPr>
-            <a:spLocks noGrp="1"/>
-          </p:cNvSpPr>
-          <p:nvPr>
-            <p:ph type="dt" sz="half" idx="10"/>
-          </p:nvPr>
-        </p:nvSpPr>
-        <p:spPr>
-          <a:xfrm>
-            <a:off x="550863" y="6507212"/>
-            <a:ext cx="2628900" cy="153888"/>
-          </a:xfrm>
-        </p:spPr>
-        <p:txBody>
-          <a:bodyPr/>
-          <a:lstStyle/>
-          <a:p>
-            <a:r>
-              <a:rPr lang="en-US"/>
-              <a:t>Tuesday, February 2, 20XX</a:t>
-            </a:r>
-            <a:endParaRPr lang="en-US" dirty="0"/>
-          </a:p>
-        </p:txBody>
-      </p:sp>
-      <p:sp>
-        <p:nvSpPr>
-          <p:cNvPr id="15" name="Footer Placeholder 14">
-            <a:extLst>
-              <a:ext uri="{FF2B5EF4-FFF2-40B4-BE49-F238E27FC236}">
-                <a16:creationId xmlns:a16="http://schemas.microsoft.com/office/drawing/2014/main" id="{65A6DC02-681E-4AF7-AC6E-57CDDB2FBA28}"/>
-              </a:ext>
-            </a:extLst>
-          </p:cNvPr>
-          <p:cNvSpPr>
-            <a:spLocks noGrp="1"/>
-          </p:cNvSpPr>
-          <p:nvPr>
-            <p:ph type="ftr" sz="quarter" idx="11"/>
-          </p:nvPr>
-        </p:nvSpPr>
-        <p:spPr>
-          <a:xfrm>
-            <a:off x="3359150" y="6507212"/>
-            <a:ext cx="6379210" cy="153888"/>
-          </a:xfrm>
-        </p:spPr>
-        <p:txBody>
-          <a:bodyPr/>
-          <a:lstStyle/>
-          <a:p>
-            <a:r>
-              <a:rPr lang="en-US"/>
-              <a:t>Sample Footer Text</a:t>
+              <a:t>Accuracy ended up being around 80%</a:t>
             </a:r>
           </a:p>
         </p:txBody>
@@ -16958,7 +16857,7 @@
               <a:pPr/>
               <a:t>11</a:t>
             </a:fld>
-            <a:endParaRPr lang="en-US"/>
+            <a:endParaRPr lang="en-US" dirty="0"/>
           </a:p>
         </p:txBody>
       </p:sp>
@@ -17083,80 +16982,19 @@
         </p:spPr>
         <p:txBody>
           <a:bodyPr>
-            <a:normAutofit lnSpcReduction="10000"/>
+            <a:normAutofit fontScale="92500" lnSpcReduction="20000"/>
           </a:bodyPr>
           <a:lstStyle/>
           <a:p>
             <a:r>
               <a:rPr lang="en-US" dirty="0"/>
-              <a:t>With PowerPoint, you can create presentations and share your work with others, wherever they are. Type the text you want here to get started. You can also add images, art, and videos on this template. Save to OneDrive and access your presentations from your computer, tablet, or phone. </a:t>
+              <a:t>We want to try implementing a deep neural network to see how it would improve the accuracy. </a:t>
             </a:r>
           </a:p>
-        </p:txBody>
-      </p:sp>
-      <p:sp>
-        <p:nvSpPr>
-          <p:cNvPr id="4" name="Date Placeholder 3">
-            <a:extLst>
-              <a:ext uri="{FF2B5EF4-FFF2-40B4-BE49-F238E27FC236}">
-                <a16:creationId xmlns:a16="http://schemas.microsoft.com/office/drawing/2014/main" id="{0C329F70-04F7-4C70-BCF8-D4371F54EF2F}"/>
-              </a:ext>
-            </a:extLst>
-          </p:cNvPr>
-          <p:cNvSpPr>
-            <a:spLocks noGrp="1"/>
-          </p:cNvSpPr>
-          <p:nvPr>
-            <p:ph type="dt" sz="half" idx="10"/>
-          </p:nvPr>
-        </p:nvSpPr>
-        <p:spPr>
-          <a:xfrm>
-            <a:off x="550863" y="6507212"/>
-            <a:ext cx="2628900" cy="153888"/>
-          </a:xfrm>
-        </p:spPr>
-        <p:txBody>
-          <a:bodyPr/>
-          <a:lstStyle/>
           <a:p>
             <a:r>
-              <a:rPr lang="en-US"/>
-              <a:t>Tuesday, February 2, 20XX</a:t>
-            </a:r>
-            <a:endParaRPr lang="en-US" dirty="0"/>
-          </a:p>
-        </p:txBody>
-      </p:sp>
-      <p:sp>
-        <p:nvSpPr>
-          <p:cNvPr id="5" name="Footer Placeholder 4">
-            <a:extLst>
-              <a:ext uri="{FF2B5EF4-FFF2-40B4-BE49-F238E27FC236}">
-                <a16:creationId xmlns:a16="http://schemas.microsoft.com/office/drawing/2014/main" id="{06A3302E-502D-4151-81C9-5FD6AF9596D6}"/>
-              </a:ext>
-            </a:extLst>
-          </p:cNvPr>
-          <p:cNvSpPr>
-            <a:spLocks noGrp="1"/>
-          </p:cNvSpPr>
-          <p:nvPr>
-            <p:ph type="ftr" sz="quarter" idx="11"/>
-          </p:nvPr>
-        </p:nvSpPr>
-        <p:spPr>
-          <a:xfrm>
-            <a:off x="3359150" y="6507212"/>
-            <a:ext cx="6379210" cy="153888"/>
-          </a:xfrm>
-        </p:spPr>
-        <p:txBody>
-          <a:bodyPr/>
-          <a:lstStyle/>
-          <a:p>
-            <a:r>
-              <a:rPr lang="en-US"/>
-              <a:t>Sample Footer Text</a:t>
+              <a:rPr lang="en-US" dirty="0"/>
+              <a:t>Additionally, we would like to see how specific actions throughout the day can be used to classify depression such as exercise, sleep, etc.</a:t>
             </a:r>
           </a:p>
         </p:txBody>
@@ -17371,72 +17209,6 @@
           </a:xfrm>
         </p:spPr>
       </p:pic>
-      <p:sp>
-        <p:nvSpPr>
-          <p:cNvPr id="4" name="Date Placeholder 3">
-            <a:extLst>
-              <a:ext uri="{FF2B5EF4-FFF2-40B4-BE49-F238E27FC236}">
-                <a16:creationId xmlns:a16="http://schemas.microsoft.com/office/drawing/2014/main" id="{7823E305-6365-4345-8BD1-4A31C61D96CB}"/>
-              </a:ext>
-            </a:extLst>
-          </p:cNvPr>
-          <p:cNvSpPr>
-            <a:spLocks noGrp="1"/>
-          </p:cNvSpPr>
-          <p:nvPr>
-            <p:ph type="dt" sz="half" idx="10"/>
-          </p:nvPr>
-        </p:nvSpPr>
-        <p:spPr>
-          <a:xfrm>
-            <a:off x="550863" y="6507212"/>
-            <a:ext cx="2628900" cy="153888"/>
-          </a:xfrm>
-        </p:spPr>
-        <p:txBody>
-          <a:bodyPr/>
-          <a:lstStyle/>
-          <a:p>
-            <a:r>
-              <a:rPr lang="en-US"/>
-              <a:t>Tuesday, February 2, 20XX</a:t>
-            </a:r>
-          </a:p>
-        </p:txBody>
-      </p:sp>
-      <p:sp>
-        <p:nvSpPr>
-          <p:cNvPr id="5" name="Footer Placeholder 4">
-            <a:extLst>
-              <a:ext uri="{FF2B5EF4-FFF2-40B4-BE49-F238E27FC236}">
-                <a16:creationId xmlns:a16="http://schemas.microsoft.com/office/drawing/2014/main" id="{0B37A3FF-ED32-4C4A-A21F-848A3BF6F896}"/>
-              </a:ext>
-            </a:extLst>
-          </p:cNvPr>
-          <p:cNvSpPr>
-            <a:spLocks noGrp="1"/>
-          </p:cNvSpPr>
-          <p:nvPr>
-            <p:ph type="ftr" sz="quarter" idx="11"/>
-          </p:nvPr>
-        </p:nvSpPr>
-        <p:spPr>
-          <a:xfrm>
-            <a:off x="3359150" y="6507212"/>
-            <a:ext cx="6379210" cy="153888"/>
-          </a:xfrm>
-        </p:spPr>
-        <p:txBody>
-          <a:bodyPr/>
-          <a:lstStyle/>
-          <a:p>
-            <a:r>
-              <a:rPr lang="en-US"/>
-              <a:t>Sample Footer Text</a:t>
-            </a:r>
-          </a:p>
-        </p:txBody>
-      </p:sp>
       <p:sp>
         <p:nvSpPr>
           <p:cNvPr id="6" name="Slide Number Placeholder 5">
@@ -19200,31 +18972,6 @@
           </a:p>
         </p:txBody>
       </p:sp>
-      <p:sp>
-        <p:nvSpPr>
-          <p:cNvPr id="6" name="Subtitle 5">
-            <a:extLst>
-              <a:ext uri="{FF2B5EF4-FFF2-40B4-BE49-F238E27FC236}">
-                <a16:creationId xmlns:a16="http://schemas.microsoft.com/office/drawing/2014/main" id="{DEA3A87A-7556-0DC6-CC34-DEFED9BF0B12}"/>
-              </a:ext>
-            </a:extLst>
-          </p:cNvPr>
-          <p:cNvSpPr>
-            <a:spLocks noGrp="1"/>
-          </p:cNvSpPr>
-          <p:nvPr>
-            <p:ph type="subTitle" idx="1"/>
-          </p:nvPr>
-        </p:nvSpPr>
-        <p:spPr/>
-        <p:txBody>
-          <a:bodyPr/>
-          <a:lstStyle/>
-          <a:p>
-            <a:endParaRPr lang="en-US"/>
-          </a:p>
-        </p:txBody>
-      </p:sp>
     </p:spTree>
     <p:extLst>
       <p:ext uri="{BB962C8B-B14F-4D97-AF65-F5344CB8AC3E}">
@@ -19284,72 +19031,6 @@
             <a:r>
               <a:rPr lang="en-US" dirty="0"/>
               <a:t>What does our data look like?</a:t>
-            </a:r>
-          </a:p>
-        </p:txBody>
-      </p:sp>
-      <p:sp>
-        <p:nvSpPr>
-          <p:cNvPr id="14" name="Date Placeholder 13">
-            <a:extLst>
-              <a:ext uri="{FF2B5EF4-FFF2-40B4-BE49-F238E27FC236}">
-                <a16:creationId xmlns:a16="http://schemas.microsoft.com/office/drawing/2014/main" id="{DC738669-5750-45EA-9715-A0041D4C569B}"/>
-              </a:ext>
-            </a:extLst>
-          </p:cNvPr>
-          <p:cNvSpPr>
-            <a:spLocks noGrp="1"/>
-          </p:cNvSpPr>
-          <p:nvPr>
-            <p:ph type="dt" sz="half" idx="10"/>
-          </p:nvPr>
-        </p:nvSpPr>
-        <p:spPr>
-          <a:xfrm>
-            <a:off x="550863" y="6507212"/>
-            <a:ext cx="2628900" cy="153888"/>
-          </a:xfrm>
-        </p:spPr>
-        <p:txBody>
-          <a:bodyPr/>
-          <a:lstStyle/>
-          <a:p>
-            <a:r>
-              <a:rPr lang="en-US"/>
-              <a:t>Tuesday, February 2, 20XX</a:t>
-            </a:r>
-          </a:p>
-        </p:txBody>
-      </p:sp>
-      <p:sp>
-        <p:nvSpPr>
-          <p:cNvPr id="15" name="Footer Placeholder 14">
-            <a:extLst>
-              <a:ext uri="{FF2B5EF4-FFF2-40B4-BE49-F238E27FC236}">
-                <a16:creationId xmlns:a16="http://schemas.microsoft.com/office/drawing/2014/main" id="{CD05A243-8080-4F6D-8538-65CDDF891BA6}"/>
-              </a:ext>
-            </a:extLst>
-          </p:cNvPr>
-          <p:cNvSpPr>
-            <a:spLocks noGrp="1"/>
-          </p:cNvSpPr>
-          <p:nvPr>
-            <p:ph type="ftr" sz="quarter" idx="11"/>
-          </p:nvPr>
-        </p:nvSpPr>
-        <p:spPr>
-          <a:xfrm>
-            <a:off x="3359150" y="6507212"/>
-            <a:ext cx="6379210" cy="153888"/>
-          </a:xfrm>
-        </p:spPr>
-        <p:txBody>
-          <a:bodyPr/>
-          <a:lstStyle/>
-          <a:p>
-            <a:r>
-              <a:rPr lang="en-US"/>
-              <a:t>Sample Footer Text</a:t>
             </a:r>
           </a:p>
         </p:txBody>
@@ -19728,31 +19409,6 @@
               <a:pPr/>
               <a:t>7</a:t>
             </a:fld>
-            <a:endParaRPr lang="en-US"/>
-          </a:p>
-        </p:txBody>
-      </p:sp>
-      <p:sp>
-        <p:nvSpPr>
-          <p:cNvPr id="3" name="Content Placeholder 2">
-            <a:extLst>
-              <a:ext uri="{FF2B5EF4-FFF2-40B4-BE49-F238E27FC236}">
-                <a16:creationId xmlns:a16="http://schemas.microsoft.com/office/drawing/2014/main" id="{318A7378-5CE9-4586-55E9-A6040858F36A}"/>
-              </a:ext>
-            </a:extLst>
-          </p:cNvPr>
-          <p:cNvSpPr>
-            <a:spLocks noGrp="1"/>
-          </p:cNvSpPr>
-          <p:nvPr>
-            <p:ph sz="quarter" idx="15"/>
-          </p:nvPr>
-        </p:nvSpPr>
-        <p:spPr/>
-        <p:txBody>
-          <a:bodyPr/>
-          <a:lstStyle/>
-          <a:p>
             <a:endParaRPr lang="en-US"/>
           </a:p>
         </p:txBody>
@@ -20469,101 +20125,6 @@
       </p:sp>
       <p:sp>
         <p:nvSpPr>
-          <p:cNvPr id="7" name="Date Placeholder 6">
-            <a:extLst>
-              <a:ext uri="{FF2B5EF4-FFF2-40B4-BE49-F238E27FC236}">
-                <a16:creationId xmlns:a16="http://schemas.microsoft.com/office/drawing/2014/main" id="{45F69D6A-822D-4DB9-A2CC-D9106F1F2B68}"/>
-              </a:ext>
-            </a:extLst>
-          </p:cNvPr>
-          <p:cNvSpPr>
-            <a:spLocks noGrp="1"/>
-          </p:cNvSpPr>
-          <p:nvPr>
-            <p:ph type="dt" sz="half" idx="10"/>
-          </p:nvPr>
-        </p:nvSpPr>
-        <p:spPr>
-          <a:xfrm>
-            <a:off x="550863" y="6507212"/>
-            <a:ext cx="2628900" cy="153888"/>
-          </a:xfrm>
-        </p:spPr>
-        <p:txBody>
-          <a:bodyPr vert="horz" wrap="square" lIns="0" tIns="0" rIns="0" bIns="0" rtlCol="0" anchor="ctr">
-            <a:normAutofit/>
-          </a:bodyPr>
-          <a:lstStyle/>
-          <a:p>
-            <a:pPr>
-              <a:spcAft>
-                <a:spcPts val="600"/>
-              </a:spcAft>
-            </a:pPr>
-            <a:r>
-              <a:rPr lang="en-US">
-                <a:solidFill>
-                  <a:schemeClr val="tx1">
-                    <a:alpha val="80000"/>
-                  </a:schemeClr>
-                </a:solidFill>
-              </a:rPr>
-              <a:t>Tuesday, February 2, 20XX</a:t>
-            </a:r>
-          </a:p>
-        </p:txBody>
-      </p:sp>
-      <p:sp>
-        <p:nvSpPr>
-          <p:cNvPr id="8" name="Footer Placeholder 7">
-            <a:extLst>
-              <a:ext uri="{FF2B5EF4-FFF2-40B4-BE49-F238E27FC236}">
-                <a16:creationId xmlns:a16="http://schemas.microsoft.com/office/drawing/2014/main" id="{6375D7F3-165A-439B-8D1D-6553B68C2886}"/>
-              </a:ext>
-            </a:extLst>
-          </p:cNvPr>
-          <p:cNvSpPr>
-            <a:spLocks noGrp="1"/>
-          </p:cNvSpPr>
-          <p:nvPr>
-            <p:ph type="ftr" sz="quarter" idx="11"/>
-          </p:nvPr>
-        </p:nvSpPr>
-        <p:spPr>
-          <a:xfrm>
-            <a:off x="3359150" y="6507212"/>
-            <a:ext cx="6379210" cy="153888"/>
-          </a:xfrm>
-        </p:spPr>
-        <p:txBody>
-          <a:bodyPr vert="horz" wrap="square" lIns="0" tIns="0" rIns="0" bIns="0" rtlCol="0" anchor="ctr">
-            <a:normAutofit/>
-          </a:bodyPr>
-          <a:lstStyle/>
-          <a:p>
-            <a:pPr>
-              <a:spcAft>
-                <a:spcPts val="600"/>
-              </a:spcAft>
-            </a:pPr>
-            <a:r>
-              <a:rPr lang="en-US" kern="1200">
-                <a:solidFill>
-                  <a:schemeClr val="tx1">
-                    <a:alpha val="80000"/>
-                  </a:schemeClr>
-                </a:solidFill>
-                <a:latin typeface="+mn-lt"/>
-                <a:ea typeface="+mn-ea"/>
-                <a:cs typeface="+mn-cs"/>
-              </a:rPr>
-              <a:t>Sample Footer Text</a:t>
-            </a:r>
-          </a:p>
-        </p:txBody>
-      </p:sp>
-      <p:sp>
-        <p:nvSpPr>
           <p:cNvPr id="9" name="Slide Number Placeholder 8">
             <a:extLst>
               <a:ext uri="{FF2B5EF4-FFF2-40B4-BE49-F238E27FC236}">
@@ -21037,73 +20598,6 @@
             <a:r>
               <a:rPr lang="en-US" dirty="0"/>
               <a:t>Bad Data </a:t>
-            </a:r>
-          </a:p>
-        </p:txBody>
-      </p:sp>
-      <p:sp>
-        <p:nvSpPr>
-          <p:cNvPr id="4" name="Date Placeholder 3">
-            <a:extLst>
-              <a:ext uri="{FF2B5EF4-FFF2-40B4-BE49-F238E27FC236}">
-                <a16:creationId xmlns:a16="http://schemas.microsoft.com/office/drawing/2014/main" id="{0C329F70-04F7-4C70-BCF8-D4371F54EF2F}"/>
-              </a:ext>
-            </a:extLst>
-          </p:cNvPr>
-          <p:cNvSpPr>
-            <a:spLocks noGrp="1"/>
-          </p:cNvSpPr>
-          <p:nvPr>
-            <p:ph type="dt" sz="half" idx="10"/>
-          </p:nvPr>
-        </p:nvSpPr>
-        <p:spPr>
-          <a:xfrm>
-            <a:off x="550863" y="6507212"/>
-            <a:ext cx="2628900" cy="153888"/>
-          </a:xfrm>
-        </p:spPr>
-        <p:txBody>
-          <a:bodyPr/>
-          <a:lstStyle/>
-          <a:p>
-            <a:r>
-              <a:rPr lang="en-US"/>
-              <a:t>Tuesday, February 2, 20XX</a:t>
-            </a:r>
-            <a:endParaRPr lang="en-US" dirty="0"/>
-          </a:p>
-        </p:txBody>
-      </p:sp>
-      <p:sp>
-        <p:nvSpPr>
-          <p:cNvPr id="5" name="Footer Placeholder 4">
-            <a:extLst>
-              <a:ext uri="{FF2B5EF4-FFF2-40B4-BE49-F238E27FC236}">
-                <a16:creationId xmlns:a16="http://schemas.microsoft.com/office/drawing/2014/main" id="{06A3302E-502D-4151-81C9-5FD6AF9596D6}"/>
-              </a:ext>
-            </a:extLst>
-          </p:cNvPr>
-          <p:cNvSpPr>
-            <a:spLocks noGrp="1"/>
-          </p:cNvSpPr>
-          <p:nvPr>
-            <p:ph type="ftr" sz="quarter" idx="11"/>
-          </p:nvPr>
-        </p:nvSpPr>
-        <p:spPr>
-          <a:xfrm>
-            <a:off x="3359150" y="6507212"/>
-            <a:ext cx="6379210" cy="153888"/>
-          </a:xfrm>
-        </p:spPr>
-        <p:txBody>
-          <a:bodyPr/>
-          <a:lstStyle/>
-          <a:p>
-            <a:r>
-              <a:rPr lang="en-US"/>
-              <a:t>Sample Footer Text</a:t>
             </a:r>
           </a:p>
         </p:txBody>
@@ -22138,15 +21632,6 @@
 </file>
 
 <file path=customXml/item1.xml><?xml version="1.0" encoding="utf-8"?>
-<?mso-contentType ?>
-<FormTemplates xmlns="http://schemas.microsoft.com/sharepoint/v3/contenttype/forms">
-  <Display>DocumentLibraryForm</Display>
-  <Edit>DocumentLibraryForm</Edit>
-  <New>DocumentLibraryForm</New>
-</FormTemplates>
-</file>
-
-<file path=customXml/item2.xml><?xml version="1.0" encoding="utf-8"?>
 <p:properties xmlns:p="http://schemas.microsoft.com/office/2006/metadata/properties" xmlns:xsi="http://www.w3.org/2001/XMLSchema-instance" xmlns:pc="http://schemas.microsoft.com/office/infopath/2007/PartnerControls">
   <documentManagement>
     <_ip_UnifiedCompliancePolicyUIAction xmlns="http://schemas.microsoft.com/sharepoint/v3" xsi:nil="true"/>
@@ -22163,6 +21648,15 @@
     <MediaServiceKeyPoints xmlns="71af3243-3dd4-4a8d-8c0d-dd76da1f02a5" xsi:nil="true"/>
   </documentManagement>
 </p:properties>
+</file>
+
+<file path=customXml/item2.xml><?xml version="1.0" encoding="utf-8"?>
+<?mso-contentType ?>
+<FormTemplates xmlns="http://schemas.microsoft.com/sharepoint/v3/contenttype/forms">
+  <Display>DocumentLibraryForm</Display>
+  <Edit>DocumentLibraryForm</Edit>
+  <New>DocumentLibraryForm</New>
+</FormTemplates>
 </file>
 
 <file path=customXml/item3.xml><?xml version="1.0" encoding="utf-8"?>
@@ -22442,14 +21936,6 @@
 </file>
 
 <file path=customXml/itemProps1.xml><?xml version="1.0" encoding="utf-8"?>
-<ds:datastoreItem xmlns:ds="http://schemas.openxmlformats.org/officeDocument/2006/customXml" ds:itemID="{904751AB-E840-446F-8D49-E697067EC887}">
-  <ds:schemaRefs>
-    <ds:schemaRef ds:uri="http://schemas.microsoft.com/sharepoint/v3/contenttype/forms"/>
-  </ds:schemaRefs>
-</ds:datastoreItem>
-</file>
-
-<file path=customXml/itemProps2.xml><?xml version="1.0" encoding="utf-8"?>
 <ds:datastoreItem xmlns:ds="http://schemas.openxmlformats.org/officeDocument/2006/customXml" ds:itemID="{50811A92-D464-4AC4-A396-BA73B10CEEAC}">
   <ds:schemaRefs>
     <ds:schemaRef ds:uri="http://schemas.microsoft.com/office/2006/metadata/properties"/>
@@ -22457,6 +21943,14 @@
     <ds:schemaRef ds:uri="http://schemas.microsoft.com/sharepoint/v3"/>
     <ds:schemaRef ds:uri="71af3243-3dd4-4a8d-8c0d-dd76da1f02a5"/>
     <ds:schemaRef ds:uri="230e9df3-be65-4c73-a93b-d1236ebd677e"/>
+  </ds:schemaRefs>
+</ds:datastoreItem>
+</file>
+
+<file path=customXml/itemProps2.xml><?xml version="1.0" encoding="utf-8"?>
+<ds:datastoreItem xmlns:ds="http://schemas.openxmlformats.org/officeDocument/2006/customXml" ds:itemID="{904751AB-E840-446F-8D49-E697067EC887}">
+  <ds:schemaRefs>
+    <ds:schemaRef ds:uri="http://schemas.microsoft.com/sharepoint/v3/contenttype/forms"/>
   </ds:schemaRefs>
 </ds:datastoreItem>
 </file>
